--- a/RestSample/java-docs/java2a/java-advance-section-5-xml-json-maven.pptx
+++ b/RestSample/java-docs/java2a/java-advance-section-5-xml-json-maven.pptx
@@ -50,31 +50,32 @@
     <p:sldId id="485" r:id="rId44"/>
     <p:sldId id="486" r:id="rId45"/>
     <p:sldId id="487" r:id="rId46"/>
-    <p:sldId id="488" r:id="rId47"/>
-    <p:sldId id="489" r:id="rId48"/>
-    <p:sldId id="490" r:id="rId49"/>
-    <p:sldId id="491" r:id="rId50"/>
-    <p:sldId id="492" r:id="rId51"/>
-    <p:sldId id="493" r:id="rId52"/>
-    <p:sldId id="494" r:id="rId53"/>
-    <p:sldId id="495" r:id="rId54"/>
-    <p:sldId id="496" r:id="rId55"/>
-    <p:sldId id="497" r:id="rId56"/>
-    <p:sldId id="498" r:id="rId57"/>
-    <p:sldId id="499" r:id="rId58"/>
-    <p:sldId id="500" r:id="rId59"/>
-    <p:sldId id="501" r:id="rId60"/>
-    <p:sldId id="430" r:id="rId61"/>
-    <p:sldId id="354" r:id="rId62"/>
-    <p:sldId id="356" r:id="rId63"/>
-    <p:sldId id="357" r:id="rId64"/>
-    <p:sldId id="358" r:id="rId65"/>
-    <p:sldId id="364" r:id="rId66"/>
-    <p:sldId id="355" r:id="rId67"/>
-    <p:sldId id="359" r:id="rId68"/>
-    <p:sldId id="361" r:id="rId69"/>
-    <p:sldId id="362" r:id="rId70"/>
-    <p:sldId id="483" r:id="rId71"/>
+    <p:sldId id="505" r:id="rId47"/>
+    <p:sldId id="488" r:id="rId48"/>
+    <p:sldId id="489" r:id="rId49"/>
+    <p:sldId id="490" r:id="rId50"/>
+    <p:sldId id="491" r:id="rId51"/>
+    <p:sldId id="492" r:id="rId52"/>
+    <p:sldId id="493" r:id="rId53"/>
+    <p:sldId id="494" r:id="rId54"/>
+    <p:sldId id="495" r:id="rId55"/>
+    <p:sldId id="496" r:id="rId56"/>
+    <p:sldId id="497" r:id="rId57"/>
+    <p:sldId id="498" r:id="rId58"/>
+    <p:sldId id="499" r:id="rId59"/>
+    <p:sldId id="500" r:id="rId60"/>
+    <p:sldId id="501" r:id="rId61"/>
+    <p:sldId id="430" r:id="rId62"/>
+    <p:sldId id="354" r:id="rId63"/>
+    <p:sldId id="356" r:id="rId64"/>
+    <p:sldId id="357" r:id="rId65"/>
+    <p:sldId id="358" r:id="rId66"/>
+    <p:sldId id="364" r:id="rId67"/>
+    <p:sldId id="355" r:id="rId68"/>
+    <p:sldId id="359" r:id="rId69"/>
+    <p:sldId id="361" r:id="rId70"/>
+    <p:sldId id="362" r:id="rId71"/>
+    <p:sldId id="483" r:id="rId72"/>
   </p:sldIdLst>
   <p:sldSz cx="12192000" cy="6858000"/>
   <p:notesSz cx="6858000" cy="9144000"/>
@@ -3120,6 +3121,13 @@
   <p:clrMapOvr>
     <a:masterClrMapping/>
   </p:clrMapOvr>
+  <p:timing>
+    <p:tnLst>
+      <p:par>
+        <p:cTn id="1" dur="indefinite" restart="never" nodeType="tmRoot"/>
+      </p:par>
+    </p:tnLst>
+  </p:timing>
 </p:sld>
 </file>
 
@@ -3859,7 +3867,7 @@
         </p:spPr>
         <p:txBody>
           <a:bodyPr>
-            <a:normAutofit fontScale="92500" lnSpcReduction="20000"/>
+            <a:normAutofit fontScale="77500" lnSpcReduction="20000"/>
           </a:bodyPr>
           <a:lstStyle/>
           <a:p>
@@ -3868,7 +3876,7 @@
               <a:buNone/>
             </a:pPr>
             <a:r>
-              <a:rPr lang="en-CA" altLang="zh-CN" sz="2000" smtClean="0"/>
+              <a:rPr lang="en-CA" altLang="zh-CN" sz="2000" dirty="0" smtClean="0"/>
               <a:t>public class Main {</a:t>
             </a:r>
           </a:p>
@@ -3878,8 +3886,16 @@
               <a:buNone/>
             </a:pPr>
             <a:r>
-              <a:rPr lang="en-CA" altLang="zh-CN" sz="2000" smtClean="0"/>
-              <a:t>    public static void main(String[] args) {</a:t>
+              <a:rPr lang="en-CA" altLang="zh-CN" sz="2000" dirty="0" smtClean="0"/>
+              <a:t>    public static void main(String[] </a:t>
+            </a:r>
+            <a:r>
+              <a:rPr lang="en-CA" altLang="zh-CN" sz="2000" dirty="0" err="1" smtClean="0"/>
+              <a:t>args</a:t>
+            </a:r>
+            <a:r>
+              <a:rPr lang="en-CA" altLang="zh-CN" sz="2000" dirty="0" smtClean="0"/>
+              <a:t>) {</a:t>
             </a:r>
           </a:p>
           <a:p>
@@ -3888,7 +3904,7 @@
               <a:buNone/>
             </a:pPr>
             <a:r>
-              <a:rPr lang="en-CA" altLang="zh-CN" sz="2000" smtClean="0"/>
+              <a:rPr lang="en-CA" altLang="zh-CN" sz="2000" dirty="0" smtClean="0"/>
               <a:t>        try {</a:t>
             </a:r>
           </a:p>
@@ -3898,8 +3914,24 @@
               <a:buNone/>
             </a:pPr>
             <a:r>
-              <a:rPr lang="en-CA" altLang="zh-CN" sz="2000" smtClean="0"/>
-              <a:t>            int[] data = new int[]{1,2,3};</a:t>
+              <a:rPr lang="en-CA" altLang="zh-CN" sz="2000" dirty="0" smtClean="0"/>
+              <a:t>            </a:t>
+            </a:r>
+            <a:r>
+              <a:rPr lang="en-CA" altLang="zh-CN" sz="2000" dirty="0" err="1" smtClean="0"/>
+              <a:t>int</a:t>
+            </a:r>
+            <a:r>
+              <a:rPr lang="en-CA" altLang="zh-CN" sz="2000" dirty="0" smtClean="0"/>
+              <a:t>[] data = new </a:t>
+            </a:r>
+            <a:r>
+              <a:rPr lang="en-CA" altLang="zh-CN" sz="2000" dirty="0" err="1" smtClean="0"/>
+              <a:t>int</a:t>
+            </a:r>
+            <a:r>
+              <a:rPr lang="en-CA" altLang="zh-CN" sz="2000" dirty="0" smtClean="0"/>
+              <a:t>[]{1,2,3};</a:t>
             </a:r>
           </a:p>
           <a:p>
@@ -3908,8 +3940,24 @@
               <a:buNone/>
             </a:pPr>
             <a:r>
-              <a:rPr lang="en-CA" altLang="zh-CN" sz="2000" smtClean="0"/>
-              <a:t>            System.out.println(getDataByIndex(-1,data));</a:t>
+              <a:rPr lang="en-CA" altLang="zh-CN" sz="2000" dirty="0" smtClean="0"/>
+              <a:t>            </a:t>
+            </a:r>
+            <a:r>
+              <a:rPr lang="en-CA" altLang="zh-CN" sz="2000" dirty="0" err="1" smtClean="0"/>
+              <a:t>System.out.println</a:t>
+            </a:r>
+            <a:r>
+              <a:rPr lang="en-CA" altLang="zh-CN" sz="2000" dirty="0" smtClean="0"/>
+              <a:t>(</a:t>
+            </a:r>
+            <a:r>
+              <a:rPr lang="en-CA" altLang="zh-CN" sz="2000" dirty="0" err="1" smtClean="0"/>
+              <a:t>getDataByIndex</a:t>
+            </a:r>
+            <a:r>
+              <a:rPr lang="en-CA" altLang="zh-CN" sz="2000" dirty="0" smtClean="0"/>
+              <a:t>(-1,data));</a:t>
             </a:r>
           </a:p>
           <a:p>
@@ -3918,7 +3966,7 @@
               <a:buNone/>
             </a:pPr>
             <a:r>
-              <a:rPr lang="en-CA" altLang="zh-CN" sz="2000" smtClean="0"/>
+              <a:rPr lang="en-CA" altLang="zh-CN" sz="2000" dirty="0" smtClean="0"/>
               <a:t>        } catch (Exception e) {</a:t>
             </a:r>
           </a:p>
@@ -3928,8 +3976,24 @@
               <a:buNone/>
             </a:pPr>
             <a:r>
-              <a:rPr lang="en-CA" altLang="zh-CN" sz="2000" smtClean="0"/>
-              <a:t>            System.out.println(e.getMessage());</a:t>
+              <a:rPr lang="en-CA" altLang="zh-CN" sz="2000" dirty="0" smtClean="0"/>
+              <a:t>            </a:t>
+            </a:r>
+            <a:r>
+              <a:rPr lang="en-CA" altLang="zh-CN" sz="2000" dirty="0" err="1" smtClean="0"/>
+              <a:t>System.out.println</a:t>
+            </a:r>
+            <a:r>
+              <a:rPr lang="en-CA" altLang="zh-CN" sz="2000" dirty="0" smtClean="0"/>
+              <a:t>(</a:t>
+            </a:r>
+            <a:r>
+              <a:rPr lang="en-CA" altLang="zh-CN" sz="2000" dirty="0" err="1" smtClean="0"/>
+              <a:t>e.getMessage</a:t>
+            </a:r>
+            <a:r>
+              <a:rPr lang="en-CA" altLang="zh-CN" sz="2000" dirty="0" smtClean="0"/>
+              <a:t>());</a:t>
             </a:r>
           </a:p>
           <a:p>
@@ -3938,7 +4002,7 @@
               <a:buNone/>
             </a:pPr>
             <a:r>
-              <a:rPr lang="en-CA" altLang="zh-CN" sz="2000" smtClean="0"/>
+              <a:rPr lang="en-CA" altLang="zh-CN" sz="2000" dirty="0" smtClean="0"/>
               <a:t>        }</a:t>
             </a:r>
           </a:p>
@@ -3948,7 +4012,7 @@
               <a:buNone/>
             </a:pPr>
             <a:r>
-              <a:rPr lang="en-CA" altLang="zh-CN" sz="2000" smtClean="0"/>
+              <a:rPr lang="en-CA" altLang="zh-CN" sz="2000" dirty="0" smtClean="0"/>
               <a:t>         </a:t>
             </a:r>
           </a:p>
@@ -3958,7 +4022,7 @@
               <a:buNone/>
             </a:pPr>
             <a:r>
-              <a:rPr lang="en-CA" altLang="zh-CN" sz="2000" smtClean="0"/>
+              <a:rPr lang="en-CA" altLang="zh-CN" sz="2000" dirty="0" smtClean="0"/>
               <a:t>    }</a:t>
             </a:r>
           </a:p>
@@ -3968,7 +4032,7 @@
               <a:buNone/>
             </a:pPr>
             <a:r>
-              <a:rPr lang="en-CA" altLang="zh-CN" sz="2000" smtClean="0"/>
+              <a:rPr lang="en-CA" altLang="zh-CN" sz="2000" dirty="0" smtClean="0"/>
               <a:t>     </a:t>
             </a:r>
           </a:p>
@@ -3978,8 +4042,40 @@
               <a:buNone/>
             </a:pPr>
             <a:r>
-              <a:rPr lang="en-CA" altLang="zh-CN" sz="2000" smtClean="0"/>
-              <a:t>    public static int getDataByIndex(int index,int[] data) {</a:t>
+              <a:rPr lang="en-CA" altLang="zh-CN" sz="2000" dirty="0" smtClean="0"/>
+              <a:t>    public static </a:t>
+            </a:r>
+            <a:r>
+              <a:rPr lang="en-CA" altLang="zh-CN" sz="2000" dirty="0" err="1" smtClean="0"/>
+              <a:t>int</a:t>
+            </a:r>
+            <a:r>
+              <a:rPr lang="en-CA" altLang="zh-CN" sz="2000" dirty="0" smtClean="0"/>
+              <a:t> </a:t>
+            </a:r>
+            <a:r>
+              <a:rPr lang="en-CA" altLang="zh-CN" sz="2000" dirty="0" err="1" smtClean="0"/>
+              <a:t>getDataByIndex</a:t>
+            </a:r>
+            <a:r>
+              <a:rPr lang="en-CA" altLang="zh-CN" sz="2000" dirty="0" smtClean="0"/>
+              <a:t>(</a:t>
+            </a:r>
+            <a:r>
+              <a:rPr lang="en-CA" altLang="zh-CN" sz="2000" dirty="0" err="1" smtClean="0"/>
+              <a:t>int</a:t>
+            </a:r>
+            <a:r>
+              <a:rPr lang="en-CA" altLang="zh-CN" sz="2000" dirty="0" smtClean="0"/>
+              <a:t> </a:t>
+            </a:r>
+            <a:r>
+              <a:rPr lang="en-CA" altLang="zh-CN" sz="2000" dirty="0" err="1" smtClean="0"/>
+              <a:t>index,int</a:t>
+            </a:r>
+            <a:r>
+              <a:rPr lang="en-CA" altLang="zh-CN" sz="2000" dirty="0" smtClean="0"/>
+              <a:t>[] data) {</a:t>
             </a:r>
           </a:p>
           <a:p>
@@ -3988,9 +4084,18 @@
               <a:buNone/>
             </a:pPr>
             <a:r>
-              <a:rPr lang="en-CA" altLang="zh-CN" sz="2000" smtClean="0"/>
-              <a:t>        if(index&lt;0||index&gt;=data.length)</a:t>
-            </a:r>
+              <a:rPr lang="en-CA" altLang="zh-CN" sz="2000" dirty="0" smtClean="0"/>
+              <a:t>        if(index&lt;0||index&gt;=</a:t>
+            </a:r>
+            <a:r>
+              <a:rPr lang="en-CA" altLang="zh-CN" sz="2000" dirty="0" err="1" smtClean="0"/>
+              <a:t>data.length</a:t>
+            </a:r>
+            <a:r>
+              <a:rPr lang="en-CA" altLang="zh-CN" sz="2000" dirty="0" smtClean="0"/>
+              <a:t>){</a:t>
+            </a:r>
+            <a:endParaRPr lang="en-CA" altLang="zh-CN" sz="2000" dirty="0" smtClean="0"/>
           </a:p>
           <a:p>
             <a:pPr marL="0" indent="0">
@@ -3998,15 +4103,23 @@
               <a:buNone/>
             </a:pPr>
             <a:r>
-              <a:rPr lang="en-CA" altLang="zh-CN" sz="2000" smtClean="0"/>
-              <a:t>            throw new ArrayIndexOutOfBoundsException("</a:t>
-            </a:r>
-            <a:r>
-              <a:rPr lang="zh-CN" altLang="en-US" sz="2000" smtClean="0"/>
+              <a:rPr lang="en-CA" altLang="zh-CN" sz="2000" dirty="0" smtClean="0"/>
+              <a:t>            throw new </a:t>
+            </a:r>
+            <a:r>
+              <a:rPr lang="en-CA" altLang="zh-CN" sz="2000" dirty="0" err="1" smtClean="0"/>
+              <a:t>ArrayIndexOutOfBoundsException</a:t>
+            </a:r>
+            <a:r>
+              <a:rPr lang="en-CA" altLang="zh-CN" sz="2000" dirty="0" smtClean="0"/>
+              <a:t>("</a:t>
+            </a:r>
+            <a:r>
+              <a:rPr lang="zh-CN" altLang="en-US" sz="2000" dirty="0" smtClean="0"/>
               <a:t>数组下标越界</a:t>
             </a:r>
             <a:r>
-              <a:rPr lang="en-US" altLang="zh-CN" sz="2000" smtClean="0"/>
+              <a:rPr lang="en-US" altLang="zh-CN" sz="2000" dirty="0" smtClean="0"/>
               <a:t>");</a:t>
             </a:r>
           </a:p>
@@ -4016,13 +4129,22 @@
               <a:buNone/>
             </a:pPr>
             <a:r>
-              <a:rPr lang="en-US" altLang="zh-CN" sz="2000" smtClean="0"/>
-              <a:t>        </a:t>
-            </a:r>
-            <a:r>
-              <a:rPr lang="en-CA" altLang="zh-CN" sz="2000" smtClean="0"/>
-              <a:t>return data[index];</a:t>
-            </a:r>
+              <a:rPr lang="en-US" altLang="zh-CN" sz="2000" dirty="0"/>
+              <a:t> </a:t>
+            </a:r>
+            <a:r>
+              <a:rPr lang="en-US" altLang="zh-CN" sz="2000" dirty="0" smtClean="0"/>
+              <a:t>           </a:t>
+            </a:r>
+            <a:r>
+              <a:rPr lang="en-US" altLang="zh-CN" sz="2000" dirty="0" err="1" smtClean="0"/>
+              <a:t>System.out.println</a:t>
+            </a:r>
+            <a:r>
+              <a:rPr lang="en-US" altLang="zh-CN" sz="2000" dirty="0" smtClean="0"/>
+              <a:t>(“fatal errors!”);</a:t>
+            </a:r>
+            <a:endParaRPr lang="en-US" altLang="zh-CN" sz="2000" dirty="0" smtClean="0"/>
           </a:p>
           <a:p>
             <a:pPr marL="0" indent="0">
@@ -4030,9 +4152,14 @@
               <a:buNone/>
             </a:pPr>
             <a:r>
-              <a:rPr lang="en-CA" altLang="zh-CN" sz="2000" smtClean="0"/>
-              <a:t>    }</a:t>
-            </a:r>
+              <a:rPr lang="en-US" altLang="zh-CN" sz="2000" dirty="0"/>
+              <a:t> </a:t>
+            </a:r>
+            <a:r>
+              <a:rPr lang="en-US" altLang="zh-CN" sz="2000" dirty="0" smtClean="0"/>
+              <a:t>       }</a:t>
+            </a:r>
+            <a:endParaRPr lang="en-US" altLang="zh-CN" sz="2000" dirty="0" smtClean="0"/>
           </a:p>
           <a:p>
             <a:pPr marL="0" indent="0">
@@ -4040,10 +4167,34 @@
               <a:buNone/>
             </a:pPr>
             <a:r>
-              <a:rPr lang="en-CA" altLang="zh-CN" sz="2000" smtClean="0"/>
+              <a:rPr lang="en-US" altLang="zh-CN" sz="2000" dirty="0" smtClean="0"/>
+              <a:t>        </a:t>
+            </a:r>
+            <a:r>
+              <a:rPr lang="en-CA" altLang="zh-CN" sz="2000" dirty="0" smtClean="0"/>
+              <a:t>return data[index];</a:t>
+            </a:r>
+          </a:p>
+          <a:p>
+            <a:pPr marL="0" indent="0">
+              <a:buFont typeface="Arial" panose="020B0604020202020204" pitchFamily="34" charset="0"/>
+              <a:buNone/>
+            </a:pPr>
+            <a:r>
+              <a:rPr lang="en-CA" altLang="zh-CN" sz="2000" dirty="0" smtClean="0"/>
+              <a:t>    }</a:t>
+            </a:r>
+          </a:p>
+          <a:p>
+            <a:pPr marL="0" indent="0">
+              <a:buFont typeface="Arial" panose="020B0604020202020204" pitchFamily="34" charset="0"/>
+              <a:buNone/>
+            </a:pPr>
+            <a:r>
+              <a:rPr lang="en-CA" altLang="zh-CN" sz="2000" dirty="0" smtClean="0"/>
               <a:t>}</a:t>
             </a:r>
-            <a:endParaRPr lang="en-CA" altLang="en-US" sz="2000" smtClean="0"/>
+            <a:endParaRPr lang="en-CA" altLang="en-US" sz="2000" dirty="0" smtClean="0"/>
           </a:p>
         </p:txBody>
       </p:sp>
@@ -5013,6 +5164,13 @@
   <p:clrMapOvr>
     <a:masterClrMapping/>
   </p:clrMapOvr>
+  <p:timing>
+    <p:tnLst>
+      <p:par>
+        <p:cTn id="1" dur="indefinite" restart="never" nodeType="tmRoot"/>
+      </p:par>
+    </p:tnLst>
+  </p:timing>
 </p:sld>
 </file>
 
@@ -5164,19 +5322,23 @@
               <a:buNone/>
             </a:pPr>
             <a:r>
-              <a:rPr lang="zh-CN" altLang="en-US" sz="2000" smtClean="0"/>
+              <a:rPr lang="zh-CN" altLang="en-US" sz="2000" dirty="0" smtClean="0"/>
               <a:t>下面的列表是 </a:t>
             </a:r>
             <a:r>
-              <a:rPr lang="en-CA" altLang="en-US" sz="2000" smtClean="0"/>
-              <a:t>Throwable </a:t>
-            </a:r>
-            <a:r>
-              <a:rPr lang="zh-CN" altLang="en-US" sz="2000" smtClean="0"/>
+              <a:rPr lang="en-CA" altLang="en-US" sz="2000" dirty="0" err="1" smtClean="0"/>
+              <a:t>Throwable</a:t>
+            </a:r>
+            <a:r>
+              <a:rPr lang="en-CA" altLang="en-US" sz="2000" dirty="0" smtClean="0"/>
+              <a:t> </a:t>
+            </a:r>
+            <a:r>
+              <a:rPr lang="zh-CN" altLang="en-US" sz="2000" dirty="0" smtClean="0"/>
               <a:t>类的主要方法</a:t>
             </a:r>
             <a:r>
-              <a:rPr lang="en-US" altLang="zh-CN" sz="2000" smtClean="0"/>
+              <a:rPr lang="en-US" altLang="zh-CN" sz="2000" dirty="0" smtClean="0"/>
               <a:t>:</a:t>
             </a:r>
           </a:p>
@@ -5186,7 +5348,7 @@
               <a:buNone/>
             </a:pPr>
             <a:r>
-              <a:rPr lang="zh-CN" altLang="en-US" sz="2000" smtClean="0"/>
+              <a:rPr lang="zh-CN" altLang="en-US" sz="2000" dirty="0" smtClean="0"/>
               <a:t>序号	方法及说明</a:t>
             </a:r>
           </a:p>
@@ -5196,12 +5358,20 @@
               <a:buNone/>
             </a:pPr>
             <a:r>
-              <a:rPr lang="en-US" altLang="zh-CN" sz="2000" smtClean="0"/>
+              <a:rPr lang="en-US" altLang="zh-CN" sz="2000" dirty="0" smtClean="0"/>
               <a:t>1	</a:t>
             </a:r>
             <a:r>
-              <a:rPr lang="en-CA" altLang="en-US" sz="2000" smtClean="0"/>
-              <a:t>public String getMessage()</a:t>
+              <a:rPr lang="en-CA" altLang="en-US" sz="2000" dirty="0" smtClean="0"/>
+              <a:t>public String </a:t>
+            </a:r>
+            <a:r>
+              <a:rPr lang="en-CA" altLang="en-US" sz="2000" dirty="0" err="1" smtClean="0"/>
+              <a:t>getMessage</a:t>
+            </a:r>
+            <a:r>
+              <a:rPr lang="en-CA" altLang="en-US" sz="2000" dirty="0" smtClean="0"/>
+              <a:t>()</a:t>
             </a:r>
           </a:p>
           <a:p>
@@ -5210,15 +5380,19 @@
               <a:buNone/>
             </a:pPr>
             <a:r>
-              <a:rPr lang="zh-CN" altLang="en-US" sz="2000" smtClean="0"/>
+              <a:rPr lang="zh-CN" altLang="en-US" sz="2000" dirty="0" smtClean="0"/>
               <a:t>返回关于发生的异常的详细信息。这个消息在</a:t>
             </a:r>
             <a:r>
-              <a:rPr lang="en-CA" altLang="en-US" sz="2000" smtClean="0"/>
-              <a:t>Throwable </a:t>
-            </a:r>
-            <a:r>
-              <a:rPr lang="zh-CN" altLang="en-US" sz="2000" smtClean="0"/>
+              <a:rPr lang="en-CA" altLang="en-US" sz="2000" dirty="0" err="1" smtClean="0"/>
+              <a:t>Throwable</a:t>
+            </a:r>
+            <a:r>
+              <a:rPr lang="en-CA" altLang="en-US" sz="2000" dirty="0" smtClean="0"/>
+              <a:t> </a:t>
+            </a:r>
+            <a:r>
+              <a:rPr lang="zh-CN" altLang="en-US" sz="2000" dirty="0" smtClean="0"/>
               <a:t>类的构造函数中初始化了。</a:t>
             </a:r>
           </a:p>
@@ -5228,12 +5402,28 @@
               <a:buNone/>
             </a:pPr>
             <a:r>
-              <a:rPr lang="en-US" altLang="zh-CN" sz="2000" smtClean="0"/>
+              <a:rPr lang="en-US" altLang="zh-CN" sz="2000" dirty="0" smtClean="0"/>
               <a:t>2	</a:t>
             </a:r>
             <a:r>
-              <a:rPr lang="en-CA" altLang="en-US" sz="2000" smtClean="0"/>
-              <a:t>public Throwable getCause()</a:t>
+              <a:rPr lang="en-CA" altLang="en-US" sz="2000" dirty="0" smtClean="0"/>
+              <a:t>public </a:t>
+            </a:r>
+            <a:r>
+              <a:rPr lang="en-CA" altLang="en-US" sz="2000" dirty="0" err="1" smtClean="0"/>
+              <a:t>Throwable</a:t>
+            </a:r>
+            <a:r>
+              <a:rPr lang="en-CA" altLang="en-US" sz="2000" dirty="0" smtClean="0"/>
+              <a:t> </a:t>
+            </a:r>
+            <a:r>
+              <a:rPr lang="en-CA" altLang="en-US" sz="2000" dirty="0" err="1" smtClean="0"/>
+              <a:t>getCause</a:t>
+            </a:r>
+            <a:r>
+              <a:rPr lang="en-CA" altLang="en-US" sz="2000" dirty="0" smtClean="0"/>
+              <a:t>()</a:t>
             </a:r>
           </a:p>
           <a:p>
@@ -5242,15 +5432,19 @@
               <a:buNone/>
             </a:pPr>
             <a:r>
-              <a:rPr lang="zh-CN" altLang="en-US" sz="2000" smtClean="0"/>
+              <a:rPr lang="zh-CN" altLang="en-US" sz="2000" dirty="0" smtClean="0"/>
               <a:t>返回一个</a:t>
             </a:r>
             <a:r>
-              <a:rPr lang="en-CA" altLang="en-US" sz="2000" smtClean="0"/>
-              <a:t>Throwable </a:t>
-            </a:r>
-            <a:r>
-              <a:rPr lang="zh-CN" altLang="en-US" sz="2000" smtClean="0"/>
+              <a:rPr lang="en-CA" altLang="en-US" sz="2000" dirty="0" err="1" smtClean="0"/>
+              <a:t>Throwable</a:t>
+            </a:r>
+            <a:r>
+              <a:rPr lang="en-CA" altLang="en-US" sz="2000" dirty="0" smtClean="0"/>
+              <a:t> </a:t>
+            </a:r>
+            <a:r>
+              <a:rPr lang="zh-CN" altLang="en-US" sz="2000" dirty="0" smtClean="0"/>
               <a:t>对象代表异常原因。</a:t>
             </a:r>
           </a:p>
@@ -5260,12 +5454,20 @@
               <a:buNone/>
             </a:pPr>
             <a:r>
-              <a:rPr lang="en-US" altLang="zh-CN" sz="2000" smtClean="0"/>
+              <a:rPr lang="en-US" altLang="zh-CN" sz="2000" dirty="0" smtClean="0"/>
               <a:t>3	</a:t>
             </a:r>
             <a:r>
-              <a:rPr lang="en-CA" altLang="en-US" sz="2000" smtClean="0"/>
-              <a:t>public String toString()</a:t>
+              <a:rPr lang="en-CA" altLang="en-US" sz="2000" dirty="0" smtClean="0"/>
+              <a:t>public String </a:t>
+            </a:r>
+            <a:r>
+              <a:rPr lang="en-CA" altLang="en-US" sz="2000" dirty="0" err="1" smtClean="0"/>
+              <a:t>toString</a:t>
+            </a:r>
+            <a:r>
+              <a:rPr lang="en-CA" altLang="en-US" sz="2000" dirty="0" smtClean="0"/>
+              <a:t>()</a:t>
             </a:r>
           </a:p>
           <a:p>
@@ -5274,15 +5476,19 @@
               <a:buNone/>
             </a:pPr>
             <a:r>
-              <a:rPr lang="zh-CN" altLang="en-US" sz="2000" smtClean="0"/>
+              <a:rPr lang="zh-CN" altLang="en-US" sz="2000" dirty="0" smtClean="0"/>
               <a:t>使用</a:t>
             </a:r>
             <a:r>
-              <a:rPr lang="en-CA" altLang="en-US" sz="2000" smtClean="0"/>
-              <a:t>getMessage()</a:t>
-            </a:r>
-            <a:r>
-              <a:rPr lang="zh-CN" altLang="en-US" sz="2000" smtClean="0"/>
+              <a:rPr lang="en-CA" altLang="en-US" sz="2000" dirty="0" err="1" smtClean="0"/>
+              <a:t>getMessage</a:t>
+            </a:r>
+            <a:r>
+              <a:rPr lang="en-CA" altLang="en-US" sz="2000" dirty="0" smtClean="0"/>
+              <a:t>()</a:t>
+            </a:r>
+            <a:r>
+              <a:rPr lang="zh-CN" altLang="en-US" sz="2000" dirty="0" smtClean="0"/>
               <a:t>的结果返回类的串级名字。</a:t>
             </a:r>
           </a:p>
@@ -5292,12 +5498,20 @@
               <a:buNone/>
             </a:pPr>
             <a:r>
-              <a:rPr lang="en-US" altLang="zh-CN" sz="2000" smtClean="0"/>
+              <a:rPr lang="en-US" altLang="zh-CN" sz="2000" dirty="0" smtClean="0"/>
               <a:t>4	</a:t>
             </a:r>
             <a:r>
-              <a:rPr lang="en-CA" altLang="en-US" sz="2000" smtClean="0"/>
-              <a:t>public void printStackTrace()</a:t>
+              <a:rPr lang="en-CA" altLang="en-US" sz="2000" dirty="0" smtClean="0"/>
+              <a:t>public void </a:t>
+            </a:r>
+            <a:r>
+              <a:rPr lang="en-CA" altLang="en-US" sz="2000" dirty="0" err="1" smtClean="0"/>
+              <a:t>printStackTrace</a:t>
+            </a:r>
+            <a:r>
+              <a:rPr lang="en-CA" altLang="en-US" sz="2000" dirty="0" smtClean="0"/>
+              <a:t>()</a:t>
             </a:r>
           </a:p>
           <a:p>
@@ -5306,23 +5520,31 @@
               <a:buNone/>
             </a:pPr>
             <a:r>
-              <a:rPr lang="zh-CN" altLang="en-US" sz="2000" smtClean="0"/>
+              <a:rPr lang="zh-CN" altLang="en-US" sz="2000" dirty="0" smtClean="0"/>
               <a:t>打印</a:t>
             </a:r>
             <a:r>
-              <a:rPr lang="en-CA" altLang="en-US" sz="2000" smtClean="0"/>
-              <a:t>toString()</a:t>
-            </a:r>
-            <a:r>
-              <a:rPr lang="zh-CN" altLang="en-US" sz="2000" smtClean="0"/>
+              <a:rPr lang="en-CA" altLang="en-US" sz="2000" dirty="0" err="1" smtClean="0"/>
+              <a:t>toString</a:t>
+            </a:r>
+            <a:r>
+              <a:rPr lang="en-CA" altLang="en-US" sz="2000" dirty="0" smtClean="0"/>
+              <a:t>()</a:t>
+            </a:r>
+            <a:r>
+              <a:rPr lang="zh-CN" altLang="en-US" sz="2000" dirty="0" smtClean="0"/>
               <a:t>结果和栈层次到</a:t>
             </a:r>
             <a:r>
-              <a:rPr lang="en-CA" altLang="en-US" sz="2000" smtClean="0"/>
-              <a:t>System.err，</a:t>
-            </a:r>
-            <a:r>
-              <a:rPr lang="zh-CN" altLang="en-US" sz="2000" smtClean="0"/>
+              <a:rPr lang="en-CA" altLang="en-US" sz="2000" dirty="0" err="1" smtClean="0"/>
+              <a:t>System.err</a:t>
+            </a:r>
+            <a:r>
+              <a:rPr lang="en-CA" altLang="en-US" sz="2000" dirty="0" smtClean="0"/>
+              <a:t>，</a:t>
+            </a:r>
+            <a:r>
+              <a:rPr lang="zh-CN" altLang="en-US" sz="2000" dirty="0" smtClean="0"/>
               <a:t>即错误输出流。</a:t>
             </a:r>
           </a:p>
@@ -5332,12 +5554,28 @@
               <a:buNone/>
             </a:pPr>
             <a:r>
-              <a:rPr lang="en-US" altLang="zh-CN" sz="2000" smtClean="0"/>
+              <a:rPr lang="en-US" altLang="zh-CN" sz="2000" dirty="0" smtClean="0"/>
               <a:t>5	</a:t>
             </a:r>
             <a:r>
-              <a:rPr lang="en-CA" altLang="en-US" sz="2000" smtClean="0"/>
-              <a:t>public StackTraceElement [] getStackTrace()</a:t>
+              <a:rPr lang="en-CA" altLang="en-US" sz="2000" dirty="0" smtClean="0"/>
+              <a:t>public </a:t>
+            </a:r>
+            <a:r>
+              <a:rPr lang="en-CA" altLang="en-US" sz="2000" dirty="0" err="1" smtClean="0"/>
+              <a:t>StackTraceElement</a:t>
+            </a:r>
+            <a:r>
+              <a:rPr lang="en-CA" altLang="en-US" sz="2000" dirty="0" smtClean="0"/>
+              <a:t> [] </a:t>
+            </a:r>
+            <a:r>
+              <a:rPr lang="en-CA" altLang="en-US" sz="2000" dirty="0" err="1" smtClean="0"/>
+              <a:t>getStackTrace</a:t>
+            </a:r>
+            <a:r>
+              <a:rPr lang="en-CA" altLang="en-US" sz="2000" dirty="0" smtClean="0"/>
+              <a:t>()</a:t>
             </a:r>
           </a:p>
           <a:p>
@@ -5346,15 +5584,15 @@
               <a:buNone/>
             </a:pPr>
             <a:r>
-              <a:rPr lang="zh-CN" altLang="en-US" sz="2000" smtClean="0"/>
+              <a:rPr lang="zh-CN" altLang="en-US" sz="2000" dirty="0" smtClean="0"/>
               <a:t>返回一个包含堆栈层次的数组。下标为</a:t>
             </a:r>
             <a:r>
-              <a:rPr lang="en-US" altLang="zh-CN" sz="2000" smtClean="0"/>
+              <a:rPr lang="en-US" altLang="zh-CN" sz="2000" dirty="0" smtClean="0"/>
               <a:t>0</a:t>
             </a:r>
             <a:r>
-              <a:rPr lang="zh-CN" altLang="en-US" sz="2000" smtClean="0"/>
+              <a:rPr lang="zh-CN" altLang="en-US" sz="2000" dirty="0" smtClean="0"/>
               <a:t>的元素代表栈顶，最后一个元素代表方法调用堆栈的栈底。</a:t>
             </a:r>
           </a:p>
@@ -5364,12 +5602,28 @@
               <a:buNone/>
             </a:pPr>
             <a:r>
-              <a:rPr lang="en-US" altLang="zh-CN" sz="2000" smtClean="0"/>
+              <a:rPr lang="en-US" altLang="zh-CN" sz="2000" dirty="0" smtClean="0"/>
               <a:t>6	</a:t>
             </a:r>
             <a:r>
-              <a:rPr lang="en-CA" altLang="en-US" sz="2000" smtClean="0"/>
-              <a:t>public Throwable fillInStackTrace()</a:t>
+              <a:rPr lang="en-CA" altLang="en-US" sz="2000" dirty="0" smtClean="0"/>
+              <a:t>public </a:t>
+            </a:r>
+            <a:r>
+              <a:rPr lang="en-CA" altLang="en-US" sz="2000" dirty="0" err="1" smtClean="0"/>
+              <a:t>Throwable</a:t>
+            </a:r>
+            <a:r>
+              <a:rPr lang="en-CA" altLang="en-US" sz="2000" dirty="0" smtClean="0"/>
+              <a:t> </a:t>
+            </a:r>
+            <a:r>
+              <a:rPr lang="en-CA" altLang="en-US" sz="2000" dirty="0" err="1" smtClean="0"/>
+              <a:t>fillInStackTrace</a:t>
+            </a:r>
+            <a:r>
+              <a:rPr lang="en-CA" altLang="en-US" sz="2000" dirty="0" smtClean="0"/>
+              <a:t>()</a:t>
             </a:r>
           </a:p>
           <a:p>
@@ -5378,18 +5632,22 @@
               <a:buNone/>
             </a:pPr>
             <a:r>
-              <a:rPr lang="zh-CN" altLang="en-US" sz="2000" smtClean="0"/>
+              <a:rPr lang="zh-CN" altLang="en-US" sz="2000" dirty="0" smtClean="0"/>
               <a:t>用当前的调用栈层次填充</a:t>
             </a:r>
             <a:r>
-              <a:rPr lang="en-CA" altLang="en-US" sz="2000" smtClean="0"/>
-              <a:t>Throwable </a:t>
-            </a:r>
-            <a:r>
-              <a:rPr lang="zh-CN" altLang="en-US" sz="2000" smtClean="0"/>
+              <a:rPr lang="en-CA" altLang="en-US" sz="2000" dirty="0" err="1" smtClean="0"/>
+              <a:t>Throwable</a:t>
+            </a:r>
+            <a:r>
+              <a:rPr lang="en-CA" altLang="en-US" sz="2000" dirty="0" smtClean="0"/>
+              <a:t> </a:t>
+            </a:r>
+            <a:r>
+              <a:rPr lang="zh-CN" altLang="en-US" sz="2000" dirty="0" smtClean="0"/>
               <a:t>对象栈层次，添加到栈层次任何先前信息中。</a:t>
             </a:r>
-            <a:endParaRPr lang="en-CA" altLang="en-US" sz="2000" smtClean="0"/>
+            <a:endParaRPr lang="en-CA" altLang="en-US" sz="2000" dirty="0" smtClean="0"/>
           </a:p>
         </p:txBody>
       </p:sp>
@@ -10643,95 +10901,108 @@
           <a:p>
             <a:pPr algn="l"/>
             <a:r>
-              <a:rPr lang="en-CA" sz="1800" dirty="0"/>
+              <a:rPr lang="en-US" altLang="zh-CN" sz="1800" dirty="0"/>
               <a:t>XML </a:t>
             </a:r>
             <a:r>
               <a:rPr lang="zh-CN" altLang="en-US" sz="1800" dirty="0"/>
-              <a:t>的语法规</a:t>
+              <a:t>仅仅是纯文本</a:t>
+            </a:r>
+          </a:p>
+          <a:p>
+            <a:pPr algn="l"/>
+            <a:r>
+              <a:rPr lang="en-US" altLang="zh-CN" sz="1800" dirty="0"/>
+              <a:t>XML </a:t>
+            </a:r>
+            <a:r>
+              <a:rPr lang="zh-CN" altLang="en-US" sz="1800" dirty="0"/>
+              <a:t>没什么特别的。它仅仅是纯文本而已。有能力处理纯文本的软件都可以处理 </a:t>
+            </a:r>
+            <a:r>
+              <a:rPr lang="en-US" altLang="zh-CN" sz="1800" dirty="0"/>
+              <a:t>XML</a:t>
+            </a:r>
+            <a:r>
+              <a:rPr lang="zh-CN" altLang="en-US" sz="1800" dirty="0"/>
+              <a:t>。</a:t>
+            </a:r>
+          </a:p>
+          <a:p>
+            <a:pPr algn="l"/>
+            <a:r>
+              <a:rPr lang="zh-CN" altLang="en-US" sz="1800" dirty="0"/>
+              <a:t>不过，能够读懂 </a:t>
+            </a:r>
+            <a:r>
+              <a:rPr lang="en-US" altLang="zh-CN" sz="1800" dirty="0"/>
+              <a:t>XML </a:t>
+            </a:r>
+            <a:r>
+              <a:rPr lang="zh-CN" altLang="en-US" sz="1800" dirty="0"/>
+              <a:t>的应用程序可以有针对性地处理 </a:t>
+            </a:r>
+            <a:r>
+              <a:rPr lang="en-US" altLang="zh-CN" sz="1800" dirty="0"/>
+              <a:t>XML </a:t>
+            </a:r>
+            <a:r>
+              <a:rPr lang="zh-CN" altLang="en-US" sz="1800" dirty="0"/>
+              <a:t>的标签。标签的功能性意义依赖于应用程序的特性</a:t>
             </a:r>
             <a:r>
               <a:rPr lang="zh-CN" altLang="en-US" sz="1800" dirty="0" smtClean="0"/>
-              <a:t>则</a:t>
-            </a:r>
-            <a:endParaRPr lang="en-US" altLang="zh-CN" sz="1800" dirty="0" smtClean="0"/>
-          </a:p>
-          <a:p>
-            <a:pPr algn="l"/>
-            <a:endParaRPr lang="en-US" sz="1800" dirty="0"/>
-          </a:p>
-          <a:p>
-            <a:pPr algn="l"/>
-            <a:r>
-              <a:rPr lang="en-US" altLang="zh-CN" sz="1800" b="1" dirty="0"/>
+              <a:t>。</a:t>
+            </a:r>
+            <a:endParaRPr lang="en-CA" altLang="zh-CN" sz="1800" dirty="0" smtClean="0"/>
+          </a:p>
+          <a:p>
+            <a:pPr algn="l"/>
+            <a:endParaRPr lang="en-CA" sz="1800" dirty="0"/>
+          </a:p>
+          <a:p>
+            <a:pPr algn="l"/>
+            <a:r>
+              <a:rPr lang="en-US" altLang="zh-CN" sz="1800" dirty="0"/>
               <a:t>XML </a:t>
             </a:r>
             <a:r>
-              <a:rPr lang="zh-CN" altLang="en-US" sz="1800" b="1" dirty="0"/>
-              <a:t>文档必须有根元素</a:t>
-            </a:r>
-          </a:p>
-          <a:p>
-            <a:pPr algn="l"/>
-            <a:endParaRPr lang="en-US" sz="1800" dirty="0" smtClean="0"/>
-          </a:p>
-          <a:p>
-            <a:pPr algn="l"/>
-            <a:r>
-              <a:rPr lang="en-CA" sz="1800" dirty="0"/>
-              <a:t>&lt;root&gt;</a:t>
-            </a:r>
-          </a:p>
-          <a:p>
-            <a:pPr algn="l"/>
-            <a:r>
-              <a:rPr lang="en-CA" sz="1800" dirty="0"/>
-              <a:t>  &lt;child&gt;</a:t>
-            </a:r>
-          </a:p>
-          <a:p>
-            <a:pPr algn="l"/>
-            <a:r>
-              <a:rPr lang="en-CA" sz="1800" dirty="0"/>
-              <a:t>    &lt;</a:t>
-            </a:r>
-            <a:r>
-              <a:rPr lang="en-CA" sz="1800" dirty="0" err="1"/>
-              <a:t>subchild</a:t>
-            </a:r>
-            <a:r>
-              <a:rPr lang="en-CA" sz="1800" dirty="0"/>
-              <a:t>&gt;.....&lt;/</a:t>
-            </a:r>
-            <a:r>
-              <a:rPr lang="en-CA" sz="1800" dirty="0" err="1"/>
-              <a:t>subchild</a:t>
-            </a:r>
-            <a:r>
-              <a:rPr lang="en-CA" sz="1800" dirty="0"/>
-              <a:t>&gt;</a:t>
-            </a:r>
-          </a:p>
-          <a:p>
-            <a:pPr algn="l"/>
-            <a:r>
-              <a:rPr lang="en-CA" sz="1800" dirty="0"/>
-              <a:t>  &lt;/child&gt;</a:t>
-            </a:r>
-          </a:p>
-          <a:p>
-            <a:pPr algn="l"/>
-            <a:r>
-              <a:rPr lang="en-CA" sz="1800" dirty="0"/>
-              <a:t>&lt;/root&gt;</a:t>
-            </a:r>
+              <a:rPr lang="zh-CN" altLang="en-US" sz="1800" dirty="0"/>
+              <a:t>简化数据共享</a:t>
+            </a:r>
+          </a:p>
+          <a:p>
+            <a:pPr algn="l"/>
+            <a:r>
+              <a:rPr lang="zh-CN" altLang="en-US" sz="1800" dirty="0"/>
+              <a:t>在真实的世界中，计算机系统和数据使用不兼容的格式来存储数据。</a:t>
+            </a:r>
+          </a:p>
+          <a:p>
+            <a:pPr algn="l"/>
+            <a:r>
+              <a:rPr lang="en-US" altLang="zh-CN" sz="1800" dirty="0"/>
+              <a:t>XML </a:t>
+            </a:r>
+            <a:r>
+              <a:rPr lang="zh-CN" altLang="en-US" sz="1800" dirty="0"/>
+              <a:t>数据以纯文本格式进行存储，因此提供了一种独立于软件和硬件的数据存储方法。</a:t>
+            </a:r>
+          </a:p>
+          <a:p>
+            <a:pPr algn="l"/>
+            <a:r>
+              <a:rPr lang="zh-CN" altLang="en-US" sz="1800" dirty="0"/>
+              <a:t>这让创建不同应用程序可以共享的数据变得更加容易。</a:t>
+            </a:r>
+            <a:endParaRPr lang="en-CA" sz="1800" dirty="0"/>
           </a:p>
         </p:txBody>
       </p:sp>
     </p:spTree>
     <p:extLst>
       <p:ext uri="{BB962C8B-B14F-4D97-AF65-F5344CB8AC3E}">
-        <p14:creationId xmlns:p14="http://schemas.microsoft.com/office/powerpoint/2010/main" val="3350863647"/>
+        <p14:creationId xmlns:p14="http://schemas.microsoft.com/office/powerpoint/2010/main" val="1050376859"/>
       </p:ext>
     </p:extLst>
   </p:cSld>
@@ -10789,16 +11060,16 @@
           <a:p>
             <a:pPr algn="l"/>
             <a:r>
-              <a:rPr lang="en-US" altLang="zh-CN" sz="1800" dirty="0"/>
+              <a:rPr lang="en-CA" sz="1800" dirty="0"/>
               <a:t>XML </a:t>
             </a:r>
             <a:r>
               <a:rPr lang="zh-CN" altLang="en-US" sz="1800" dirty="0"/>
-              <a:t>声明文件的可选部分，如果存在需要放在文档的第一行，如下所示</a:t>
+              <a:t>的语法规</a:t>
             </a:r>
             <a:r>
               <a:rPr lang="zh-CN" altLang="en-US" sz="1800" dirty="0" smtClean="0"/>
-              <a:t>：</a:t>
+              <a:t>则</a:t>
             </a:r>
             <a:endParaRPr lang="en-US" altLang="zh-CN" sz="1800" dirty="0" smtClean="0"/>
           </a:p>
@@ -10809,8 +11080,67 @@
           <a:p>
             <a:pPr algn="l"/>
             <a:r>
-              <a:rPr lang="en-CA" sz="1800" dirty="0"/>
-              <a:t>&lt;?xml version="1.0" encoding="utf-8"?&gt;</a:t>
+              <a:rPr lang="en-US" altLang="zh-CN" sz="1800" b="1" dirty="0"/>
+              <a:t>XML </a:t>
+            </a:r>
+            <a:r>
+              <a:rPr lang="zh-CN" altLang="en-US" sz="1800" b="1" dirty="0"/>
+              <a:t>文档必须有根元素</a:t>
+            </a:r>
+          </a:p>
+          <a:p>
+            <a:pPr algn="l"/>
+            <a:endParaRPr lang="en-US" sz="1800" dirty="0" smtClean="0"/>
+          </a:p>
+          <a:p>
+            <a:pPr algn="l"/>
+            <a:r>
+              <a:rPr lang="en-CA" sz="1800" dirty="0"/>
+              <a:t>&lt;root&gt;</a:t>
+            </a:r>
+          </a:p>
+          <a:p>
+            <a:pPr algn="l"/>
+            <a:r>
+              <a:rPr lang="en-CA" sz="1800" dirty="0"/>
+              <a:t>  &lt;child&gt;</a:t>
+            </a:r>
+          </a:p>
+          <a:p>
+            <a:pPr algn="l"/>
+            <a:r>
+              <a:rPr lang="en-CA" sz="1800" dirty="0"/>
+              <a:t>    &lt;</a:t>
+            </a:r>
+            <a:r>
+              <a:rPr lang="en-CA" sz="1800" dirty="0" err="1"/>
+              <a:t>subchild</a:t>
+            </a:r>
+            <a:r>
+              <a:rPr lang="en-CA" sz="1800" dirty="0"/>
+              <a:t>&gt;.....&lt;/</a:t>
+            </a:r>
+            <a:r>
+              <a:rPr lang="en-CA" sz="1800" dirty="0" err="1"/>
+              <a:t>subchild</a:t>
+            </a:r>
+            <a:r>
+              <a:rPr lang="en-CA" sz="1800" dirty="0"/>
+              <a:t>&gt;</a:t>
+            </a:r>
+          </a:p>
+          <a:p>
+            <a:pPr algn="l"/>
+            <a:r>
+              <a:rPr lang="en-CA" sz="1800" dirty="0"/>
+              <a:t>  &lt;/child&gt;</a:t>
+            </a:r>
+          </a:p>
+          <a:p>
+            <a:pPr algn="l"/>
+            <a:r>
+              <a:rPr lang="en-CA" sz="1800" dirty="0"/>
+              <a:t>&lt;/root&gt;</a:t>
             </a:r>
           </a:p>
         </p:txBody>
@@ -10818,7 +11148,7 @@
     </p:spTree>
     <p:extLst>
       <p:ext uri="{BB962C8B-B14F-4D97-AF65-F5344CB8AC3E}">
-        <p14:creationId xmlns:p14="http://schemas.microsoft.com/office/powerpoint/2010/main" val="2841835424"/>
+        <p14:creationId xmlns:p14="http://schemas.microsoft.com/office/powerpoint/2010/main" val="3350863647"/>
       </p:ext>
     </p:extLst>
   </p:cSld>
@@ -10876,98 +11206,28 @@
           <a:p>
             <a:pPr algn="l"/>
             <a:r>
-              <a:rPr lang="zh-CN" altLang="en-US" sz="1800" dirty="0"/>
-              <a:t>所有的 </a:t>
-            </a:r>
-            <a:r>
-              <a:rPr lang="en-CA" sz="1800" dirty="0"/>
+              <a:rPr lang="en-US" altLang="zh-CN" sz="1800" dirty="0"/>
               <a:t>XML </a:t>
             </a:r>
             <a:r>
               <a:rPr lang="zh-CN" altLang="en-US" sz="1800" dirty="0"/>
-              <a:t>元素都必须有一个关闭标签</a:t>
-            </a:r>
-          </a:p>
-          <a:p>
-            <a:pPr algn="l"/>
-            <a:r>
-              <a:rPr lang="zh-CN" altLang="en-US" sz="1800" dirty="0"/>
-              <a:t>在 </a:t>
-            </a:r>
-            <a:r>
-              <a:rPr lang="en-CA" sz="1800" dirty="0"/>
-              <a:t>HTML </a:t>
-            </a:r>
-            <a:r>
-              <a:rPr lang="zh-CN" altLang="en-US" sz="1800" dirty="0"/>
-              <a:t>中，某些元素不必有一个关闭标签：</a:t>
-            </a:r>
-          </a:p>
-          <a:p>
-            <a:pPr algn="l"/>
-            <a:r>
-              <a:rPr lang="en-US" altLang="zh-CN" sz="1800" dirty="0"/>
-              <a:t>&lt;</a:t>
-            </a:r>
-            <a:r>
-              <a:rPr lang="en-CA" sz="1800" dirty="0"/>
-              <a:t>p&gt;This is a paragraph.</a:t>
-            </a:r>
-          </a:p>
-          <a:p>
-            <a:pPr algn="l"/>
-            <a:r>
-              <a:rPr lang="en-CA" sz="1800" dirty="0"/>
-              <a:t>&lt;</a:t>
-            </a:r>
-            <a:r>
-              <a:rPr lang="en-CA" sz="1800" dirty="0" err="1"/>
-              <a:t>br</a:t>
-            </a:r>
-            <a:r>
-              <a:rPr lang="en-CA" sz="1800" dirty="0"/>
-              <a:t>&gt;</a:t>
-            </a:r>
-          </a:p>
-          <a:p>
-            <a:pPr algn="l"/>
-            <a:r>
-              <a:rPr lang="zh-CN" altLang="en-US" sz="1800" dirty="0"/>
-              <a:t>在 </a:t>
-            </a:r>
-            <a:r>
-              <a:rPr lang="en-CA" sz="1800" dirty="0"/>
-              <a:t>XML </a:t>
-            </a:r>
-            <a:r>
-              <a:rPr lang="zh-CN" altLang="en-US" sz="1800" dirty="0"/>
-              <a:t>中，省略关闭标签是非法的。所有元素都必须有关闭标签：</a:t>
-            </a:r>
-          </a:p>
-          <a:p>
-            <a:pPr algn="l"/>
-            <a:r>
-              <a:rPr lang="en-US" altLang="zh-CN" sz="1800" dirty="0"/>
-              <a:t>&lt;</a:t>
-            </a:r>
-            <a:r>
-              <a:rPr lang="en-CA" sz="1800" dirty="0"/>
-              <a:t>p&gt;This is a paragraph.&lt;/p&gt;</a:t>
-            </a:r>
-          </a:p>
-          <a:p>
-            <a:pPr algn="l"/>
-            <a:r>
-              <a:rPr lang="en-CA" sz="1800" dirty="0"/>
-              <a:t>&lt;</a:t>
-            </a:r>
-            <a:r>
-              <a:rPr lang="en-CA" sz="1800" dirty="0" err="1"/>
-              <a:t>br</a:t>
-            </a:r>
-            <a:r>
-              <a:rPr lang="en-CA" sz="1800" dirty="0"/>
-              <a:t> /&gt;</a:t>
+              <a:t>声明文件的可选部分，如果存在需要放在文档的第一行，如下所示</a:t>
+            </a:r>
+            <a:r>
+              <a:rPr lang="zh-CN" altLang="en-US" sz="1800" dirty="0" smtClean="0"/>
+              <a:t>：</a:t>
+            </a:r>
+            <a:endParaRPr lang="en-US" altLang="zh-CN" sz="1800" dirty="0" smtClean="0"/>
+          </a:p>
+          <a:p>
+            <a:pPr algn="l"/>
+            <a:endParaRPr lang="en-US" sz="1800" dirty="0"/>
+          </a:p>
+          <a:p>
+            <a:pPr algn="l"/>
+            <a:r>
+              <a:rPr lang="en-CA" sz="1800" dirty="0"/>
+              <a:t>&lt;?xml version="1.0" encoding="utf-8"?&gt;</a:t>
             </a:r>
           </a:p>
         </p:txBody>
@@ -10975,7 +11235,7 @@
     </p:spTree>
     <p:extLst>
       <p:ext uri="{BB962C8B-B14F-4D97-AF65-F5344CB8AC3E}">
-        <p14:creationId xmlns:p14="http://schemas.microsoft.com/office/powerpoint/2010/main" val="3609356756"/>
+        <p14:creationId xmlns:p14="http://schemas.microsoft.com/office/powerpoint/2010/main" val="2841835424"/>
       </p:ext>
     </p:extLst>
   </p:cSld>
@@ -11033,43 +11293,72 @@
           <a:p>
             <a:pPr algn="l"/>
             <a:r>
+              <a:rPr lang="zh-CN" altLang="en-US" sz="1800" dirty="0"/>
+              <a:t>所有的 </a:t>
+            </a:r>
+            <a:r>
               <a:rPr lang="en-CA" sz="1800" dirty="0"/>
               <a:t>XML </a:t>
             </a:r>
             <a:r>
               <a:rPr lang="zh-CN" altLang="en-US" sz="1800" dirty="0"/>
-              <a:t>标签对大小写敏感。标签 </a:t>
-            </a:r>
+              <a:t>元素都必须有一个关闭标签</a:t>
+            </a:r>
+          </a:p>
+          <a:p>
+            <a:pPr algn="l"/>
+            <a:r>
+              <a:rPr lang="zh-CN" altLang="en-US" sz="1800" dirty="0"/>
+              <a:t>在 </a:t>
+            </a:r>
+            <a:r>
+              <a:rPr lang="en-CA" sz="1800" dirty="0"/>
+              <a:t>HTML </a:t>
+            </a:r>
+            <a:r>
+              <a:rPr lang="zh-CN" altLang="en-US" sz="1800" dirty="0"/>
+              <a:t>中，某些元素不必有一个关闭标签：</a:t>
+            </a:r>
+          </a:p>
+          <a:p>
+            <a:pPr algn="l"/>
             <a:r>
               <a:rPr lang="en-US" altLang="zh-CN" sz="1800" dirty="0"/>
               <a:t>&lt;</a:t>
             </a:r>
             <a:r>
               <a:rPr lang="en-CA" sz="1800" dirty="0"/>
-              <a:t>Letter&gt; </a:t>
-            </a:r>
-            <a:r>
-              <a:rPr lang="zh-CN" altLang="en-US" sz="1800" dirty="0"/>
-              <a:t>与标签 </a:t>
-            </a:r>
-            <a:r>
-              <a:rPr lang="en-US" altLang="zh-CN" sz="1800" dirty="0"/>
+              <a:t>p&gt;This is a paragraph.</a:t>
+            </a:r>
+          </a:p>
+          <a:p>
+            <a:pPr algn="l"/>
+            <a:r>
+              <a:rPr lang="en-CA" sz="1800" dirty="0"/>
               <a:t>&lt;</a:t>
             </a:r>
             <a:r>
-              <a:rPr lang="en-CA" sz="1800" dirty="0"/>
-              <a:t>letter&gt; </a:t>
-            </a:r>
-            <a:r>
-              <a:rPr lang="zh-CN" altLang="en-US" sz="1800" dirty="0"/>
-              <a:t>是不同的。</a:t>
-            </a:r>
-          </a:p>
-          <a:p>
-            <a:pPr algn="l"/>
-            <a:r>
-              <a:rPr lang="zh-CN" altLang="en-US" sz="1800" dirty="0"/>
-              <a:t>必须使用相同的大小写来编写打开标签和关闭标签：</a:t>
+              <a:rPr lang="en-CA" sz="1800" dirty="0" err="1"/>
+              <a:t>br</a:t>
+            </a:r>
+            <a:r>
+              <a:rPr lang="en-CA" sz="1800" dirty="0"/>
+              <a:t>&gt;</a:t>
+            </a:r>
+          </a:p>
+          <a:p>
+            <a:pPr algn="l"/>
+            <a:r>
+              <a:rPr lang="zh-CN" altLang="en-US" sz="1800" dirty="0"/>
+              <a:t>在 </a:t>
+            </a:r>
+            <a:r>
+              <a:rPr lang="en-CA" sz="1800" dirty="0"/>
+              <a:t>XML </a:t>
+            </a:r>
+            <a:r>
+              <a:rPr lang="zh-CN" altLang="en-US" sz="1800" dirty="0"/>
+              <a:t>中，省略关闭标签是非法的。所有元素都必须有关闭标签：</a:t>
             </a:r>
           </a:p>
           <a:p>
@@ -11080,14 +11369,22 @@
             </a:r>
             <a:r>
               <a:rPr lang="en-CA" sz="1800" dirty="0"/>
-              <a:t>Message&gt;This is incorrect&lt;/message&gt;</a:t>
-            </a:r>
-          </a:p>
-          <a:p>
-            <a:pPr algn="l"/>
-            <a:r>
-              <a:rPr lang="en-CA" sz="1800" dirty="0"/>
-              <a:t>&lt;message&gt;This is correct&lt;/message&gt;</a:t>
+              <a:t>p&gt;This is a paragraph.&lt;/p&gt;</a:t>
+            </a:r>
+          </a:p>
+          <a:p>
+            <a:pPr algn="l"/>
+            <a:r>
+              <a:rPr lang="en-CA" sz="1800" dirty="0"/>
+              <a:t>&lt;</a:t>
+            </a:r>
+            <a:r>
+              <a:rPr lang="en-CA" sz="1800" dirty="0" err="1"/>
+              <a:t>br</a:t>
+            </a:r>
+            <a:r>
+              <a:rPr lang="en-CA" sz="1800" dirty="0"/>
+              <a:t> /&gt;</a:t>
             </a:r>
           </a:p>
         </p:txBody>
@@ -11095,7 +11392,7 @@
     </p:spTree>
     <p:extLst>
       <p:ext uri="{BB962C8B-B14F-4D97-AF65-F5344CB8AC3E}">
-        <p14:creationId xmlns:p14="http://schemas.microsoft.com/office/powerpoint/2010/main" val="4197897304"/>
+        <p14:creationId xmlns:p14="http://schemas.microsoft.com/office/powerpoint/2010/main" val="3609356756"/>
       </p:ext>
     </p:extLst>
   </p:cSld>
@@ -11301,141 +11598,69 @@
           <a:p>
             <a:pPr algn="l"/>
             <a:r>
-              <a:rPr lang="zh-CN" altLang="en-US" sz="1800" dirty="0"/>
-              <a:t>在 </a:t>
-            </a:r>
-            <a:r>
-              <a:rPr lang="en-CA" sz="1800" dirty="0"/>
-              <a:t>HTML </a:t>
-            </a:r>
-            <a:r>
-              <a:rPr lang="zh-CN" altLang="en-US" sz="1800" dirty="0"/>
-              <a:t>中，常会看到没有正确嵌套的元素：</a:t>
-            </a:r>
-          </a:p>
-          <a:p>
-            <a:pPr algn="l"/>
+              <a:rPr lang="en-CA" sz="1800" dirty="0"/>
+              <a:t>XML </a:t>
+            </a:r>
+            <a:r>
+              <a:rPr lang="zh-CN" altLang="en-US" sz="1800" dirty="0"/>
+              <a:t>标签对大小写敏感。标签 </a:t>
+            </a:r>
             <a:r>
               <a:rPr lang="en-US" altLang="zh-CN" sz="1800" dirty="0"/>
               <a:t>&lt;</a:t>
             </a:r>
             <a:r>
               <a:rPr lang="en-CA" sz="1800" dirty="0"/>
-              <a:t>b&gt;&lt;</a:t>
-            </a:r>
-            <a:r>
-              <a:rPr lang="en-CA" sz="1800" dirty="0" err="1"/>
-              <a:t>i</a:t>
-            </a:r>
-            <a:r>
-              <a:rPr lang="en-CA" sz="1800" dirty="0"/>
-              <a:t>&gt;This text is bold and italic&lt;/b&gt;&lt;/</a:t>
-            </a:r>
-            <a:r>
-              <a:rPr lang="en-CA" sz="1800" dirty="0" err="1"/>
-              <a:t>i</a:t>
-            </a:r>
-            <a:r>
-              <a:rPr lang="en-CA" sz="1800" dirty="0"/>
-              <a:t>&gt;</a:t>
-            </a:r>
-          </a:p>
-          <a:p>
-            <a:pPr algn="l"/>
-            <a:r>
-              <a:rPr lang="zh-CN" altLang="en-US" sz="1800" dirty="0"/>
-              <a:t>在 </a:t>
-            </a:r>
-            <a:r>
-              <a:rPr lang="en-CA" sz="1800" dirty="0"/>
-              <a:t>XML </a:t>
-            </a:r>
-            <a:r>
-              <a:rPr lang="zh-CN" altLang="en-US" sz="1800" dirty="0"/>
-              <a:t>中，所有元素都必须彼此正确地嵌套：</a:t>
-            </a:r>
-          </a:p>
-          <a:p>
-            <a:pPr algn="l"/>
+              <a:t>Letter&gt; </a:t>
+            </a:r>
+            <a:r>
+              <a:rPr lang="zh-CN" altLang="en-US" sz="1800" dirty="0"/>
+              <a:t>与标签 </a:t>
+            </a:r>
             <a:r>
               <a:rPr lang="en-US" altLang="zh-CN" sz="1800" dirty="0"/>
               <a:t>&lt;</a:t>
             </a:r>
             <a:r>
               <a:rPr lang="en-CA" sz="1800" dirty="0"/>
-              <a:t>b&gt;&lt;</a:t>
-            </a:r>
-            <a:r>
-              <a:rPr lang="en-CA" sz="1800" dirty="0" err="1"/>
-              <a:t>i</a:t>
-            </a:r>
-            <a:r>
-              <a:rPr lang="en-CA" sz="1800" dirty="0"/>
-              <a:t>&gt;This text is bold and italic&lt;/</a:t>
-            </a:r>
-            <a:r>
-              <a:rPr lang="en-CA" sz="1800" dirty="0" err="1"/>
-              <a:t>i</a:t>
-            </a:r>
-            <a:r>
-              <a:rPr lang="en-CA" sz="1800" dirty="0"/>
-              <a:t>&gt;&lt;/b&gt;</a:t>
-            </a:r>
-          </a:p>
-          <a:p>
-            <a:pPr algn="l"/>
-            <a:r>
-              <a:rPr lang="zh-CN" altLang="en-US" sz="1800" dirty="0"/>
-              <a:t>在上面的实例中，正确嵌套的意思是：由于 </a:t>
-            </a:r>
+              <a:t>letter&gt; </a:t>
+            </a:r>
+            <a:r>
+              <a:rPr lang="zh-CN" altLang="en-US" sz="1800" dirty="0"/>
+              <a:t>是不同的。</a:t>
+            </a:r>
+          </a:p>
+          <a:p>
+            <a:pPr algn="l"/>
+            <a:r>
+              <a:rPr lang="zh-CN" altLang="en-US" sz="1800" dirty="0"/>
+              <a:t>必须使用相同的大小写来编写打开标签和关闭标签：</a:t>
+            </a:r>
+          </a:p>
+          <a:p>
+            <a:pPr algn="l"/>
             <a:r>
               <a:rPr lang="en-US" altLang="zh-CN" sz="1800" dirty="0"/>
               <a:t>&lt;</a:t>
             </a:r>
             <a:r>
-              <a:rPr lang="en-CA" sz="1800" dirty="0" err="1"/>
-              <a:t>i</a:t>
-            </a:r>
-            <a:r>
-              <a:rPr lang="en-CA" sz="1800" dirty="0"/>
-              <a:t>&gt; </a:t>
-            </a:r>
-            <a:r>
-              <a:rPr lang="zh-CN" altLang="en-US" sz="1800" dirty="0"/>
-              <a:t>元素是在 </a:t>
-            </a:r>
-            <a:r>
-              <a:rPr lang="en-US" altLang="zh-CN" sz="1800" dirty="0"/>
-              <a:t>&lt;</a:t>
-            </a:r>
-            <a:r>
-              <a:rPr lang="en-CA" sz="1800" dirty="0"/>
-              <a:t>b&gt; </a:t>
-            </a:r>
-            <a:r>
-              <a:rPr lang="zh-CN" altLang="en-US" sz="1800" dirty="0"/>
-              <a:t>元素内打开的，那么它必须在 </a:t>
-            </a:r>
-            <a:r>
-              <a:rPr lang="en-US" altLang="zh-CN" sz="1800" dirty="0"/>
-              <a:t>&lt;</a:t>
-            </a:r>
-            <a:r>
-              <a:rPr lang="en-CA" sz="1800" dirty="0"/>
-              <a:t>b&gt; </a:t>
-            </a:r>
-            <a:r>
-              <a:rPr lang="zh-CN" altLang="en-US" sz="1800" dirty="0"/>
-              <a:t>元素内关闭。</a:t>
-            </a:r>
-            <a:endParaRPr lang="en-CA" sz="1800" dirty="0"/>
+              <a:rPr lang="en-CA" sz="1800" dirty="0"/>
+              <a:t>Message&gt;This is incorrect&lt;/message&gt;</a:t>
+            </a:r>
+          </a:p>
+          <a:p>
+            <a:pPr algn="l"/>
+            <a:r>
+              <a:rPr lang="en-CA" sz="1800" dirty="0"/>
+              <a:t>&lt;message&gt;This is correct&lt;/message&gt;</a:t>
+            </a:r>
           </a:p>
         </p:txBody>
       </p:sp>
     </p:spTree>
     <p:extLst>
       <p:ext uri="{BB962C8B-B14F-4D97-AF65-F5344CB8AC3E}">
-        <p14:creationId xmlns:p14="http://schemas.microsoft.com/office/powerpoint/2010/main" val="2725591429"/>
+        <p14:creationId xmlns:p14="http://schemas.microsoft.com/office/powerpoint/2010/main" val="4197897304"/>
       </p:ext>
     </p:extLst>
   </p:cSld>
@@ -11494,7 +11719,7 @@
             <a:pPr algn="l"/>
             <a:r>
               <a:rPr lang="zh-CN" altLang="en-US" sz="1800" dirty="0"/>
-              <a:t>与 </a:t>
+              <a:t>在 </a:t>
             </a:r>
             <a:r>
               <a:rPr lang="en-CA" sz="1800" dirty="0"/>
@@ -11502,7 +11727,41 @@
             </a:r>
             <a:r>
               <a:rPr lang="zh-CN" altLang="en-US" sz="1800" dirty="0"/>
-              <a:t>类似，</a:t>
+              <a:t>中，常会看到没有正确嵌套的元素：</a:t>
+            </a:r>
+          </a:p>
+          <a:p>
+            <a:pPr algn="l"/>
+            <a:r>
+              <a:rPr lang="en-US" altLang="zh-CN" sz="1800" dirty="0"/>
+              <a:t>&lt;</a:t>
+            </a:r>
+            <a:r>
+              <a:rPr lang="en-CA" sz="1800" dirty="0"/>
+              <a:t>b&gt;&lt;</a:t>
+            </a:r>
+            <a:r>
+              <a:rPr lang="en-CA" sz="1800" dirty="0" err="1"/>
+              <a:t>i</a:t>
+            </a:r>
+            <a:r>
+              <a:rPr lang="en-CA" sz="1800" dirty="0"/>
+              <a:t>&gt;This text is bold and italic&lt;/b&gt;&lt;/</a:t>
+            </a:r>
+            <a:r>
+              <a:rPr lang="en-CA" sz="1800" dirty="0" err="1"/>
+              <a:t>i</a:t>
+            </a:r>
+            <a:r>
+              <a:rPr lang="en-CA" sz="1800" dirty="0"/>
+              <a:t>&gt;</a:t>
+            </a:r>
+          </a:p>
+          <a:p>
+            <a:pPr algn="l"/>
+            <a:r>
+              <a:rPr lang="zh-CN" altLang="en-US" sz="1800" dirty="0"/>
+              <a:t>在 </a:t>
             </a:r>
             <a:r>
               <a:rPr lang="en-CA" sz="1800" dirty="0"/>
@@ -11510,53 +11769,7 @@
             </a:r>
             <a:r>
               <a:rPr lang="zh-CN" altLang="en-US" sz="1800" dirty="0"/>
-              <a:t>元素也可拥有属性（名称</a:t>
-            </a:r>
-            <a:r>
-              <a:rPr lang="en-US" altLang="zh-CN" sz="1800" dirty="0"/>
-              <a:t>/</a:t>
-            </a:r>
-            <a:r>
-              <a:rPr lang="zh-CN" altLang="en-US" sz="1800" dirty="0"/>
-              <a:t>值的对）。</a:t>
-            </a:r>
-          </a:p>
-          <a:p>
-            <a:pPr algn="l"/>
-            <a:r>
-              <a:rPr lang="zh-CN" altLang="en-US" sz="1800" dirty="0"/>
-              <a:t>在 </a:t>
-            </a:r>
-            <a:r>
-              <a:rPr lang="en-CA" sz="1800" dirty="0"/>
-              <a:t>XML </a:t>
-            </a:r>
-            <a:r>
-              <a:rPr lang="zh-CN" altLang="en-US" sz="1800" dirty="0"/>
-              <a:t>中，</a:t>
-            </a:r>
-            <a:r>
-              <a:rPr lang="en-CA" sz="1800" dirty="0"/>
-              <a:t>XML </a:t>
-            </a:r>
-            <a:r>
-              <a:rPr lang="zh-CN" altLang="en-US" sz="1800" dirty="0"/>
-              <a:t>的属性值必须加引号。</a:t>
-            </a:r>
-          </a:p>
-          <a:p>
-            <a:pPr algn="l"/>
-            <a:r>
-              <a:rPr lang="zh-CN" altLang="en-US" sz="1800" dirty="0"/>
-              <a:t>请研究下面的两个 </a:t>
-            </a:r>
-            <a:r>
-              <a:rPr lang="en-CA" sz="1800" dirty="0"/>
-              <a:t>XML </a:t>
-            </a:r>
-            <a:r>
-              <a:rPr lang="zh-CN" altLang="en-US" sz="1800" dirty="0"/>
-              <a:t>文档。 第一个是错误的，第二个是正确的：</a:t>
+              <a:t>中，所有元素都必须彼此正确地嵌套：</a:t>
             </a:r>
           </a:p>
           <a:p>
@@ -11567,95 +11780,70 @@
             </a:r>
             <a:r>
               <a:rPr lang="en-CA" sz="1800" dirty="0"/>
-              <a:t>note date=12/11/2007&gt;</a:t>
-            </a:r>
-          </a:p>
-          <a:p>
-            <a:pPr algn="l"/>
-            <a:r>
-              <a:rPr lang="en-CA" sz="1800" dirty="0"/>
-              <a:t>&lt;to&gt;</a:t>
+              <a:t>b&gt;&lt;</a:t>
             </a:r>
             <a:r>
               <a:rPr lang="en-CA" sz="1800" dirty="0" err="1"/>
-              <a:t>Tove</a:t>
-            </a:r>
-            <a:r>
-              <a:rPr lang="en-CA" sz="1800" dirty="0"/>
-              <a:t>&lt;/to&gt;</a:t>
-            </a:r>
-          </a:p>
-          <a:p>
-            <a:pPr algn="l"/>
-            <a:r>
-              <a:rPr lang="en-CA" sz="1800" dirty="0"/>
-              <a:t>&lt;from&gt;Jani&lt;/from&gt;</a:t>
-            </a:r>
-          </a:p>
-          <a:p>
-            <a:pPr algn="l"/>
-            <a:r>
-              <a:rPr lang="en-CA" sz="1800" dirty="0"/>
-              <a:t>&lt;/note&gt;</a:t>
-            </a:r>
-          </a:p>
-          <a:p>
-            <a:pPr algn="l"/>
-            <a:r>
-              <a:rPr lang="en-CA" sz="1800" dirty="0"/>
-              <a:t>&lt;note date="12/11/2007"&gt;</a:t>
-            </a:r>
-          </a:p>
-          <a:p>
-            <a:pPr algn="l"/>
-            <a:r>
-              <a:rPr lang="en-CA" sz="1800" dirty="0"/>
-              <a:t>&lt;to&gt;</a:t>
+              <a:t>i</a:t>
+            </a:r>
+            <a:r>
+              <a:rPr lang="en-CA" sz="1800" dirty="0"/>
+              <a:t>&gt;This text is bold and italic&lt;/</a:t>
             </a:r>
             <a:r>
               <a:rPr lang="en-CA" sz="1800" dirty="0" err="1"/>
-              <a:t>Tove</a:t>
-            </a:r>
-            <a:r>
-              <a:rPr lang="en-CA" sz="1800" dirty="0"/>
-              <a:t>&lt;/to&gt;</a:t>
-            </a:r>
-          </a:p>
-          <a:p>
-            <a:pPr algn="l"/>
-            <a:r>
-              <a:rPr lang="en-CA" sz="1800" dirty="0"/>
-              <a:t>&lt;from&gt;Jani&lt;/from&gt;</a:t>
-            </a:r>
-          </a:p>
-          <a:p>
-            <a:pPr algn="l"/>
-            <a:r>
-              <a:rPr lang="en-CA" sz="1800" dirty="0"/>
-              <a:t>&lt;/note&gt;</a:t>
-            </a:r>
-          </a:p>
-          <a:p>
-            <a:pPr algn="l"/>
-            <a:r>
-              <a:rPr lang="zh-CN" altLang="en-US" sz="1800" dirty="0"/>
-              <a:t>在第一个文档中的错误是，</a:t>
-            </a:r>
-            <a:r>
-              <a:rPr lang="en-CA" sz="1800" dirty="0"/>
-              <a:t>note </a:t>
-            </a:r>
-            <a:r>
-              <a:rPr lang="zh-CN" altLang="en-US" sz="1800" dirty="0"/>
-              <a:t>元素中的 </a:t>
-            </a:r>
-            <a:r>
-              <a:rPr lang="en-CA" sz="1800" dirty="0"/>
-              <a:t>date </a:t>
-            </a:r>
-            <a:r>
-              <a:rPr lang="zh-CN" altLang="en-US" sz="1800" dirty="0"/>
-              <a:t>属性没有加引号。</a:t>
+              <a:t>i</a:t>
+            </a:r>
+            <a:r>
+              <a:rPr lang="en-CA" sz="1800" dirty="0"/>
+              <a:t>&gt;&lt;/b&gt;</a:t>
+            </a:r>
+          </a:p>
+          <a:p>
+            <a:pPr algn="l"/>
+            <a:r>
+              <a:rPr lang="zh-CN" altLang="en-US" sz="1800" dirty="0"/>
+              <a:t>在上面的实例中，正确嵌套的意思是：由于 </a:t>
+            </a:r>
+            <a:r>
+              <a:rPr lang="en-US" altLang="zh-CN" sz="1800" dirty="0"/>
+              <a:t>&lt;</a:t>
+            </a:r>
+            <a:r>
+              <a:rPr lang="en-CA" sz="1800" dirty="0" err="1"/>
+              <a:t>i</a:t>
+            </a:r>
+            <a:r>
+              <a:rPr lang="en-CA" sz="1800" dirty="0"/>
+              <a:t>&gt; </a:t>
+            </a:r>
+            <a:r>
+              <a:rPr lang="zh-CN" altLang="en-US" sz="1800" dirty="0"/>
+              <a:t>元素是在 </a:t>
+            </a:r>
+            <a:r>
+              <a:rPr lang="en-US" altLang="zh-CN" sz="1800" dirty="0"/>
+              <a:t>&lt;</a:t>
+            </a:r>
+            <a:r>
+              <a:rPr lang="en-CA" sz="1800" dirty="0"/>
+              <a:t>b&gt; </a:t>
+            </a:r>
+            <a:r>
+              <a:rPr lang="zh-CN" altLang="en-US" sz="1800" dirty="0"/>
+              <a:t>元素内打开的，那么它必须在 </a:t>
+            </a:r>
+            <a:r>
+              <a:rPr lang="en-US" altLang="zh-CN" sz="1800" dirty="0"/>
+              <a:t>&lt;</a:t>
+            </a:r>
+            <a:r>
+              <a:rPr lang="en-CA" sz="1800" dirty="0"/>
+              <a:t>b&gt; </a:t>
+            </a:r>
+            <a:r>
+              <a:rPr lang="zh-CN" altLang="en-US" sz="1800" dirty="0"/>
+              <a:t>元素内关闭。</a:t>
             </a:r>
             <a:endParaRPr lang="en-CA" sz="1800" dirty="0"/>
           </a:p>
@@ -11664,7 +11852,7 @@
     </p:spTree>
     <p:extLst>
       <p:ext uri="{BB962C8B-B14F-4D97-AF65-F5344CB8AC3E}">
-        <p14:creationId xmlns:p14="http://schemas.microsoft.com/office/powerpoint/2010/main" val="3711012172"/>
+        <p14:creationId xmlns:p14="http://schemas.microsoft.com/office/powerpoint/2010/main" val="2725591429"/>
       </p:ext>
     </p:extLst>
   </p:cSld>
@@ -11723,6 +11911,37 @@
             <a:pPr algn="l"/>
             <a:r>
               <a:rPr lang="zh-CN" altLang="en-US" sz="1800" dirty="0"/>
+              <a:t>与 </a:t>
+            </a:r>
+            <a:r>
+              <a:rPr lang="en-CA" sz="1800" dirty="0"/>
+              <a:t>HTML </a:t>
+            </a:r>
+            <a:r>
+              <a:rPr lang="zh-CN" altLang="en-US" sz="1800" dirty="0"/>
+              <a:t>类似，</a:t>
+            </a:r>
+            <a:r>
+              <a:rPr lang="en-CA" sz="1800" dirty="0"/>
+              <a:t>XML </a:t>
+            </a:r>
+            <a:r>
+              <a:rPr lang="zh-CN" altLang="en-US" sz="1800" dirty="0"/>
+              <a:t>元素也可拥有属性（名称</a:t>
+            </a:r>
+            <a:r>
+              <a:rPr lang="en-US" altLang="zh-CN" sz="1800" dirty="0"/>
+              <a:t>/</a:t>
+            </a:r>
+            <a:r>
+              <a:rPr lang="zh-CN" altLang="en-US" sz="1800" dirty="0"/>
+              <a:t>值的对）。</a:t>
+            </a:r>
+          </a:p>
+          <a:p>
+            <a:pPr algn="l"/>
+            <a:r>
+              <a:rPr lang="zh-CN" altLang="en-US" sz="1800" dirty="0"/>
               <a:t>在 </a:t>
             </a:r>
             <a:r>
@@ -11731,22 +11950,7 @@
             </a:r>
             <a:r>
               <a:rPr lang="zh-CN" altLang="en-US" sz="1800" dirty="0"/>
-              <a:t>中，一些字符拥有特殊的意义。</a:t>
-            </a:r>
-          </a:p>
-          <a:p>
-            <a:pPr algn="l"/>
-            <a:r>
-              <a:rPr lang="zh-CN" altLang="en-US" sz="1800" dirty="0"/>
-              <a:t>如果您把字符 </a:t>
-            </a:r>
-            <a:r>
-              <a:rPr lang="en-US" altLang="zh-CN" sz="1800" dirty="0"/>
-              <a:t>"&lt;" </a:t>
-            </a:r>
-            <a:r>
-              <a:rPr lang="zh-CN" altLang="en-US" sz="1800" dirty="0"/>
-              <a:t>放在 </a:t>
+              <a:t>中，</a:t>
             </a:r>
             <a:r>
               <a:rPr lang="en-CA" sz="1800" dirty="0"/>
@@ -11754,14 +11958,14 @@
             </a:r>
             <a:r>
               <a:rPr lang="zh-CN" altLang="en-US" sz="1800" dirty="0"/>
-              <a:t>元素中，会发生错误，这是因为解析器会把它当作新元素的开始。</a:t>
-            </a:r>
-          </a:p>
-          <a:p>
-            <a:pPr algn="l"/>
-            <a:r>
-              <a:rPr lang="zh-CN" altLang="en-US" sz="1800" dirty="0"/>
-              <a:t>这样会产生 </a:t>
+              <a:t>的属性值必须加引号。</a:t>
+            </a:r>
+          </a:p>
+          <a:p>
+            <a:pPr algn="l"/>
+            <a:r>
+              <a:rPr lang="zh-CN" altLang="en-US" sz="1800" dirty="0"/>
+              <a:t>请研究下面的两个 </a:t>
             </a:r>
             <a:r>
               <a:rPr lang="en-CA" sz="1800" dirty="0"/>
@@ -11769,7 +11973,7 @@
             </a:r>
             <a:r>
               <a:rPr lang="zh-CN" altLang="en-US" sz="1800" dirty="0"/>
-              <a:t>错误：</a:t>
+              <a:t>文档。 第一个是错误的，第二个是正确的：</a:t>
             </a:r>
           </a:p>
           <a:p>
@@ -11780,135 +11984,119 @@
             </a:r>
             <a:r>
               <a:rPr lang="en-CA" sz="1800" dirty="0"/>
-              <a:t>message&gt;if salary &lt; 1000 then&lt;/message&gt;</a:t>
-            </a:r>
-          </a:p>
-          <a:p>
-            <a:pPr algn="l"/>
-            <a:r>
-              <a:rPr lang="zh-CN" altLang="en-US" sz="1800" dirty="0"/>
-              <a:t>为了避免这个错误，请用实体引用来代替 </a:t>
-            </a:r>
-            <a:r>
-              <a:rPr lang="en-US" altLang="zh-CN" sz="1800" dirty="0"/>
-              <a:t>"&lt;" </a:t>
-            </a:r>
-            <a:r>
-              <a:rPr lang="zh-CN" altLang="en-US" sz="1800" dirty="0"/>
-              <a:t>字符：</a:t>
-            </a:r>
-          </a:p>
-          <a:p>
-            <a:pPr algn="l"/>
-            <a:r>
-              <a:rPr lang="en-US" altLang="zh-CN" sz="1800" dirty="0"/>
+              <a:t>note date=12/11/2007&gt;</a:t>
+            </a:r>
+          </a:p>
+          <a:p>
+            <a:pPr algn="l"/>
+            <a:r>
+              <a:rPr lang="en-CA" sz="1800" dirty="0"/>
+              <a:t>&lt;to&gt;</a:t>
+            </a:r>
+            <a:r>
+              <a:rPr lang="en-CA" sz="1800" dirty="0" err="1"/>
+              <a:t>Tove</a:t>
+            </a:r>
+            <a:r>
+              <a:rPr lang="en-CA" sz="1800" dirty="0"/>
+              <a:t>&lt;/to</a:t>
+            </a:r>
+            <a:r>
+              <a:rPr lang="en-CA" sz="1800" dirty="0" smtClean="0"/>
+              <a:t>&gt;</a:t>
+            </a:r>
+          </a:p>
+          <a:p>
+            <a:pPr algn="l"/>
+            <a:r>
+              <a:rPr lang="en-CA" sz="1800" dirty="0"/>
+              <a:t>&lt;to&gt;</a:t>
+            </a:r>
+            <a:r>
+              <a:rPr lang="en-CA" sz="1800" dirty="0" err="1"/>
+              <a:t>Tove</a:t>
+            </a:r>
+            <a:r>
+              <a:rPr lang="en-CA" sz="1800" dirty="0"/>
+              <a:t>&lt;/to&gt;</a:t>
+            </a:r>
+          </a:p>
+          <a:p>
+            <a:pPr algn="l"/>
+            <a:r>
+              <a:rPr lang="en-CA" sz="1800" smtClean="0"/>
               <a:t>&lt;</a:t>
             </a:r>
             <a:r>
               <a:rPr lang="en-CA" sz="1800" dirty="0"/>
-              <a:t>message&gt;if salary &amp;</a:t>
+              <a:t>from&gt;Jani&lt;/from&gt;</a:t>
+            </a:r>
+          </a:p>
+          <a:p>
+            <a:pPr algn="l"/>
+            <a:r>
+              <a:rPr lang="en-CA" sz="1800" dirty="0"/>
+              <a:t>&lt;/note&gt;</a:t>
+            </a:r>
+          </a:p>
+          <a:p>
+            <a:pPr algn="l"/>
+            <a:r>
+              <a:rPr lang="en-CA" sz="1800" dirty="0"/>
+              <a:t>&lt;note date="12/11/2007"&gt;</a:t>
+            </a:r>
+          </a:p>
+          <a:p>
+            <a:pPr algn="l"/>
+            <a:r>
+              <a:rPr lang="en-CA" sz="1800" dirty="0"/>
+              <a:t>&lt;to&gt;</a:t>
             </a:r>
             <a:r>
               <a:rPr lang="en-CA" sz="1800" dirty="0" err="1"/>
-              <a:t>lt</a:t>
-            </a:r>
-            <a:r>
-              <a:rPr lang="en-CA" sz="1800" dirty="0"/>
-              <a:t>; 1000 then&lt;/message&gt;</a:t>
-            </a:r>
-          </a:p>
-          <a:p>
-            <a:pPr algn="l"/>
-            <a:r>
-              <a:rPr lang="zh-CN" altLang="en-US" sz="1800" dirty="0"/>
-              <a:t>在 </a:t>
-            </a:r>
-            <a:r>
-              <a:rPr lang="en-CA" sz="1800" dirty="0"/>
-              <a:t>XML </a:t>
-            </a:r>
-            <a:r>
-              <a:rPr lang="zh-CN" altLang="en-US" sz="1800" dirty="0"/>
-              <a:t>中，有 </a:t>
-            </a:r>
-            <a:r>
-              <a:rPr lang="en-US" altLang="zh-CN" sz="1800" dirty="0"/>
-              <a:t>5 </a:t>
-            </a:r>
-            <a:r>
-              <a:rPr lang="zh-CN" altLang="en-US" sz="1800" dirty="0"/>
-              <a:t>个预定义的实体引用：</a:t>
-            </a:r>
-          </a:p>
-          <a:p>
-            <a:pPr algn="l"/>
-            <a:r>
-              <a:rPr lang="en-US" altLang="zh-CN" sz="1800" dirty="0"/>
-              <a:t>&amp;</a:t>
-            </a:r>
-            <a:r>
-              <a:rPr lang="en-CA" sz="1800" dirty="0" err="1"/>
-              <a:t>lt</a:t>
-            </a:r>
-            <a:r>
-              <a:rPr lang="en-CA" sz="1800" dirty="0"/>
-              <a:t>;	&lt;	less than</a:t>
-            </a:r>
-          </a:p>
-          <a:p>
-            <a:pPr algn="l"/>
-            <a:r>
-              <a:rPr lang="en-CA" sz="1800" dirty="0"/>
-              <a:t>&amp;</a:t>
-            </a:r>
-            <a:r>
-              <a:rPr lang="en-CA" sz="1800" dirty="0" err="1"/>
-              <a:t>gt</a:t>
-            </a:r>
-            <a:r>
-              <a:rPr lang="en-CA" sz="1800" dirty="0"/>
-              <a:t>;	&gt;	greater than</a:t>
-            </a:r>
-          </a:p>
-          <a:p>
-            <a:pPr algn="l"/>
-            <a:r>
-              <a:rPr lang="en-CA" sz="1800" dirty="0"/>
-              <a:t>&amp;amp;	&amp;	ampersand</a:t>
-            </a:r>
-          </a:p>
-          <a:p>
-            <a:pPr algn="l"/>
-            <a:r>
-              <a:rPr lang="en-CA" sz="1800" dirty="0"/>
-              <a:t>&amp;</a:t>
-            </a:r>
-            <a:r>
-              <a:rPr lang="en-CA" sz="1800" dirty="0" err="1"/>
-              <a:t>apos</a:t>
-            </a:r>
-            <a:r>
-              <a:rPr lang="en-CA" sz="1800" dirty="0"/>
-              <a:t>;	'	apostrophe</a:t>
-            </a:r>
-          </a:p>
-          <a:p>
-            <a:pPr algn="l"/>
-            <a:r>
-              <a:rPr lang="en-CA" sz="1800" dirty="0"/>
-              <a:t>&amp;</a:t>
-            </a:r>
-            <a:r>
-              <a:rPr lang="en-CA" sz="1800" dirty="0" err="1"/>
-              <a:t>quot</a:t>
-            </a:r>
-            <a:r>
-              <a:rPr lang="en-CA" sz="1800" dirty="0"/>
-              <a:t>;	"	quotation mark</a:t>
-            </a:r>
-          </a:p>
-          <a:p>
-            <a:pPr algn="l"/>
+              <a:t>Tove</a:t>
+            </a:r>
+            <a:r>
+              <a:rPr lang="en-CA" sz="1800" dirty="0"/>
+              <a:t>&lt;/to&gt;</a:t>
+            </a:r>
+          </a:p>
+          <a:p>
+            <a:pPr algn="l"/>
+            <a:r>
+              <a:rPr lang="en-CA" sz="1800" dirty="0"/>
+              <a:t>&lt;from&gt;Jani&lt;/from&gt;</a:t>
+            </a:r>
+          </a:p>
+          <a:p>
+            <a:pPr algn="l"/>
+            <a:r>
+              <a:rPr lang="en-CA" sz="1800" dirty="0"/>
+              <a:t>&lt;/note&gt;</a:t>
+            </a:r>
+          </a:p>
+          <a:p>
+            <a:pPr algn="l"/>
+            <a:r>
+              <a:rPr lang="zh-CN" altLang="en-US" sz="1800" dirty="0"/>
+              <a:t>在第一个文档中的错误是，</a:t>
+            </a:r>
+            <a:r>
+              <a:rPr lang="en-CA" sz="1800" dirty="0"/>
+              <a:t>note </a:t>
+            </a:r>
+            <a:r>
+              <a:rPr lang="zh-CN" altLang="en-US" sz="1800" dirty="0"/>
+              <a:t>元素中的 </a:t>
+            </a:r>
+            <a:r>
+              <a:rPr lang="en-CA" sz="1800" dirty="0"/>
+              <a:t>date </a:t>
+            </a:r>
+            <a:r>
+              <a:rPr lang="zh-CN" altLang="en-US" sz="1800" dirty="0"/>
+              <a:t>属性没有加引号。</a:t>
+            </a:r>
             <a:endParaRPr lang="en-CA" sz="1800" dirty="0"/>
           </a:p>
         </p:txBody>
@@ -11916,7 +12104,7 @@
     </p:spTree>
     <p:extLst>
       <p:ext uri="{BB962C8B-B14F-4D97-AF65-F5344CB8AC3E}">
-        <p14:creationId xmlns:p14="http://schemas.microsoft.com/office/powerpoint/2010/main" val="3000649442"/>
+        <p14:creationId xmlns:p14="http://schemas.microsoft.com/office/powerpoint/2010/main" val="3711012172"/>
       </p:ext>
     </p:extLst>
   </p:cSld>
@@ -11983,27 +12171,184 @@
             </a:r>
             <a:r>
               <a:rPr lang="zh-CN" altLang="en-US" sz="1800" dirty="0"/>
-              <a:t>中编写注释的语法与 </a:t>
-            </a:r>
-            <a:r>
-              <a:rPr lang="en-CA" sz="1800" dirty="0"/>
-              <a:t>HTML </a:t>
-            </a:r>
-            <a:r>
-              <a:rPr lang="zh-CN" altLang="en-US" sz="1800" dirty="0"/>
-              <a:t>的语法很相似。</a:t>
-            </a:r>
-          </a:p>
-          <a:p>
-            <a:pPr algn="l"/>
-            <a:r>
-              <a:rPr lang="en-US" altLang="zh-CN" sz="1800" dirty="0"/>
-              <a:t>&lt;!-- </a:t>
-            </a:r>
-            <a:r>
-              <a:rPr lang="en-CA" sz="1800"/>
-              <a:t>This is a comment --&gt;</a:t>
-            </a:r>
+              <a:t>中，一些字符拥有特殊的意义。</a:t>
+            </a:r>
+          </a:p>
+          <a:p>
+            <a:pPr algn="l"/>
+            <a:r>
+              <a:rPr lang="zh-CN" altLang="en-US" sz="1800" dirty="0"/>
+              <a:t>如果您把字符 </a:t>
+            </a:r>
+            <a:r>
+              <a:rPr lang="en-US" altLang="zh-CN" sz="1800" dirty="0"/>
+              <a:t>"&lt;" </a:t>
+            </a:r>
+            <a:r>
+              <a:rPr lang="zh-CN" altLang="en-US" sz="1800" dirty="0"/>
+              <a:t>放在 </a:t>
+            </a:r>
+            <a:r>
+              <a:rPr lang="en-CA" sz="1800" dirty="0"/>
+              <a:t>XML </a:t>
+            </a:r>
+            <a:r>
+              <a:rPr lang="zh-CN" altLang="en-US" sz="1800" dirty="0"/>
+              <a:t>元素中，会发生错误，这是因为解析器会把它当作新元素的开始。</a:t>
+            </a:r>
+          </a:p>
+          <a:p>
+            <a:pPr algn="l"/>
+            <a:r>
+              <a:rPr lang="zh-CN" altLang="en-US" sz="1800" dirty="0"/>
+              <a:t>这样会产生 </a:t>
+            </a:r>
+            <a:r>
+              <a:rPr lang="en-CA" sz="1800" dirty="0"/>
+              <a:t>XML </a:t>
+            </a:r>
+            <a:r>
+              <a:rPr lang="zh-CN" altLang="en-US" sz="1800" dirty="0"/>
+              <a:t>错误：</a:t>
+            </a:r>
+          </a:p>
+          <a:p>
+            <a:pPr algn="l"/>
+            <a:r>
+              <a:rPr lang="en-US" altLang="zh-CN" sz="1800" dirty="0"/>
+              <a:t>&lt;</a:t>
+            </a:r>
+            <a:r>
+              <a:rPr lang="en-CA" sz="1800" dirty="0"/>
+              <a:t>message&gt;if salary &lt; 1000 then&lt;/message&gt;</a:t>
+            </a:r>
+          </a:p>
+          <a:p>
+            <a:pPr algn="l"/>
+            <a:r>
+              <a:rPr lang="zh-CN" altLang="en-US" sz="1800" dirty="0"/>
+              <a:t>为了避免这个错误，请用实体引用来代替 </a:t>
+            </a:r>
+            <a:r>
+              <a:rPr lang="en-US" altLang="zh-CN" sz="1800" dirty="0"/>
+              <a:t>"&lt;" </a:t>
+            </a:r>
+            <a:r>
+              <a:rPr lang="zh-CN" altLang="en-US" sz="1800" dirty="0"/>
+              <a:t>字符：</a:t>
+            </a:r>
+          </a:p>
+          <a:p>
+            <a:pPr algn="l"/>
+            <a:r>
+              <a:rPr lang="en-US" altLang="zh-CN" sz="1800" dirty="0"/>
+              <a:t>&lt;</a:t>
+            </a:r>
+            <a:r>
+              <a:rPr lang="en-CA" sz="1800" dirty="0"/>
+              <a:t>message&gt;if salary &amp;</a:t>
+            </a:r>
+            <a:r>
+              <a:rPr lang="en-CA" sz="1800" dirty="0" err="1"/>
+              <a:t>lt</a:t>
+            </a:r>
+            <a:r>
+              <a:rPr lang="en-CA" sz="1800" dirty="0"/>
+              <a:t>; 1000 then&lt;/message&gt;</a:t>
+            </a:r>
+          </a:p>
+          <a:p>
+            <a:pPr algn="l"/>
+            <a:r>
+              <a:rPr lang="zh-CN" altLang="en-US" sz="1800" dirty="0"/>
+              <a:t>在 </a:t>
+            </a:r>
+            <a:r>
+              <a:rPr lang="en-CA" sz="1800" dirty="0"/>
+              <a:t>XML </a:t>
+            </a:r>
+            <a:r>
+              <a:rPr lang="zh-CN" altLang="en-US" sz="1800" dirty="0"/>
+              <a:t>中，有 </a:t>
+            </a:r>
+            <a:r>
+              <a:rPr lang="en-US" altLang="zh-CN" sz="1800" dirty="0"/>
+              <a:t>5 </a:t>
+            </a:r>
+            <a:r>
+              <a:rPr lang="zh-CN" altLang="en-US" sz="1800" dirty="0"/>
+              <a:t>个预定义的实体引用：</a:t>
+            </a:r>
+          </a:p>
+          <a:p>
+            <a:pPr algn="l"/>
+            <a:r>
+              <a:rPr lang="en-US" altLang="zh-CN" sz="1800" dirty="0"/>
+              <a:t>&amp;</a:t>
+            </a:r>
+            <a:r>
+              <a:rPr lang="en-CA" sz="1800" dirty="0" err="1"/>
+              <a:t>lt</a:t>
+            </a:r>
+            <a:r>
+              <a:rPr lang="en-CA" sz="1800" dirty="0"/>
+              <a:t>;	&lt;	less than</a:t>
+            </a:r>
+          </a:p>
+          <a:p>
+            <a:pPr algn="l"/>
+            <a:r>
+              <a:rPr lang="en-CA" sz="1800" dirty="0"/>
+              <a:t>&amp;</a:t>
+            </a:r>
+            <a:r>
+              <a:rPr lang="en-CA" sz="1800" dirty="0" err="1"/>
+              <a:t>gt</a:t>
+            </a:r>
+            <a:r>
+              <a:rPr lang="en-CA" sz="1800" dirty="0"/>
+              <a:t>;	&gt;	greater than</a:t>
+            </a:r>
+          </a:p>
+          <a:p>
+            <a:pPr algn="l"/>
+            <a:r>
+              <a:rPr lang="en-CA" sz="1800" dirty="0"/>
+              <a:t>&amp;amp;	&amp;	ampersand</a:t>
+            </a:r>
+          </a:p>
+          <a:p>
+            <a:pPr algn="l"/>
+            <a:r>
+              <a:rPr lang="en-CA" sz="1800" dirty="0"/>
+              <a:t>&amp;</a:t>
+            </a:r>
+            <a:r>
+              <a:rPr lang="en-CA" sz="1800" dirty="0" err="1"/>
+              <a:t>apos</a:t>
+            </a:r>
+            <a:r>
+              <a:rPr lang="en-CA" sz="1800" dirty="0"/>
+              <a:t>;	'	apostrophe</a:t>
+            </a:r>
+          </a:p>
+          <a:p>
+            <a:pPr algn="l"/>
+            <a:r>
+              <a:rPr lang="en-CA" sz="1800" dirty="0"/>
+              <a:t>&amp;</a:t>
+            </a:r>
+            <a:r>
+              <a:rPr lang="en-CA" sz="1800" dirty="0" err="1"/>
+              <a:t>quot</a:t>
+            </a:r>
+            <a:r>
+              <a:rPr lang="en-CA" sz="1800" dirty="0"/>
+              <a:t>;	"	quotation mark</a:t>
+            </a:r>
+          </a:p>
+          <a:p>
+            <a:pPr algn="l"/>
             <a:endParaRPr lang="en-CA" sz="1800" dirty="0"/>
           </a:p>
         </p:txBody>
@@ -12011,7 +12356,7 @@
     </p:spTree>
     <p:extLst>
       <p:ext uri="{BB962C8B-B14F-4D97-AF65-F5344CB8AC3E}">
-        <p14:creationId xmlns:p14="http://schemas.microsoft.com/office/powerpoint/2010/main" val="1904880048"/>
+        <p14:creationId xmlns:p14="http://schemas.microsoft.com/office/powerpoint/2010/main" val="3000649442"/>
       </p:ext>
     </p:extLst>
   </p:cSld>
@@ -12069,8 +12414,35 @@
           <a:p>
             <a:pPr algn="l"/>
             <a:r>
-              <a:rPr lang="en-US" altLang="zh-CN" sz="1800" dirty="0" err="1" smtClean="0"/>
-              <a:t>Json</a:t>
+              <a:rPr lang="zh-CN" altLang="en-US" sz="1800" dirty="0"/>
+              <a:t>在 </a:t>
+            </a:r>
+            <a:r>
+              <a:rPr lang="en-CA" sz="1800" dirty="0"/>
+              <a:t>XML </a:t>
+            </a:r>
+            <a:r>
+              <a:rPr lang="zh-CN" altLang="en-US" sz="1800" dirty="0"/>
+              <a:t>中编写注释的语法与 </a:t>
+            </a:r>
+            <a:r>
+              <a:rPr lang="en-CA" sz="1800" dirty="0"/>
+              <a:t>HTML </a:t>
+            </a:r>
+            <a:r>
+              <a:rPr lang="zh-CN" altLang="en-US" sz="1800" dirty="0"/>
+              <a:t>的语法很相似。</a:t>
+            </a:r>
+          </a:p>
+          <a:p>
+            <a:pPr algn="l"/>
+            <a:r>
+              <a:rPr lang="en-US" altLang="zh-CN" sz="1800" dirty="0"/>
+              <a:t>&lt;!-- </a:t>
+            </a:r>
+            <a:r>
+              <a:rPr lang="en-CA" sz="1800"/>
+              <a:t>This is a comment --&gt;</a:t>
             </a:r>
             <a:endParaRPr lang="en-CA" sz="1800" dirty="0"/>
           </a:p>
@@ -12079,7 +12451,7 @@
     </p:spTree>
     <p:extLst>
       <p:ext uri="{BB962C8B-B14F-4D97-AF65-F5344CB8AC3E}">
-        <p14:creationId xmlns:p14="http://schemas.microsoft.com/office/powerpoint/2010/main" val="3864772096"/>
+        <p14:creationId xmlns:p14="http://schemas.microsoft.com/office/powerpoint/2010/main" val="1904880048"/>
       </p:ext>
     </p:extLst>
   </p:cSld>
@@ -12137,162 +12509,17 @@
           <a:p>
             <a:pPr algn="l"/>
             <a:r>
-              <a:rPr lang="en-CA" sz="1800" dirty="0"/>
-              <a:t>JSON </a:t>
-            </a:r>
-            <a:r>
-              <a:rPr lang="zh-CN" altLang="en-US" sz="1800" dirty="0"/>
-              <a:t>或者 </a:t>
-            </a:r>
-            <a:r>
-              <a:rPr lang="en-CA" sz="1800" dirty="0"/>
-              <a:t>JavaScript </a:t>
-            </a:r>
-            <a:r>
-              <a:rPr lang="zh-CN" altLang="en-US" sz="1800" dirty="0"/>
-              <a:t>对象表示法是一种轻量级的基于文本的开放标准，被设计用于可读的数据交换。约定使用 </a:t>
-            </a:r>
-            <a:r>
-              <a:rPr lang="en-CA" sz="1800" dirty="0"/>
-              <a:t>JSON </a:t>
-            </a:r>
-            <a:r>
-              <a:rPr lang="zh-CN" altLang="en-US" sz="1800" dirty="0"/>
-              <a:t>的程序包括 </a:t>
-            </a:r>
-            <a:r>
-              <a:rPr lang="en-CA" sz="1800" dirty="0"/>
-              <a:t>C，C++，</a:t>
-            </a:r>
-            <a:r>
-              <a:rPr lang="en-CA" sz="1800" dirty="0" err="1"/>
-              <a:t>Java，Python，Perl</a:t>
-            </a:r>
-            <a:r>
-              <a:rPr lang="en-CA" sz="1800" dirty="0"/>
-              <a:t> </a:t>
-            </a:r>
-            <a:r>
-              <a:rPr lang="zh-CN" altLang="en-US" sz="1800" dirty="0"/>
-              <a:t>等等。</a:t>
-            </a:r>
-          </a:p>
-          <a:p>
-            <a:pPr algn="l"/>
-            <a:endParaRPr lang="zh-CN" altLang="en-US" sz="1800" dirty="0"/>
-          </a:p>
-          <a:p>
-            <a:pPr algn="l"/>
-            <a:r>
-              <a:rPr lang="en-CA" sz="1800" dirty="0"/>
-              <a:t>JSON </a:t>
-            </a:r>
-            <a:r>
-              <a:rPr lang="zh-CN" altLang="en-US" sz="1800" dirty="0"/>
-              <a:t>是 </a:t>
-            </a:r>
-            <a:r>
-              <a:rPr lang="en-CA" sz="1800" dirty="0"/>
-              <a:t>JavaScript Object Notation </a:t>
-            </a:r>
-            <a:r>
-              <a:rPr lang="zh-CN" altLang="en-US" sz="1800" dirty="0"/>
-              <a:t>的缩写。</a:t>
-            </a:r>
-          </a:p>
-          <a:p>
-            <a:pPr algn="l"/>
-            <a:r>
-              <a:rPr lang="zh-CN" altLang="en-US" sz="1800" dirty="0"/>
-              <a:t>这个格式由 </a:t>
-            </a:r>
-            <a:r>
-              <a:rPr lang="en-CA" sz="1800" dirty="0"/>
-              <a:t>Douglas </a:t>
-            </a:r>
-            <a:r>
-              <a:rPr lang="en-CA" sz="1800" dirty="0" err="1"/>
-              <a:t>Crockford</a:t>
-            </a:r>
-            <a:r>
-              <a:rPr lang="en-CA" sz="1800" dirty="0"/>
-              <a:t> </a:t>
-            </a:r>
-            <a:r>
-              <a:rPr lang="zh-CN" altLang="en-US" sz="1800" dirty="0"/>
-              <a:t>提出。</a:t>
-            </a:r>
-          </a:p>
-          <a:p>
-            <a:pPr algn="l"/>
-            <a:r>
-              <a:rPr lang="zh-CN" altLang="en-US" sz="1800" dirty="0"/>
-              <a:t>被设计用于可读的数据交换。</a:t>
-            </a:r>
-          </a:p>
-          <a:p>
-            <a:pPr algn="l"/>
-            <a:r>
-              <a:rPr lang="zh-CN" altLang="en-US" sz="1800" dirty="0"/>
-              <a:t>它是从 </a:t>
-            </a:r>
-            <a:r>
-              <a:rPr lang="en-CA" sz="1800" dirty="0"/>
-              <a:t>JavaScript </a:t>
-            </a:r>
-            <a:r>
-              <a:rPr lang="zh-CN" altLang="en-US" sz="1800" dirty="0"/>
-              <a:t>脚本语言中演变而来。</a:t>
-            </a:r>
-          </a:p>
-          <a:p>
-            <a:pPr algn="l"/>
-            <a:r>
-              <a:rPr lang="zh-CN" altLang="en-US" sz="1800" dirty="0"/>
-              <a:t>文件名扩展是 </a:t>
-            </a:r>
-            <a:r>
-              <a:rPr lang="en-US" altLang="zh-CN" sz="1800" dirty="0"/>
-              <a:t>.</a:t>
-            </a:r>
-            <a:r>
-              <a:rPr lang="en-CA" sz="1800" dirty="0" err="1"/>
-              <a:t>json</a:t>
-            </a:r>
-            <a:r>
-              <a:rPr lang="en-CA" sz="1800" dirty="0"/>
-              <a:t>。</a:t>
-            </a:r>
-          </a:p>
-          <a:p>
-            <a:pPr algn="l"/>
-            <a:r>
-              <a:rPr lang="en-CA" sz="1800" dirty="0"/>
-              <a:t>JSON </a:t>
-            </a:r>
-            <a:r>
-              <a:rPr lang="zh-CN" altLang="en-US" sz="1800" dirty="0"/>
-              <a:t>的网络媒体类型是 </a:t>
-            </a:r>
-            <a:r>
-              <a:rPr lang="en-CA" sz="1800" dirty="0"/>
-              <a:t>application/</a:t>
-            </a:r>
-            <a:r>
-              <a:rPr lang="en-CA" sz="1800" dirty="0" err="1"/>
-              <a:t>json</a:t>
-            </a:r>
-            <a:r>
-              <a:rPr lang="en-CA" sz="1800" dirty="0"/>
-              <a:t>。</a:t>
-            </a:r>
+              <a:rPr lang="en-US" altLang="zh-CN" sz="1800" dirty="0" err="1" smtClean="0"/>
+              <a:t>Json</a:t>
+            </a:r>
+            <a:endParaRPr lang="en-CA" sz="1800" dirty="0"/>
           </a:p>
         </p:txBody>
       </p:sp>
     </p:spTree>
     <p:extLst>
       <p:ext uri="{BB962C8B-B14F-4D97-AF65-F5344CB8AC3E}">
-        <p14:creationId xmlns:p14="http://schemas.microsoft.com/office/powerpoint/2010/main" val="175304330"/>
+        <p14:creationId xmlns:p14="http://schemas.microsoft.com/office/powerpoint/2010/main" val="3864772096"/>
       </p:ext>
     </p:extLst>
   </p:cSld>
@@ -12350,46 +12577,162 @@
           <a:p>
             <a:pPr algn="l"/>
             <a:r>
-              <a:rPr lang="en-US" altLang="zh-CN" sz="1800" dirty="0"/>
-              <a:t>SON </a:t>
-            </a:r>
-            <a:r>
-              <a:rPr lang="zh-CN" altLang="en-US" sz="1800" dirty="0"/>
-              <a:t>特点</a:t>
-            </a:r>
-          </a:p>
-          <a:p>
-            <a:pPr algn="l"/>
-            <a:r>
-              <a:rPr lang="en-US" altLang="zh-CN" sz="1800" dirty="0"/>
+              <a:rPr lang="en-CA" sz="1800" dirty="0"/>
               <a:t>JSON </a:t>
             </a:r>
             <a:r>
               <a:rPr lang="zh-CN" altLang="en-US" sz="1800" dirty="0"/>
-              <a:t>容易阅读和编写。</a:t>
-            </a:r>
-          </a:p>
-          <a:p>
-            <a:pPr algn="l"/>
-            <a:r>
-              <a:rPr lang="zh-CN" altLang="en-US" sz="1800" dirty="0"/>
-              <a:t>它是一种轻量级的基于文本的交换格式。</a:t>
-            </a:r>
-          </a:p>
-          <a:p>
-            <a:pPr algn="l"/>
-            <a:r>
-              <a:rPr lang="zh-CN" altLang="en-US" sz="1800" dirty="0"/>
-              <a:t>语言无关。</a:t>
-            </a:r>
-            <a:endParaRPr lang="en-CA" sz="1800" dirty="0"/>
+              <a:t>或者 </a:t>
+            </a:r>
+            <a:r>
+              <a:rPr lang="en-CA" sz="1800" dirty="0"/>
+              <a:t>JavaScript </a:t>
+            </a:r>
+            <a:r>
+              <a:rPr lang="zh-CN" altLang="en-US" sz="1800" dirty="0"/>
+              <a:t>对象表示法是一种轻量级的基于文本的开放标准，被设计用于可读的数据交换。约定使用 </a:t>
+            </a:r>
+            <a:r>
+              <a:rPr lang="en-CA" sz="1800" dirty="0"/>
+              <a:t>JSON </a:t>
+            </a:r>
+            <a:r>
+              <a:rPr lang="zh-CN" altLang="en-US" sz="1800" dirty="0"/>
+              <a:t>的程序包括 </a:t>
+            </a:r>
+            <a:r>
+              <a:rPr lang="en-CA" sz="1800" dirty="0"/>
+              <a:t>C，C++，</a:t>
+            </a:r>
+            <a:r>
+              <a:rPr lang="en-CA" sz="1800" dirty="0" err="1"/>
+              <a:t>Java，Python，Perl</a:t>
+            </a:r>
+            <a:r>
+              <a:rPr lang="en-CA" sz="1800" dirty="0"/>
+              <a:t> </a:t>
+            </a:r>
+            <a:r>
+              <a:rPr lang="zh-CN" altLang="en-US" sz="1800" dirty="0"/>
+              <a:t>等等。</a:t>
+            </a:r>
+          </a:p>
+          <a:p>
+            <a:pPr algn="l"/>
+            <a:endParaRPr lang="zh-CN" altLang="en-US" sz="1800" dirty="0"/>
+          </a:p>
+          <a:p>
+            <a:pPr algn="l"/>
+            <a:r>
+              <a:rPr lang="en-CA" sz="1800" dirty="0"/>
+              <a:t>JSON </a:t>
+            </a:r>
+            <a:r>
+              <a:rPr lang="zh-CN" altLang="en-US" sz="1800" dirty="0"/>
+              <a:t>是 </a:t>
+            </a:r>
+            <a:r>
+              <a:rPr lang="en-CA" sz="1800" dirty="0"/>
+              <a:t>JavaScript Object Notation </a:t>
+            </a:r>
+            <a:r>
+              <a:rPr lang="zh-CN" altLang="en-US" sz="1800" dirty="0"/>
+              <a:t>的缩写。</a:t>
+            </a:r>
+          </a:p>
+          <a:p>
+            <a:pPr algn="l"/>
+            <a:r>
+              <a:rPr lang="zh-CN" altLang="en-US" sz="1800" dirty="0"/>
+              <a:t>这个格式由 </a:t>
+            </a:r>
+            <a:r>
+              <a:rPr lang="en-CA" sz="1800" dirty="0"/>
+              <a:t>Douglas </a:t>
+            </a:r>
+            <a:r>
+              <a:rPr lang="en-CA" sz="1800" dirty="0" err="1"/>
+              <a:t>Crockford</a:t>
+            </a:r>
+            <a:r>
+              <a:rPr lang="en-CA" sz="1800" dirty="0"/>
+              <a:t> </a:t>
+            </a:r>
+            <a:r>
+              <a:rPr lang="zh-CN" altLang="en-US" sz="1800" dirty="0"/>
+              <a:t>提出。</a:t>
+            </a:r>
+          </a:p>
+          <a:p>
+            <a:pPr algn="l"/>
+            <a:r>
+              <a:rPr lang="zh-CN" altLang="en-US" sz="1800" dirty="0"/>
+              <a:t>被设计用于可读的数据交换。</a:t>
+            </a:r>
+          </a:p>
+          <a:p>
+            <a:pPr algn="l"/>
+            <a:r>
+              <a:rPr lang="zh-CN" altLang="en-US" sz="1800" dirty="0"/>
+              <a:t>它是从 </a:t>
+            </a:r>
+            <a:r>
+              <a:rPr lang="en-CA" sz="1800" dirty="0"/>
+              <a:t>JavaScript </a:t>
+            </a:r>
+            <a:r>
+              <a:rPr lang="zh-CN" altLang="en-US" sz="1800" dirty="0"/>
+              <a:t>脚本语言中演变而来。</a:t>
+            </a:r>
+          </a:p>
+          <a:p>
+            <a:pPr algn="l"/>
+            <a:r>
+              <a:rPr lang="zh-CN" altLang="en-US" sz="1800" dirty="0"/>
+              <a:t>文件名扩展是 </a:t>
+            </a:r>
+            <a:r>
+              <a:rPr lang="en-US" altLang="zh-CN" sz="1800" dirty="0"/>
+              <a:t>.</a:t>
+            </a:r>
+            <a:r>
+              <a:rPr lang="en-CA" sz="1800" dirty="0" err="1"/>
+              <a:t>json</a:t>
+            </a:r>
+            <a:r>
+              <a:rPr lang="en-CA" sz="1800" dirty="0"/>
+              <a:t>。</a:t>
+            </a:r>
+          </a:p>
+          <a:p>
+            <a:pPr algn="l"/>
+            <a:r>
+              <a:rPr lang="en-CA" sz="1800" dirty="0"/>
+              <a:t>JSON </a:t>
+            </a:r>
+            <a:r>
+              <a:rPr lang="zh-CN" altLang="en-US" sz="1800" dirty="0"/>
+              <a:t>的网络媒体类型是 </a:t>
+            </a:r>
+            <a:r>
+              <a:rPr lang="en-CA" sz="1800" dirty="0"/>
+              <a:t>application/</a:t>
+            </a:r>
+            <a:r>
+              <a:rPr lang="en-CA" sz="1800" dirty="0" err="1"/>
+              <a:t>json</a:t>
+            </a:r>
+            <a:r>
+              <a:rPr lang="en-CA" sz="1800" dirty="0"/>
+              <a:t>。</a:t>
+            </a:r>
           </a:p>
         </p:txBody>
       </p:sp>
     </p:spTree>
     <p:extLst>
       <p:ext uri="{BB962C8B-B14F-4D97-AF65-F5344CB8AC3E}">
-        <p14:creationId xmlns:p14="http://schemas.microsoft.com/office/powerpoint/2010/main" val="3057028417"/>
+        <p14:creationId xmlns:p14="http://schemas.microsoft.com/office/powerpoint/2010/main" val="175304330"/>
       </p:ext>
     </p:extLst>
   </p:cSld>
@@ -12447,130 +12790,46 @@
           <a:p>
             <a:pPr algn="l"/>
             <a:r>
-              <a:rPr lang="en-CA" sz="1800" dirty="0"/>
-              <a:t>{</a:t>
-            </a:r>
-          </a:p>
-          <a:p>
-            <a:pPr algn="l"/>
-            <a:r>
-              <a:rPr lang="en-CA" sz="1800" dirty="0"/>
-              <a:t>    "book": [</a:t>
-            </a:r>
-          </a:p>
-          <a:p>
-            <a:pPr algn="l"/>
-            <a:r>
-              <a:rPr lang="en-CA" sz="1800" dirty="0"/>
-              <a:t>        {</a:t>
-            </a:r>
-          </a:p>
-          <a:p>
-            <a:pPr algn="l"/>
-            <a:r>
-              <a:rPr lang="en-CA" sz="1800" dirty="0"/>
-              <a:t>            "id":"01",</a:t>
-            </a:r>
-          </a:p>
-          <a:p>
-            <a:pPr algn="l"/>
-            <a:r>
-              <a:rPr lang="en-CA" sz="1800" dirty="0"/>
-              <a:t>            "language": "Java",</a:t>
-            </a:r>
-          </a:p>
-          <a:p>
-            <a:pPr algn="l"/>
-            <a:r>
-              <a:rPr lang="en-CA" sz="1800" dirty="0"/>
-              <a:t>            "edition": "third",</a:t>
-            </a:r>
-          </a:p>
-          <a:p>
-            <a:pPr algn="l"/>
-            <a:r>
-              <a:rPr lang="en-CA" sz="1800" dirty="0"/>
-              <a:t>            "author": "Herbert </a:t>
-            </a:r>
-            <a:r>
-              <a:rPr lang="en-CA" sz="1800" dirty="0" err="1"/>
-              <a:t>Schildt</a:t>
-            </a:r>
-            <a:r>
-              <a:rPr lang="en-CA" sz="1800" dirty="0"/>
-              <a:t>"</a:t>
-            </a:r>
-          </a:p>
-          <a:p>
-            <a:pPr algn="l"/>
-            <a:r>
-              <a:rPr lang="en-CA" sz="1800" dirty="0"/>
-              <a:t>        },</a:t>
-            </a:r>
-          </a:p>
-          <a:p>
-            <a:pPr algn="l"/>
-            <a:r>
-              <a:rPr lang="en-CA" sz="1800" dirty="0"/>
-              <a:t>        {</a:t>
-            </a:r>
-          </a:p>
-          <a:p>
-            <a:pPr algn="l"/>
-            <a:r>
-              <a:rPr lang="en-CA" sz="1800" dirty="0"/>
-              <a:t>            "id":"07",</a:t>
-            </a:r>
-          </a:p>
-          <a:p>
-            <a:pPr algn="l"/>
-            <a:r>
-              <a:rPr lang="en-CA" sz="1800" dirty="0"/>
-              <a:t>            "language": "C++",</a:t>
-            </a:r>
-          </a:p>
-          <a:p>
-            <a:pPr algn="l"/>
-            <a:r>
-              <a:rPr lang="en-CA" sz="1800" dirty="0"/>
-              <a:t>            "edition": "second"</a:t>
-            </a:r>
-          </a:p>
-          <a:p>
-            <a:pPr algn="l"/>
-            <a:r>
-              <a:rPr lang="en-CA" sz="1800" dirty="0"/>
-              <a:t>            "author": "</a:t>
-            </a:r>
-            <a:r>
-              <a:rPr lang="en-CA" sz="1800" dirty="0" err="1"/>
-              <a:t>E.Balagurusamy</a:t>
-            </a:r>
-            <a:r>
-              <a:rPr lang="en-CA" sz="1800" dirty="0"/>
-              <a:t>"</a:t>
-            </a:r>
-          </a:p>
-          <a:p>
-            <a:pPr algn="l"/>
-            <a:r>
-              <a:rPr lang="en-CA" sz="1800" dirty="0"/>
-              <a:t>    }]</a:t>
-            </a:r>
-          </a:p>
-          <a:p>
-            <a:pPr algn="l"/>
-            <a:r>
-              <a:rPr lang="en-CA" sz="1800" dirty="0"/>
-              <a:t>}</a:t>
-            </a:r>
+              <a:rPr lang="en-US" altLang="zh-CN" sz="1800" dirty="0"/>
+              <a:t>SON </a:t>
+            </a:r>
+            <a:r>
+              <a:rPr lang="zh-CN" altLang="en-US" sz="1800" dirty="0"/>
+              <a:t>特点</a:t>
+            </a:r>
+          </a:p>
+          <a:p>
+            <a:pPr algn="l"/>
+            <a:r>
+              <a:rPr lang="en-US" altLang="zh-CN" sz="1800" dirty="0"/>
+              <a:t>JSON </a:t>
+            </a:r>
+            <a:r>
+              <a:rPr lang="zh-CN" altLang="en-US" sz="1800" dirty="0"/>
+              <a:t>容易阅读和编写。</a:t>
+            </a:r>
+          </a:p>
+          <a:p>
+            <a:pPr algn="l"/>
+            <a:r>
+              <a:rPr lang="zh-CN" altLang="en-US" sz="1800" dirty="0"/>
+              <a:t>它是一种轻量级的基于文本的交换格式。</a:t>
+            </a:r>
+          </a:p>
+          <a:p>
+            <a:pPr algn="l"/>
+            <a:r>
+              <a:rPr lang="zh-CN" altLang="en-US" sz="1800" dirty="0"/>
+              <a:t>语言无关。</a:t>
+            </a:r>
+            <a:endParaRPr lang="en-CA" sz="1800" dirty="0"/>
           </a:p>
         </p:txBody>
       </p:sp>
     </p:spTree>
     <p:extLst>
       <p:ext uri="{BB962C8B-B14F-4D97-AF65-F5344CB8AC3E}">
-        <p14:creationId xmlns:p14="http://schemas.microsoft.com/office/powerpoint/2010/main" val="2919000995"/>
+        <p14:creationId xmlns:p14="http://schemas.microsoft.com/office/powerpoint/2010/main" val="3057028417"/>
       </p:ext>
     </p:extLst>
   </p:cSld>
@@ -12629,90 +12888,129 @@
             <a:pPr algn="l"/>
             <a:r>
               <a:rPr lang="en-CA" sz="1800" dirty="0"/>
-              <a:t>JSON </a:t>
-            </a:r>
-            <a:r>
-              <a:rPr lang="zh-CN" altLang="en-US" sz="1800" dirty="0"/>
-              <a:t>的基本语</a:t>
-            </a:r>
-            <a:r>
-              <a:rPr lang="zh-CN" altLang="en-US" sz="1800" dirty="0" smtClean="0"/>
-              <a:t>法</a:t>
-            </a:r>
-            <a:endParaRPr lang="en-US" altLang="zh-CN" sz="1800" dirty="0" smtClean="0"/>
-          </a:p>
-          <a:p>
-            <a:pPr algn="l"/>
-            <a:endParaRPr lang="en-US" sz="1800" dirty="0"/>
-          </a:p>
-          <a:p>
-            <a:pPr algn="l"/>
-            <a:r>
-              <a:rPr lang="zh-CN" altLang="en-US" sz="1800" dirty="0"/>
-              <a:t>数据使用名</a:t>
-            </a:r>
-            <a:r>
-              <a:rPr lang="en-US" altLang="zh-CN" sz="1800" dirty="0"/>
-              <a:t>/</a:t>
-            </a:r>
-            <a:r>
-              <a:rPr lang="zh-CN" altLang="en-US" sz="1800" dirty="0"/>
-              <a:t>值对表示。</a:t>
-            </a:r>
-          </a:p>
-          <a:p>
-            <a:pPr algn="l"/>
-            <a:r>
-              <a:rPr lang="zh-CN" altLang="en-US" sz="1800" dirty="0"/>
-              <a:t>使用大括号保存对象，每个名称后面跟着一个 </a:t>
-            </a:r>
-            <a:r>
-              <a:rPr lang="en-US" altLang="zh-CN" sz="1800" dirty="0"/>
-              <a:t>':'</a:t>
-            </a:r>
-            <a:r>
-              <a:rPr lang="zh-CN" altLang="en-US" sz="1800" dirty="0"/>
-              <a:t>（冒号），名</a:t>
-            </a:r>
-            <a:r>
-              <a:rPr lang="en-US" altLang="zh-CN" sz="1800" dirty="0"/>
-              <a:t>/</a:t>
-            </a:r>
-            <a:r>
-              <a:rPr lang="zh-CN" altLang="en-US" sz="1800" dirty="0"/>
-              <a:t>值对使用 </a:t>
-            </a:r>
-            <a:r>
-              <a:rPr lang="en-US" altLang="zh-CN" sz="1800" dirty="0"/>
-              <a:t>,</a:t>
-            </a:r>
-            <a:r>
-              <a:rPr lang="zh-CN" altLang="en-US" sz="1800" dirty="0"/>
-              <a:t>（逗号）分割。</a:t>
-            </a:r>
-          </a:p>
-          <a:p>
-            <a:pPr algn="l"/>
-            <a:r>
-              <a:rPr lang="zh-CN" altLang="en-US" sz="1800" dirty="0"/>
-              <a:t>使用方括号保存数组，数组值使用 </a:t>
-            </a:r>
-            <a:r>
-              <a:rPr lang="en-US" altLang="zh-CN" sz="1800" dirty="0"/>
-              <a:t>,</a:t>
-            </a:r>
-            <a:r>
-              <a:rPr lang="zh-CN" altLang="en-US" sz="1800" dirty="0"/>
-              <a:t>（逗号）分割。</a:t>
-            </a:r>
-            <a:endParaRPr lang="en-CA" sz="1800" dirty="0"/>
+              <a:t>{</a:t>
+            </a:r>
+          </a:p>
+          <a:p>
+            <a:pPr algn="l"/>
+            <a:r>
+              <a:rPr lang="en-CA" sz="1800" dirty="0"/>
+              <a:t>    "book": [</a:t>
+            </a:r>
+          </a:p>
+          <a:p>
+            <a:pPr algn="l"/>
+            <a:r>
+              <a:rPr lang="en-CA" sz="1800" dirty="0"/>
+              <a:t>        {</a:t>
+            </a:r>
+          </a:p>
+          <a:p>
+            <a:pPr algn="l"/>
+            <a:r>
+              <a:rPr lang="en-CA" sz="1800" dirty="0"/>
+              <a:t>            "id":"01",</a:t>
+            </a:r>
+          </a:p>
+          <a:p>
+            <a:pPr algn="l"/>
+            <a:r>
+              <a:rPr lang="en-CA" sz="1800" dirty="0"/>
+              <a:t>            "language": "Java",</a:t>
+            </a:r>
+          </a:p>
+          <a:p>
+            <a:pPr algn="l"/>
+            <a:r>
+              <a:rPr lang="en-CA" sz="1800" dirty="0"/>
+              <a:t>            "edition": "third",</a:t>
+            </a:r>
+          </a:p>
+          <a:p>
+            <a:pPr algn="l"/>
+            <a:r>
+              <a:rPr lang="en-CA" sz="1800" dirty="0"/>
+              <a:t>            "author": "Herbert </a:t>
+            </a:r>
+            <a:r>
+              <a:rPr lang="en-CA" sz="1800" dirty="0" err="1"/>
+              <a:t>Schildt</a:t>
+            </a:r>
+            <a:r>
+              <a:rPr lang="en-CA" sz="1800" dirty="0"/>
+              <a:t>"</a:t>
+            </a:r>
+          </a:p>
+          <a:p>
+            <a:pPr algn="l"/>
+            <a:r>
+              <a:rPr lang="en-CA" sz="1800" dirty="0"/>
+              <a:t>        },</a:t>
+            </a:r>
+          </a:p>
+          <a:p>
+            <a:pPr algn="l"/>
+            <a:r>
+              <a:rPr lang="en-CA" sz="1800" dirty="0"/>
+              <a:t>        {</a:t>
+            </a:r>
+          </a:p>
+          <a:p>
+            <a:pPr algn="l"/>
+            <a:r>
+              <a:rPr lang="en-CA" sz="1800" dirty="0"/>
+              <a:t>            "id":"07",</a:t>
+            </a:r>
+          </a:p>
+          <a:p>
+            <a:pPr algn="l"/>
+            <a:r>
+              <a:rPr lang="en-CA" sz="1800" dirty="0"/>
+              <a:t>            "language": "C++",</a:t>
+            </a:r>
+          </a:p>
+          <a:p>
+            <a:pPr algn="l"/>
+            <a:r>
+              <a:rPr lang="en-CA" sz="1800" dirty="0"/>
+              <a:t>            "edition": "second"</a:t>
+            </a:r>
+          </a:p>
+          <a:p>
+            <a:pPr algn="l"/>
+            <a:r>
+              <a:rPr lang="en-CA" sz="1800" dirty="0"/>
+              <a:t>            "author": "</a:t>
+            </a:r>
+            <a:r>
+              <a:rPr lang="en-CA" sz="1800" dirty="0" err="1"/>
+              <a:t>E.Balagurusamy</a:t>
+            </a:r>
+            <a:r>
+              <a:rPr lang="en-CA" sz="1800" dirty="0"/>
+              <a:t>"</a:t>
+            </a:r>
+          </a:p>
+          <a:p>
+            <a:pPr algn="l"/>
+            <a:r>
+              <a:rPr lang="en-CA" sz="1800" dirty="0"/>
+              <a:t>    }]</a:t>
+            </a:r>
+          </a:p>
+          <a:p>
+            <a:pPr algn="l"/>
+            <a:r>
+              <a:rPr lang="en-CA" sz="1800" dirty="0"/>
+              <a:t>}</a:t>
+            </a:r>
           </a:p>
         </p:txBody>
       </p:sp>
     </p:spTree>
     <p:extLst>
       <p:ext uri="{BB962C8B-B14F-4D97-AF65-F5344CB8AC3E}">
-        <p14:creationId xmlns:p14="http://schemas.microsoft.com/office/powerpoint/2010/main" val="4232548539"/>
+        <p14:creationId xmlns:p14="http://schemas.microsoft.com/office/powerpoint/2010/main" val="2919000995"/>
       </p:ext>
     </p:extLst>
   </p:cSld>
@@ -12775,174 +13073,77 @@
             </a:r>
             <a:r>
               <a:rPr lang="zh-CN" altLang="en-US" sz="1800" dirty="0"/>
-              <a:t>格式支持以下数据类型：</a:t>
-            </a:r>
-          </a:p>
-          <a:p>
-            <a:pPr algn="l"/>
-            <a:endParaRPr lang="zh-CN" altLang="en-US" sz="1800" dirty="0"/>
-          </a:p>
-          <a:p>
-            <a:pPr algn="l"/>
-            <a:r>
-              <a:rPr lang="zh-CN" altLang="en-US" sz="1800" dirty="0"/>
-              <a:t>类型	描述</a:t>
-            </a:r>
-          </a:p>
-          <a:p>
-            <a:pPr algn="l"/>
-            <a:r>
-              <a:rPr lang="zh-CN" altLang="en-US" sz="1800" dirty="0"/>
-              <a:t>数字型（</a:t>
-            </a:r>
-            <a:r>
-              <a:rPr lang="en-CA" sz="1800" dirty="0"/>
-              <a:t>Number）	JavaScript </a:t>
-            </a:r>
-            <a:r>
-              <a:rPr lang="zh-CN" altLang="en-US" sz="1800" dirty="0"/>
-              <a:t>中的双精度浮点型格式</a:t>
-            </a:r>
-          </a:p>
-          <a:p>
-            <a:pPr algn="l"/>
-            <a:r>
-              <a:rPr lang="zh-CN" altLang="en-US" sz="1800" dirty="0"/>
-              <a:t>字符串型（</a:t>
-            </a:r>
-            <a:r>
-              <a:rPr lang="en-CA" sz="1800" dirty="0"/>
-              <a:t>String）	</a:t>
-            </a:r>
-            <a:r>
-              <a:rPr lang="zh-CN" altLang="en-US" sz="1800" dirty="0"/>
-              <a:t>双引号包裹的 </a:t>
-            </a:r>
-            <a:r>
-              <a:rPr lang="en-CA" sz="1800" dirty="0"/>
-              <a:t>Unicode </a:t>
-            </a:r>
-            <a:r>
-              <a:rPr lang="zh-CN" altLang="en-US" sz="1800" dirty="0"/>
-              <a:t>字符和反斜杠转义字符</a:t>
-            </a:r>
-          </a:p>
-          <a:p>
-            <a:pPr algn="l"/>
-            <a:r>
-              <a:rPr lang="zh-CN" altLang="en-US" sz="1800" dirty="0"/>
-              <a:t>布尔型（</a:t>
-            </a:r>
-            <a:r>
-              <a:rPr lang="en-CA" sz="1800" dirty="0"/>
-              <a:t>Boolean）	true </a:t>
-            </a:r>
-            <a:r>
-              <a:rPr lang="zh-CN" altLang="en-US" sz="1800" dirty="0"/>
-              <a:t>或 </a:t>
-            </a:r>
-            <a:r>
-              <a:rPr lang="en-CA" sz="1800" dirty="0"/>
-              <a:t>false</a:t>
-            </a:r>
-          </a:p>
-          <a:p>
-            <a:pPr algn="l"/>
-            <a:r>
-              <a:rPr lang="zh-CN" altLang="en-US" sz="1800" dirty="0"/>
-              <a:t>数组（</a:t>
-            </a:r>
-            <a:r>
-              <a:rPr lang="en-CA" sz="1800" dirty="0"/>
-              <a:t>Array）	</a:t>
-            </a:r>
-            <a:r>
-              <a:rPr lang="zh-CN" altLang="en-US" sz="1800" dirty="0"/>
-              <a:t>有序的值序列</a:t>
-            </a:r>
-          </a:p>
-          <a:p>
-            <a:pPr algn="l"/>
-            <a:r>
-              <a:rPr lang="zh-CN" altLang="en-US" sz="1800" dirty="0"/>
-              <a:t>值（</a:t>
-            </a:r>
-            <a:r>
-              <a:rPr lang="en-CA" sz="1800" dirty="0"/>
-              <a:t>Value）	</a:t>
-            </a:r>
-            <a:r>
-              <a:rPr lang="zh-CN" altLang="en-US" sz="1800" dirty="0"/>
-              <a:t>可以是字符串，数字，</a:t>
-            </a:r>
-            <a:r>
-              <a:rPr lang="en-CA" sz="1800" dirty="0"/>
-              <a:t>true </a:t>
-            </a:r>
-            <a:r>
-              <a:rPr lang="zh-CN" altLang="en-US" sz="1800" dirty="0"/>
-              <a:t>或 </a:t>
-            </a:r>
-            <a:r>
-              <a:rPr lang="en-CA" sz="1800" dirty="0" err="1"/>
-              <a:t>false，null</a:t>
-            </a:r>
-            <a:r>
-              <a:rPr lang="en-CA" sz="1800" dirty="0"/>
-              <a:t> </a:t>
-            </a:r>
-            <a:r>
-              <a:rPr lang="zh-CN" altLang="en-US" sz="1800" dirty="0"/>
-              <a:t>等等</a:t>
-            </a:r>
-          </a:p>
-          <a:p>
-            <a:pPr algn="l"/>
-            <a:r>
-              <a:rPr lang="zh-CN" altLang="en-US" sz="1800" dirty="0"/>
-              <a:t>对象（</a:t>
-            </a:r>
-            <a:r>
-              <a:rPr lang="en-CA" sz="1800" dirty="0"/>
-              <a:t>Object）	</a:t>
-            </a:r>
-            <a:r>
-              <a:rPr lang="zh-CN" altLang="en-US" sz="1800" dirty="0"/>
-              <a:t>无序的键</a:t>
-            </a:r>
-            <a:r>
-              <a:rPr lang="en-US" altLang="zh-CN" sz="1800" dirty="0"/>
-              <a:t>:</a:t>
-            </a:r>
-            <a:r>
-              <a:rPr lang="zh-CN" altLang="en-US" sz="1800" dirty="0"/>
-              <a:t>值对集合</a:t>
-            </a:r>
-          </a:p>
-          <a:p>
-            <a:pPr algn="l"/>
-            <a:r>
-              <a:rPr lang="zh-CN" altLang="en-US" sz="1800" dirty="0"/>
-              <a:t>空格（</a:t>
-            </a:r>
-            <a:r>
-              <a:rPr lang="en-CA" sz="1800" dirty="0"/>
-              <a:t>Whitespace）	</a:t>
-            </a:r>
-            <a:r>
-              <a:rPr lang="zh-CN" altLang="en-US" sz="1800" dirty="0"/>
-              <a:t>可用于任意符号对之间</a:t>
-            </a:r>
-          </a:p>
-          <a:p>
-            <a:pPr algn="l"/>
-            <a:r>
-              <a:rPr lang="en-CA" sz="1800" dirty="0"/>
-              <a:t>null	</a:t>
-            </a:r>
-            <a:r>
-              <a:rPr lang="zh-CN" altLang="en-US" sz="1800" dirty="0"/>
-              <a:t>空</a:t>
+              <a:t>的基本语</a:t>
+            </a:r>
+            <a:r>
+              <a:rPr lang="zh-CN" altLang="en-US" sz="1800" dirty="0" smtClean="0"/>
+              <a:t>法</a:t>
+            </a:r>
+            <a:endParaRPr lang="en-US" altLang="zh-CN" sz="1800" dirty="0" smtClean="0"/>
+          </a:p>
+          <a:p>
+            <a:pPr algn="l"/>
+            <a:endParaRPr lang="en-US" sz="1800" dirty="0"/>
+          </a:p>
+          <a:p>
+            <a:pPr algn="l"/>
+            <a:r>
+              <a:rPr lang="zh-CN" altLang="en-US" sz="1800" dirty="0"/>
+              <a:t>数据使用名</a:t>
+            </a:r>
+            <a:r>
+              <a:rPr lang="en-US" altLang="zh-CN" sz="1800" dirty="0"/>
+              <a:t>/</a:t>
+            </a:r>
+            <a:r>
+              <a:rPr lang="zh-CN" altLang="en-US" sz="1800" dirty="0"/>
+              <a:t>值对表示。</a:t>
+            </a:r>
+          </a:p>
+          <a:p>
+            <a:pPr algn="l"/>
+            <a:r>
+              <a:rPr lang="zh-CN" altLang="en-US" sz="1800" dirty="0"/>
+              <a:t>使用大括号保存对象，每个名称后面跟着一个 </a:t>
+            </a:r>
+            <a:r>
+              <a:rPr lang="en-US" altLang="zh-CN" sz="1800" dirty="0"/>
+              <a:t>':'</a:t>
+            </a:r>
+            <a:r>
+              <a:rPr lang="zh-CN" altLang="en-US" sz="1800" dirty="0"/>
+              <a:t>（冒号），名</a:t>
+            </a:r>
+            <a:r>
+              <a:rPr lang="en-US" altLang="zh-CN" sz="1800" dirty="0"/>
+              <a:t>/</a:t>
+            </a:r>
+            <a:r>
+              <a:rPr lang="zh-CN" altLang="en-US" sz="1800" dirty="0"/>
+              <a:t>值对使用 </a:t>
+            </a:r>
+            <a:r>
+              <a:rPr lang="en-US" altLang="zh-CN" sz="1800" dirty="0"/>
+              <a:t>,</a:t>
+            </a:r>
+            <a:r>
+              <a:rPr lang="zh-CN" altLang="en-US" sz="1800" dirty="0"/>
+              <a:t>（逗号）分割。</a:t>
+            </a:r>
+          </a:p>
+          <a:p>
+            <a:pPr algn="l"/>
+            <a:r>
+              <a:rPr lang="zh-CN" altLang="en-US" sz="1800" dirty="0"/>
+              <a:t>使用方括号保存数组，数组值使用 </a:t>
+            </a:r>
+            <a:r>
+              <a:rPr lang="en-US" altLang="zh-CN" sz="1800" dirty="0"/>
+              <a:t>,</a:t>
+            </a:r>
+            <a:r>
+              <a:rPr lang="zh-CN" altLang="en-US" sz="1800" dirty="0"/>
+              <a:t>（逗号）分割。</a:t>
             </a:r>
             <a:endParaRPr lang="en-CA" sz="1800" dirty="0"/>
           </a:p>
@@ -12951,7 +13152,7 @@
     </p:spTree>
     <p:extLst>
       <p:ext uri="{BB962C8B-B14F-4D97-AF65-F5344CB8AC3E}">
-        <p14:creationId xmlns:p14="http://schemas.microsoft.com/office/powerpoint/2010/main" val="536251023"/>
+        <p14:creationId xmlns:p14="http://schemas.microsoft.com/office/powerpoint/2010/main" val="4232548539"/>
       </p:ext>
     </p:extLst>
   </p:cSld>
@@ -13310,8 +13511,179 @@
           <a:p>
             <a:pPr algn="l"/>
             <a:r>
-              <a:rPr lang="en-US" altLang="zh-CN" sz="1800" dirty="0" smtClean="0"/>
-              <a:t>Maven</a:t>
+              <a:rPr lang="en-CA" sz="1800" dirty="0"/>
+              <a:t>JSON </a:t>
+            </a:r>
+            <a:r>
+              <a:rPr lang="zh-CN" altLang="en-US" sz="1800" dirty="0"/>
+              <a:t>格式支持以下数据类型：</a:t>
+            </a:r>
+          </a:p>
+          <a:p>
+            <a:pPr algn="l"/>
+            <a:endParaRPr lang="zh-CN" altLang="en-US" sz="1800" dirty="0"/>
+          </a:p>
+          <a:p>
+            <a:pPr algn="l"/>
+            <a:r>
+              <a:rPr lang="zh-CN" altLang="en-US" sz="1800" dirty="0"/>
+              <a:t>类型	描述</a:t>
+            </a:r>
+          </a:p>
+          <a:p>
+            <a:pPr algn="l"/>
+            <a:r>
+              <a:rPr lang="zh-CN" altLang="en-US" sz="1800" dirty="0"/>
+              <a:t>数字型（</a:t>
+            </a:r>
+            <a:r>
+              <a:rPr lang="en-CA" sz="1800" dirty="0"/>
+              <a:t>Number）	JavaScript </a:t>
+            </a:r>
+            <a:r>
+              <a:rPr lang="zh-CN" altLang="en-US" sz="1800" dirty="0"/>
+              <a:t>中的双精度浮点型格式</a:t>
+            </a:r>
+          </a:p>
+          <a:p>
+            <a:pPr algn="l"/>
+            <a:r>
+              <a:rPr lang="zh-CN" altLang="en-US" sz="1800" dirty="0"/>
+              <a:t>字符串型（</a:t>
+            </a:r>
+            <a:r>
+              <a:rPr lang="en-CA" sz="1800" dirty="0"/>
+              <a:t>String）	</a:t>
+            </a:r>
+            <a:r>
+              <a:rPr lang="zh-CN" altLang="en-US" sz="1800" dirty="0"/>
+              <a:t>双引号包裹的 </a:t>
+            </a:r>
+            <a:r>
+              <a:rPr lang="en-CA" sz="1800" dirty="0"/>
+              <a:t>Unicode </a:t>
+            </a:r>
+            <a:r>
+              <a:rPr lang="zh-CN" altLang="en-US" sz="1800" dirty="0"/>
+              <a:t>字符和反斜杠转义字符</a:t>
+            </a:r>
+          </a:p>
+          <a:p>
+            <a:pPr algn="l"/>
+            <a:r>
+              <a:rPr lang="zh-CN" altLang="en-US" sz="1800" dirty="0"/>
+              <a:t>布尔型（</a:t>
+            </a:r>
+            <a:r>
+              <a:rPr lang="en-CA" sz="1800" dirty="0"/>
+              <a:t>Boolean）	true </a:t>
+            </a:r>
+            <a:r>
+              <a:rPr lang="zh-CN" altLang="en-US" sz="1800" dirty="0"/>
+              <a:t>或 </a:t>
+            </a:r>
+            <a:r>
+              <a:rPr lang="en-CA" sz="1800" dirty="0"/>
+              <a:t>false</a:t>
+            </a:r>
+          </a:p>
+          <a:p>
+            <a:pPr algn="l"/>
+            <a:r>
+              <a:rPr lang="zh-CN" altLang="en-US" sz="1800" dirty="0"/>
+              <a:t>数组（</a:t>
+            </a:r>
+            <a:r>
+              <a:rPr lang="en-CA" sz="1800" dirty="0"/>
+              <a:t>Array）	</a:t>
+            </a:r>
+            <a:r>
+              <a:rPr lang="zh-CN" altLang="en-US" sz="1800" dirty="0"/>
+              <a:t>有序的值序列</a:t>
+            </a:r>
+          </a:p>
+          <a:p>
+            <a:pPr algn="l"/>
+            <a:r>
+              <a:rPr lang="zh-CN" altLang="en-US" sz="1800" dirty="0"/>
+              <a:t>值（</a:t>
+            </a:r>
+            <a:r>
+              <a:rPr lang="en-CA" sz="1800" dirty="0"/>
+              <a:t>Value）	</a:t>
+            </a:r>
+            <a:r>
+              <a:rPr lang="zh-CN" altLang="en-US" sz="1800" dirty="0"/>
+              <a:t>可以是字符串，数字，</a:t>
+            </a:r>
+            <a:r>
+              <a:rPr lang="en-CA" sz="1800" dirty="0"/>
+              <a:t>true </a:t>
+            </a:r>
+            <a:r>
+              <a:rPr lang="zh-CN" altLang="en-US" sz="1800" dirty="0"/>
+              <a:t>或 </a:t>
+            </a:r>
+            <a:r>
+              <a:rPr lang="en-CA" sz="1800" dirty="0" err="1"/>
+              <a:t>false，null</a:t>
+            </a:r>
+            <a:r>
+              <a:rPr lang="en-CA" sz="1800" dirty="0"/>
+              <a:t> </a:t>
+            </a:r>
+            <a:r>
+              <a:rPr lang="zh-CN" altLang="en-US" sz="1800" dirty="0"/>
+              <a:t>等等</a:t>
+            </a:r>
+          </a:p>
+          <a:p>
+            <a:pPr algn="l"/>
+            <a:r>
+              <a:rPr lang="zh-CN" altLang="en-US" sz="1800" dirty="0"/>
+              <a:t>对象（</a:t>
+            </a:r>
+            <a:r>
+              <a:rPr lang="en-CA" sz="1800" dirty="0"/>
+              <a:t>Object）	</a:t>
+            </a:r>
+            <a:r>
+              <a:rPr lang="zh-CN" altLang="en-US" sz="1800" dirty="0"/>
+              <a:t>无序的键</a:t>
+            </a:r>
+            <a:r>
+              <a:rPr lang="en-US" altLang="zh-CN" sz="1800" dirty="0"/>
+              <a:t>:</a:t>
+            </a:r>
+            <a:r>
+              <a:rPr lang="zh-CN" altLang="en-US" sz="1800" dirty="0"/>
+              <a:t>值对集合</a:t>
+            </a:r>
+          </a:p>
+          <a:p>
+            <a:pPr algn="l"/>
+            <a:r>
+              <a:rPr lang="zh-CN" altLang="en-US" sz="1800" dirty="0"/>
+              <a:t>空格（</a:t>
+            </a:r>
+            <a:r>
+              <a:rPr lang="en-CA" sz="1800" dirty="0"/>
+              <a:t>Whitespace）	</a:t>
+            </a:r>
+            <a:r>
+              <a:rPr lang="zh-CN" altLang="en-US" sz="1800" dirty="0"/>
+              <a:t>可用于任意符号对之间</a:t>
+            </a:r>
+          </a:p>
+          <a:p>
+            <a:pPr algn="l"/>
+            <a:r>
+              <a:rPr lang="en-CA" sz="1800" dirty="0"/>
+              <a:t>null	</a:t>
+            </a:r>
+            <a:r>
+              <a:rPr lang="zh-CN" altLang="en-US" sz="1800" dirty="0"/>
+              <a:t>空</a:t>
             </a:r>
             <a:endParaRPr lang="en-CA" sz="1800" dirty="0"/>
           </a:p>
@@ -13320,7 +13692,7 @@
     </p:spTree>
     <p:extLst>
       <p:ext uri="{BB962C8B-B14F-4D97-AF65-F5344CB8AC3E}">
-        <p14:creationId xmlns:p14="http://schemas.microsoft.com/office/powerpoint/2010/main" val="2640400957"/>
+        <p14:creationId xmlns:p14="http://schemas.microsoft.com/office/powerpoint/2010/main" val="536251023"/>
       </p:ext>
     </p:extLst>
   </p:cSld>
@@ -13378,137 +13750,8 @@
           <a:p>
             <a:pPr algn="l"/>
             <a:r>
-              <a:rPr lang="zh-CN" altLang="en-US" sz="1800" dirty="0"/>
-              <a:t>在进行软件开发的过程中，无论什么项目，采用何种技术，使用何种编程语言，我们 都要重复相同的开发步骤：编码，测试，打包，发布，文档。实际上这些步骤是完全重复性的工作。那为什么让软件开发人员去重复这些工作？开发人员的主要任务 应该是关注商业逻辑并去实现它，而不是把时间浪费在学习如何在不同的环境中去打包，发布，。。。</a:t>
-            </a:r>
-          </a:p>
-          <a:p>
-            <a:pPr algn="l"/>
-            <a:endParaRPr lang="zh-CN" altLang="en-US" sz="1800" dirty="0"/>
-          </a:p>
-          <a:p>
-            <a:pPr algn="l"/>
-            <a:r>
-              <a:rPr lang="en-US" altLang="zh-CN" sz="1800" dirty="0"/>
+              <a:rPr lang="en-US" altLang="zh-CN" sz="1800" dirty="0" smtClean="0"/>
               <a:t>Maven</a:t>
-            </a:r>
-            <a:r>
-              <a:rPr lang="zh-CN" altLang="en-US" sz="1800" dirty="0"/>
-              <a:t>正是为了将开发人员从这些任务中解脱出来而诞生的</a:t>
-            </a:r>
-            <a:r>
-              <a:rPr lang="zh-CN" altLang="en-US" sz="1800" dirty="0" smtClean="0"/>
-              <a:t>。</a:t>
-            </a:r>
-            <a:r>
-              <a:rPr lang="en-US" altLang="zh-CN" sz="1800" dirty="0" smtClean="0"/>
-              <a:t>Apache </a:t>
-            </a:r>
-            <a:r>
-              <a:rPr lang="en-US" altLang="zh-CN" sz="1800" dirty="0"/>
-              <a:t>Maven </a:t>
-            </a:r>
-            <a:r>
-              <a:rPr lang="zh-CN" altLang="en-US" sz="1800" dirty="0"/>
-              <a:t>是一种用作软件项目管理和理解工具。它基于项目对象模型（</a:t>
-            </a:r>
-            <a:r>
-              <a:rPr lang="en-US" altLang="zh-CN" sz="1800" dirty="0"/>
-              <a:t>POM</a:t>
-            </a:r>
-            <a:r>
-              <a:rPr lang="zh-CN" altLang="en-US" sz="1800" dirty="0"/>
-              <a:t>）的概念， 可以管理一个项目的构建、报告以及从项目核心信息中生成文档。</a:t>
-            </a:r>
-            <a:endParaRPr lang="en-US" sz="1800" dirty="0"/>
-          </a:p>
-          <a:p>
-            <a:pPr algn="l"/>
-            <a:r>
-              <a:rPr lang="en-US" altLang="zh-CN" sz="1800" dirty="0"/>
-              <a:t>Maven</a:t>
-            </a:r>
-            <a:r>
-              <a:rPr lang="zh-CN" altLang="en-US" sz="1800" dirty="0"/>
-              <a:t>能够：</a:t>
-            </a:r>
-          </a:p>
-          <a:p>
-            <a:pPr algn="l"/>
-            <a:endParaRPr lang="zh-CN" altLang="en-US" sz="1800" dirty="0"/>
-          </a:p>
-          <a:p>
-            <a:pPr algn="l"/>
-            <a:r>
-              <a:rPr lang="en-US" altLang="zh-CN" sz="1800" dirty="0"/>
-              <a:t>1</a:t>
-            </a:r>
-            <a:r>
-              <a:rPr lang="zh-CN" altLang="en-US" sz="1800" dirty="0"/>
-              <a:t>）理解并管理整个软件开发周期，重用标准的构建过程，比如：编译，测试，打包等。同时</a:t>
-            </a:r>
-            <a:r>
-              <a:rPr lang="en-US" altLang="zh-CN" sz="1800" dirty="0"/>
-              <a:t>Maven</a:t>
-            </a:r>
-            <a:r>
-              <a:rPr lang="zh-CN" altLang="en-US" sz="1800" dirty="0"/>
-              <a:t>还可以通过相应的元数据，重用构建逻辑到一个项目。</a:t>
-            </a:r>
-          </a:p>
-          <a:p>
-            <a:pPr algn="l"/>
-            <a:endParaRPr lang="zh-CN" altLang="en-US" sz="1800" dirty="0"/>
-          </a:p>
-          <a:p>
-            <a:pPr algn="l"/>
-            <a:r>
-              <a:rPr lang="en-US" altLang="zh-CN" sz="1800" dirty="0"/>
-              <a:t>2</a:t>
-            </a:r>
-            <a:r>
-              <a:rPr lang="zh-CN" altLang="en-US" sz="1800" dirty="0"/>
-              <a:t>）</a:t>
-            </a:r>
-            <a:r>
-              <a:rPr lang="en-US" altLang="zh-CN" sz="1800" dirty="0"/>
-              <a:t>Maven</a:t>
-            </a:r>
-            <a:r>
-              <a:rPr lang="zh-CN" altLang="en-US" sz="1800" dirty="0"/>
-              <a:t>负责整个项目的构建过程。开发人员只需要描述项目基本信息在一个配置文件中：</a:t>
-            </a:r>
-            <a:r>
-              <a:rPr lang="en-US" altLang="zh-CN" sz="1800" dirty="0"/>
-              <a:t>pom.xml</a:t>
-            </a:r>
-            <a:r>
-              <a:rPr lang="zh-CN" altLang="en-US" sz="1800" dirty="0"/>
-              <a:t>。也就是说，</a:t>
-            </a:r>
-            <a:r>
-              <a:rPr lang="en-US" altLang="zh-CN" sz="1800" dirty="0"/>
-              <a:t>Maven</a:t>
-            </a:r>
-            <a:r>
-              <a:rPr lang="zh-CN" altLang="en-US" sz="1800" dirty="0"/>
-              <a:t>的使用者只需要回答“</a:t>
-            </a:r>
-            <a:r>
-              <a:rPr lang="en-US" altLang="zh-CN" sz="1800" dirty="0"/>
-              <a:t>What”</a:t>
-            </a:r>
-            <a:r>
-              <a:rPr lang="zh-CN" altLang="en-US" sz="1800" dirty="0"/>
-              <a:t>而不是“</a:t>
-            </a:r>
-            <a:r>
-              <a:rPr lang="en-US" altLang="zh-CN" sz="1800" dirty="0"/>
-              <a:t>How”</a:t>
-            </a:r>
-            <a:r>
-              <a:rPr lang="zh-CN" altLang="en-US" sz="1800" dirty="0"/>
-              <a:t>。</a:t>
             </a:r>
             <a:endParaRPr lang="en-CA" sz="1800" dirty="0"/>
           </a:p>
@@ -13517,7 +13760,7 @@
     </p:spTree>
     <p:extLst>
       <p:ext uri="{BB962C8B-B14F-4D97-AF65-F5344CB8AC3E}">
-        <p14:creationId xmlns:p14="http://schemas.microsoft.com/office/powerpoint/2010/main" val="3350826643"/>
+        <p14:creationId xmlns:p14="http://schemas.microsoft.com/office/powerpoint/2010/main" val="2640400957"/>
       </p:ext>
     </p:extLst>
   </p:cSld>
@@ -13575,6 +13818,203 @@
           <a:p>
             <a:pPr algn="l"/>
             <a:r>
+              <a:rPr lang="zh-CN" altLang="en-US" sz="1800" dirty="0"/>
+              <a:t>在进行软件开发的过程中，无论什么项目，采用何种技术，使用何种编程语言，我们 都要重复相同的开发步骤：编码，测试，打包，发布，文档。实际上这些步骤是完全重复性的工作。那为什么让软件开发人员去重复这些工作？开发人员的主要任务 应该是关注商业逻辑并去实现它，而不是把时间浪费在学习如何在不同的环境中去打包，发布，。。。</a:t>
+            </a:r>
+          </a:p>
+          <a:p>
+            <a:pPr algn="l"/>
+            <a:endParaRPr lang="zh-CN" altLang="en-US" sz="1800" dirty="0"/>
+          </a:p>
+          <a:p>
+            <a:pPr algn="l"/>
+            <a:r>
+              <a:rPr lang="en-US" altLang="zh-CN" sz="1800" dirty="0"/>
+              <a:t>Maven</a:t>
+            </a:r>
+            <a:r>
+              <a:rPr lang="zh-CN" altLang="en-US" sz="1800" dirty="0"/>
+              <a:t>正是为了将开发人员从这些任务中解脱出来而诞生的</a:t>
+            </a:r>
+            <a:r>
+              <a:rPr lang="zh-CN" altLang="en-US" sz="1800" dirty="0" smtClean="0"/>
+              <a:t>。</a:t>
+            </a:r>
+            <a:r>
+              <a:rPr lang="en-US" altLang="zh-CN" sz="1800" dirty="0" smtClean="0"/>
+              <a:t>Apache </a:t>
+            </a:r>
+            <a:r>
+              <a:rPr lang="en-US" altLang="zh-CN" sz="1800" dirty="0"/>
+              <a:t>Maven </a:t>
+            </a:r>
+            <a:r>
+              <a:rPr lang="zh-CN" altLang="en-US" sz="1800" dirty="0"/>
+              <a:t>是一种用作软件项目管理和理解工具。它基于项目对象模型（</a:t>
+            </a:r>
+            <a:r>
+              <a:rPr lang="en-US" altLang="zh-CN" sz="1800" dirty="0"/>
+              <a:t>POM</a:t>
+            </a:r>
+            <a:r>
+              <a:rPr lang="zh-CN" altLang="en-US" sz="1800" dirty="0"/>
+              <a:t>）的概念， 可以管理一个项目的构建、报告以及从项目核心信息中生成文档。</a:t>
+            </a:r>
+            <a:endParaRPr lang="en-US" sz="1800" dirty="0"/>
+          </a:p>
+          <a:p>
+            <a:pPr algn="l"/>
+            <a:r>
+              <a:rPr lang="en-US" altLang="zh-CN" sz="1800" dirty="0"/>
+              <a:t>Maven</a:t>
+            </a:r>
+            <a:r>
+              <a:rPr lang="zh-CN" altLang="en-US" sz="1800" dirty="0"/>
+              <a:t>能够：</a:t>
+            </a:r>
+          </a:p>
+          <a:p>
+            <a:pPr algn="l"/>
+            <a:endParaRPr lang="zh-CN" altLang="en-US" sz="1800" dirty="0"/>
+          </a:p>
+          <a:p>
+            <a:pPr algn="l"/>
+            <a:r>
+              <a:rPr lang="en-US" altLang="zh-CN" sz="1800" dirty="0"/>
+              <a:t>1</a:t>
+            </a:r>
+            <a:r>
+              <a:rPr lang="zh-CN" altLang="en-US" sz="1800" dirty="0"/>
+              <a:t>）理解并管理整个软件开发周期，重用标准的构建过程，比如：编译，测试，打包等。同时</a:t>
+            </a:r>
+            <a:r>
+              <a:rPr lang="en-US" altLang="zh-CN" sz="1800" dirty="0"/>
+              <a:t>Maven</a:t>
+            </a:r>
+            <a:r>
+              <a:rPr lang="zh-CN" altLang="en-US" sz="1800" dirty="0"/>
+              <a:t>还可以通过相应的元数据，重用构建逻辑到一个项目。</a:t>
+            </a:r>
+          </a:p>
+          <a:p>
+            <a:pPr algn="l"/>
+            <a:endParaRPr lang="zh-CN" altLang="en-US" sz="1800" dirty="0"/>
+          </a:p>
+          <a:p>
+            <a:pPr algn="l"/>
+            <a:r>
+              <a:rPr lang="en-US" altLang="zh-CN" sz="1800" dirty="0"/>
+              <a:t>2</a:t>
+            </a:r>
+            <a:r>
+              <a:rPr lang="zh-CN" altLang="en-US" sz="1800" dirty="0"/>
+              <a:t>）</a:t>
+            </a:r>
+            <a:r>
+              <a:rPr lang="en-US" altLang="zh-CN" sz="1800" dirty="0"/>
+              <a:t>Maven</a:t>
+            </a:r>
+            <a:r>
+              <a:rPr lang="zh-CN" altLang="en-US" sz="1800" dirty="0"/>
+              <a:t>负责整个项目的构建过程。开发人员只需要描述项目基本信息在一个配置文件中：</a:t>
+            </a:r>
+            <a:r>
+              <a:rPr lang="en-US" altLang="zh-CN" sz="1800" dirty="0"/>
+              <a:t>pom.xml</a:t>
+            </a:r>
+            <a:r>
+              <a:rPr lang="zh-CN" altLang="en-US" sz="1800" dirty="0"/>
+              <a:t>。也就是说，</a:t>
+            </a:r>
+            <a:r>
+              <a:rPr lang="en-US" altLang="zh-CN" sz="1800" dirty="0"/>
+              <a:t>Maven</a:t>
+            </a:r>
+            <a:r>
+              <a:rPr lang="zh-CN" altLang="en-US" sz="1800" dirty="0"/>
+              <a:t>的使用者只需要回答“</a:t>
+            </a:r>
+            <a:r>
+              <a:rPr lang="en-US" altLang="zh-CN" sz="1800" dirty="0"/>
+              <a:t>What”</a:t>
+            </a:r>
+            <a:r>
+              <a:rPr lang="zh-CN" altLang="en-US" sz="1800" dirty="0"/>
+              <a:t>而不是“</a:t>
+            </a:r>
+            <a:r>
+              <a:rPr lang="en-US" altLang="zh-CN" sz="1800" dirty="0"/>
+              <a:t>How”</a:t>
+            </a:r>
+            <a:r>
+              <a:rPr lang="zh-CN" altLang="en-US" sz="1800" dirty="0"/>
+              <a:t>。</a:t>
+            </a:r>
+            <a:endParaRPr lang="en-CA" sz="1800" dirty="0"/>
+          </a:p>
+        </p:txBody>
+      </p:sp>
+    </p:spTree>
+    <p:extLst>
+      <p:ext uri="{BB962C8B-B14F-4D97-AF65-F5344CB8AC3E}">
+        <p14:creationId xmlns:p14="http://schemas.microsoft.com/office/powerpoint/2010/main" val="3350826643"/>
+      </p:ext>
+    </p:extLst>
+  </p:cSld>
+  <p:clrMapOvr>
+    <a:masterClrMapping/>
+  </p:clrMapOvr>
+  <p:timing>
+    <p:tnLst>
+      <p:par>
+        <p:cTn id="1" dur="indefinite" restart="never" nodeType="tmRoot"/>
+      </p:par>
+    </p:tnLst>
+  </p:timing>
+</p:sld>
+</file>
+
+<file path=ppt/slides/slide63.xml><?xml version="1.0" encoding="utf-8"?>
+<p:sld xmlns:a="http://schemas.openxmlformats.org/drawingml/2006/main" xmlns:r="http://schemas.openxmlformats.org/officeDocument/2006/relationships" xmlns:p="http://schemas.openxmlformats.org/presentationml/2006/main">
+  <p:cSld>
+    <p:spTree>
+      <p:nvGrpSpPr>
+        <p:cNvPr id="1" name=""/>
+        <p:cNvGrpSpPr/>
+        <p:nvPr/>
+      </p:nvGrpSpPr>
+      <p:grpSpPr>
+        <a:xfrm>
+          <a:off x="0" y="0"/>
+          <a:ext cx="0" cy="0"/>
+          <a:chOff x="0" y="0"/>
+          <a:chExt cx="0" cy="0"/>
+        </a:xfrm>
+      </p:grpSpPr>
+      <p:sp>
+        <p:nvSpPr>
+          <p:cNvPr id="3" name="Subtitle 2"/>
+          <p:cNvSpPr>
+            <a:spLocks noGrp="1"/>
+          </p:cNvSpPr>
+          <p:nvPr>
+            <p:ph type="subTitle" idx="1"/>
+          </p:nvPr>
+        </p:nvSpPr>
+        <p:spPr>
+          <a:xfrm>
+            <a:off x="1524000" y="430305"/>
+            <a:ext cx="9144000" cy="6131859"/>
+          </a:xfrm>
+        </p:spPr>
+        <p:txBody>
+          <a:bodyPr>
+            <a:normAutofit/>
+          </a:bodyPr>
+          <a:lstStyle/>
+          <a:p>
+            <a:pPr algn="l"/>
+            <a:r>
               <a:rPr lang="en-US" altLang="zh-CN" sz="1800" dirty="0"/>
               <a:t>Maven</a:t>
             </a:r>
@@ -13693,7 +14133,7 @@
 </p:sld>
 </file>
 
-<file path=ppt/slides/slide63.xml><?xml version="1.0" encoding="utf-8"?>
+<file path=ppt/slides/slide64.xml><?xml version="1.0" encoding="utf-8"?>
 <p:sld xmlns:a="http://schemas.openxmlformats.org/drawingml/2006/main" xmlns:r="http://schemas.openxmlformats.org/officeDocument/2006/relationships" xmlns:p="http://schemas.openxmlformats.org/presentationml/2006/main">
   <p:cSld>
     <p:spTree>
@@ -13798,296 +14238,6 @@
 </p:sld>
 </file>
 
-<file path=ppt/slides/slide64.xml><?xml version="1.0" encoding="utf-8"?>
-<p:sld xmlns:a="http://schemas.openxmlformats.org/drawingml/2006/main" xmlns:r="http://schemas.openxmlformats.org/officeDocument/2006/relationships" xmlns:p="http://schemas.openxmlformats.org/presentationml/2006/main">
-  <p:cSld>
-    <p:spTree>
-      <p:nvGrpSpPr>
-        <p:cNvPr id="1" name=""/>
-        <p:cNvGrpSpPr/>
-        <p:nvPr/>
-      </p:nvGrpSpPr>
-      <p:grpSpPr>
-        <a:xfrm>
-          <a:off x="0" y="0"/>
-          <a:ext cx="0" cy="0"/>
-          <a:chOff x="0" y="0"/>
-          <a:chExt cx="0" cy="0"/>
-        </a:xfrm>
-      </p:grpSpPr>
-      <p:sp>
-        <p:nvSpPr>
-          <p:cNvPr id="3" name="Subtitle 2"/>
-          <p:cNvSpPr>
-            <a:spLocks noGrp="1"/>
-          </p:cNvSpPr>
-          <p:nvPr>
-            <p:ph type="subTitle" idx="1"/>
-          </p:nvPr>
-        </p:nvSpPr>
-        <p:spPr>
-          <a:xfrm>
-            <a:off x="1524000" y="430305"/>
-            <a:ext cx="9144000" cy="6131859"/>
-          </a:xfrm>
-        </p:spPr>
-        <p:txBody>
-          <a:bodyPr>
-            <a:normAutofit/>
-          </a:bodyPr>
-          <a:lstStyle/>
-          <a:p>
-            <a:pPr algn="l"/>
-            <a:r>
-              <a:rPr lang="zh-CN" altLang="en-US" sz="1800" dirty="0"/>
-              <a:t>可以看出以下几个标准的</a:t>
-            </a:r>
-            <a:r>
-              <a:rPr lang="en-US" altLang="zh-CN" sz="1800" dirty="0"/>
-              <a:t>Maven</a:t>
-            </a:r>
-            <a:r>
-              <a:rPr lang="zh-CN" altLang="en-US" sz="1800" dirty="0"/>
-              <a:t>目录：</a:t>
-            </a:r>
-          </a:p>
-          <a:p>
-            <a:pPr algn="l"/>
-            <a:endParaRPr lang="zh-CN" altLang="en-US" sz="1800" dirty="0"/>
-          </a:p>
-          <a:p>
-            <a:pPr algn="l"/>
-            <a:r>
-              <a:rPr lang="en-US" altLang="zh-CN" sz="1800" dirty="0" err="1"/>
-              <a:t>src</a:t>
-            </a:r>
-            <a:r>
-              <a:rPr lang="zh-CN" altLang="en-US" sz="1800" dirty="0"/>
-              <a:t>：源代码目录。所有的源代码都被放在了这个目录下。在这个目录下又包括了：</a:t>
-            </a:r>
-          </a:p>
-          <a:p>
-            <a:pPr algn="l"/>
-            <a:r>
-              <a:rPr lang="zh-CN" altLang="en-US" sz="1800" dirty="0"/>
-              <a:t>          </a:t>
-            </a:r>
-            <a:r>
-              <a:rPr lang="en-US" altLang="zh-CN" sz="1800" dirty="0"/>
-              <a:t>1) main</a:t>
-            </a:r>
-            <a:r>
-              <a:rPr lang="zh-CN" altLang="en-US" sz="1800" dirty="0"/>
-              <a:t>：所有的源代码放在这里。对于</a:t>
-            </a:r>
-            <a:r>
-              <a:rPr lang="en-US" altLang="zh-CN" sz="1800" dirty="0"/>
-              <a:t>Java</a:t>
-            </a:r>
-            <a:r>
-              <a:rPr lang="zh-CN" altLang="en-US" sz="1800" dirty="0"/>
-              <a:t>项目，还有一个下级子目录：</a:t>
-            </a:r>
-            <a:r>
-              <a:rPr lang="en-US" altLang="zh-CN" sz="1800" dirty="0"/>
-              <a:t>java. </a:t>
-            </a:r>
-            <a:r>
-              <a:rPr lang="zh-CN" altLang="en-US" sz="1800" dirty="0"/>
-              <a:t>对于</a:t>
-            </a:r>
-            <a:r>
-              <a:rPr lang="en-US" altLang="zh-CN" sz="1800" dirty="0"/>
-              <a:t>Flex</a:t>
-            </a:r>
-            <a:r>
-              <a:rPr lang="zh-CN" altLang="en-US" sz="1800" dirty="0"/>
-              <a:t>项目则是</a:t>
-            </a:r>
-            <a:r>
-              <a:rPr lang="en-US" altLang="zh-CN" sz="1800" dirty="0"/>
-              <a:t>flex</a:t>
-            </a:r>
-            <a:r>
-              <a:rPr lang="zh-CN" altLang="en-US" sz="1800" dirty="0"/>
-              <a:t>，。。。</a:t>
-            </a:r>
-          </a:p>
-          <a:p>
-            <a:pPr algn="l"/>
-            <a:endParaRPr lang="zh-CN" altLang="en-US" sz="1800" dirty="0"/>
-          </a:p>
-          <a:p>
-            <a:pPr algn="l"/>
-            <a:r>
-              <a:rPr lang="zh-CN" altLang="en-US" sz="1800" dirty="0"/>
-              <a:t>          </a:t>
-            </a:r>
-            <a:r>
-              <a:rPr lang="en-US" altLang="zh-CN" sz="1800" dirty="0"/>
-              <a:t>2) test</a:t>
-            </a:r>
-            <a:r>
-              <a:rPr lang="zh-CN" altLang="en-US" sz="1800" dirty="0"/>
-              <a:t>：所有的单元测试类放在这里。</a:t>
-            </a:r>
-          </a:p>
-          <a:p>
-            <a:pPr algn="l"/>
-            <a:endParaRPr lang="zh-CN" altLang="en-US" sz="1800" dirty="0"/>
-          </a:p>
-          <a:p>
-            <a:pPr algn="l"/>
-            <a:r>
-              <a:rPr lang="en-US" altLang="zh-CN" sz="1800" dirty="0"/>
-              <a:t>target</a:t>
-            </a:r>
-            <a:r>
-              <a:rPr lang="zh-CN" altLang="en-US" sz="1800" dirty="0"/>
-              <a:t>：所有编译过的类文件以及生成的打包文件</a:t>
-            </a:r>
-            <a:r>
-              <a:rPr lang="en-US" altLang="zh-CN" sz="1800" dirty="0"/>
-              <a:t>(.jar, .war, ...)</a:t>
-            </a:r>
-            <a:r>
-              <a:rPr lang="zh-CN" altLang="en-US" sz="1800" dirty="0"/>
-              <a:t>放在这里。</a:t>
-            </a:r>
-          </a:p>
-          <a:p>
-            <a:pPr algn="l"/>
-            <a:r>
-              <a:rPr lang="en-US" altLang="zh-CN" sz="1800" dirty="0"/>
-              <a:t>2</a:t>
-            </a:r>
-            <a:r>
-              <a:rPr lang="zh-CN" altLang="en-US" sz="1800" dirty="0"/>
-              <a:t>）</a:t>
-            </a:r>
-            <a:r>
-              <a:rPr lang="en-US" altLang="zh-CN" sz="1800" dirty="0"/>
-              <a:t>Reuse Build Logic (</a:t>
-            </a:r>
-            <a:r>
-              <a:rPr lang="zh-CN" altLang="en-US" sz="1800" dirty="0"/>
-              <a:t>重用构建逻辑</a:t>
-            </a:r>
-            <a:r>
-              <a:rPr lang="en-US" altLang="zh-CN" sz="1800" dirty="0"/>
-              <a:t>)</a:t>
-            </a:r>
-            <a:r>
-              <a:rPr lang="zh-CN" altLang="en-US" sz="1800" dirty="0"/>
-              <a:t>：</a:t>
-            </a:r>
-            <a:r>
-              <a:rPr lang="en-US" altLang="zh-CN" sz="1800" dirty="0"/>
-              <a:t>Maven</a:t>
-            </a:r>
-            <a:r>
-              <a:rPr lang="zh-CN" altLang="en-US" sz="1800" dirty="0"/>
-              <a:t>把构建逻辑封装到插件中来达到重用的目的。这样在</a:t>
-            </a:r>
-            <a:r>
-              <a:rPr lang="en-US" altLang="zh-CN" sz="1800" dirty="0"/>
-              <a:t>Maven</a:t>
-            </a:r>
-            <a:r>
-              <a:rPr lang="zh-CN" altLang="en-US" sz="1800" dirty="0"/>
-              <a:t>就有用于编译的插件，单元测试的插件，打包的插件，。。。</a:t>
-            </a:r>
-            <a:r>
-              <a:rPr lang="en-US" altLang="zh-CN" sz="1800" dirty="0"/>
-              <a:t>Maven</a:t>
-            </a:r>
-            <a:r>
-              <a:rPr lang="zh-CN" altLang="en-US" sz="1800" dirty="0"/>
-              <a:t>可以被理解成管理这些插件的框架。</a:t>
-            </a:r>
-          </a:p>
-          <a:p>
-            <a:pPr algn="l"/>
-            <a:r>
-              <a:rPr lang="en-US" altLang="zh-CN" sz="1800" dirty="0"/>
-              <a:t>3</a:t>
-            </a:r>
-            <a:r>
-              <a:rPr lang="zh-CN" altLang="en-US" sz="1800" dirty="0"/>
-              <a:t>）</a:t>
-            </a:r>
-            <a:r>
-              <a:rPr lang="en-US" altLang="zh-CN" sz="1800" dirty="0"/>
-              <a:t>Declarative Execution (</a:t>
-            </a:r>
-            <a:r>
-              <a:rPr lang="zh-CN" altLang="en-US" sz="1800" dirty="0"/>
-              <a:t>声明式执行</a:t>
-            </a:r>
-            <a:r>
-              <a:rPr lang="en-US" altLang="zh-CN" sz="1800" dirty="0"/>
-              <a:t>)</a:t>
-            </a:r>
-            <a:r>
-              <a:rPr lang="zh-CN" altLang="en-US" sz="1800" dirty="0"/>
-              <a:t>：</a:t>
-            </a:r>
-            <a:r>
-              <a:rPr lang="en-US" altLang="zh-CN" sz="1800" dirty="0"/>
-              <a:t>Maven</a:t>
-            </a:r>
-            <a:r>
-              <a:rPr lang="zh-CN" altLang="en-US" sz="1800" dirty="0"/>
-              <a:t>中所有的插件都是通过在</a:t>
-            </a:r>
-            <a:r>
-              <a:rPr lang="en-US" altLang="zh-CN" sz="1800" dirty="0"/>
-              <a:t>POM</a:t>
-            </a:r>
-            <a:r>
-              <a:rPr lang="zh-CN" altLang="en-US" sz="1800" dirty="0"/>
-              <a:t>中声明来定义的。</a:t>
-            </a:r>
-            <a:r>
-              <a:rPr lang="en-US" altLang="zh-CN" sz="1800" dirty="0"/>
-              <a:t>Maven</a:t>
-            </a:r>
-            <a:r>
-              <a:rPr lang="zh-CN" altLang="en-US" sz="1800" dirty="0"/>
-              <a:t>会理解所有在</a:t>
-            </a:r>
-            <a:r>
-              <a:rPr lang="en-US" altLang="zh-CN" sz="1800" dirty="0"/>
-              <a:t>POM</a:t>
-            </a:r>
-            <a:r>
-              <a:rPr lang="zh-CN" altLang="en-US" sz="1800" dirty="0"/>
-              <a:t>中的声明，并执行相应的插件。</a:t>
-            </a:r>
-            <a:endParaRPr lang="en-CA" sz="1800" dirty="0"/>
-          </a:p>
-        </p:txBody>
-      </p:sp>
-    </p:spTree>
-    <p:extLst>
-      <p:ext uri="{BB962C8B-B14F-4D97-AF65-F5344CB8AC3E}">
-        <p14:creationId xmlns:p14="http://schemas.microsoft.com/office/powerpoint/2010/main" val="4198749013"/>
-      </p:ext>
-    </p:extLst>
-  </p:cSld>
-  <p:clrMapOvr>
-    <a:masterClrMapping/>
-  </p:clrMapOvr>
-  <p:timing>
-    <p:tnLst>
-      <p:par>
-        <p:cTn id="1" dur="indefinite" restart="never" nodeType="tmRoot"/>
-      </p:par>
-    </p:tnLst>
-  </p:timing>
-</p:sld>
-</file>
-
 <file path=ppt/slides/slide65.xml><?xml version="1.0" encoding="utf-8"?>
 <p:sld xmlns:a="http://schemas.openxmlformats.org/drawingml/2006/main" xmlns:r="http://schemas.openxmlformats.org/officeDocument/2006/relationships" xmlns:p="http://schemas.openxmlformats.org/presentationml/2006/main">
   <p:cSld>
@@ -14129,119 +14279,239 @@
           <a:p>
             <a:pPr algn="l"/>
             <a:r>
-              <a:rPr lang="en-CA" sz="1800" dirty="0" err="1"/>
+              <a:rPr lang="zh-CN" altLang="en-US" sz="1800" dirty="0"/>
+              <a:t>可以看出以下几个标准的</a:t>
+            </a:r>
+            <a:r>
+              <a:rPr lang="en-US" altLang="zh-CN" sz="1800" dirty="0"/>
+              <a:t>Maven</a:t>
+            </a:r>
+            <a:r>
+              <a:rPr lang="zh-CN" altLang="en-US" sz="1800" dirty="0"/>
+              <a:t>目录：</a:t>
+            </a:r>
+          </a:p>
+          <a:p>
+            <a:pPr algn="l"/>
+            <a:endParaRPr lang="zh-CN" altLang="en-US" sz="1800" dirty="0"/>
+          </a:p>
+          <a:p>
+            <a:pPr algn="l"/>
+            <a:r>
+              <a:rPr lang="en-US" altLang="zh-CN" sz="1800" dirty="0" err="1"/>
               <a:t>src</a:t>
             </a:r>
             <a:r>
-              <a:rPr lang="en-CA" sz="1800" dirty="0"/>
-              <a:t>/main/java - </a:t>
-            </a:r>
-            <a:r>
-              <a:rPr lang="zh-CN" altLang="en-US" sz="1800" dirty="0"/>
-              <a:t>存放项目</a:t>
-            </a:r>
-            <a:r>
-              <a:rPr lang="en-US" altLang="zh-CN" sz="1800" dirty="0"/>
-              <a:t>.</a:t>
-            </a:r>
-            <a:r>
-              <a:rPr lang="en-CA" sz="1800" dirty="0"/>
-              <a:t>java</a:t>
-            </a:r>
-            <a:r>
-              <a:rPr lang="zh-CN" altLang="en-US" sz="1800" dirty="0"/>
-              <a:t>文件；</a:t>
-            </a:r>
-          </a:p>
-          <a:p>
-            <a:pPr algn="l"/>
-            <a:r>
-              <a:rPr lang="en-CA" sz="1800" dirty="0" err="1"/>
-              <a:t>src</a:t>
-            </a:r>
-            <a:r>
-              <a:rPr lang="en-CA" sz="1800" dirty="0"/>
-              <a:t>/main/resources - </a:t>
-            </a:r>
-            <a:r>
-              <a:rPr lang="zh-CN" altLang="en-US" sz="1800" dirty="0"/>
-              <a:t>存放项目资源文件；</a:t>
-            </a:r>
-          </a:p>
-          <a:p>
-            <a:pPr algn="l"/>
-            <a:r>
-              <a:rPr lang="en-CA" sz="1800" dirty="0" err="1"/>
-              <a:t>src</a:t>
-            </a:r>
-            <a:r>
-              <a:rPr lang="en-CA" sz="1800" dirty="0"/>
-              <a:t>/test/java - </a:t>
-            </a:r>
-            <a:r>
-              <a:rPr lang="zh-CN" altLang="en-US" sz="1800" dirty="0"/>
-              <a:t>存放测试类</a:t>
-            </a:r>
-            <a:r>
-              <a:rPr lang="en-US" altLang="zh-CN" sz="1800" dirty="0"/>
-              <a:t>.</a:t>
-            </a:r>
-            <a:r>
-              <a:rPr lang="en-CA" sz="1800" dirty="0"/>
-              <a:t>java</a:t>
-            </a:r>
-            <a:r>
-              <a:rPr lang="zh-CN" altLang="en-US" sz="1800" dirty="0"/>
-              <a:t>文件；</a:t>
-            </a:r>
-          </a:p>
-          <a:p>
-            <a:pPr algn="l"/>
-            <a:r>
-              <a:rPr lang="en-CA" sz="1800" dirty="0" err="1"/>
-              <a:t>src</a:t>
-            </a:r>
-            <a:r>
-              <a:rPr lang="en-CA" sz="1800" dirty="0"/>
-              <a:t>/test/resources - </a:t>
-            </a:r>
-            <a:r>
-              <a:rPr lang="zh-CN" altLang="en-US" sz="1800" dirty="0"/>
-              <a:t>存放测试资源文件；</a:t>
-            </a:r>
-          </a:p>
-          <a:p>
-            <a:pPr algn="l"/>
-            <a:r>
-              <a:rPr lang="en-CA" sz="1800" dirty="0"/>
-              <a:t>target - </a:t>
-            </a:r>
-            <a:r>
-              <a:rPr lang="zh-CN" altLang="en-US" sz="1800" dirty="0"/>
-              <a:t>项目输出目录；</a:t>
-            </a:r>
-          </a:p>
-          <a:p>
-            <a:pPr algn="l"/>
-            <a:r>
-              <a:rPr lang="en-CA" sz="1800" dirty="0"/>
-              <a:t>pom.xml - Maven</a:t>
-            </a:r>
-            <a:r>
-              <a:rPr lang="zh-CN" altLang="en-US" sz="1800" dirty="0"/>
-              <a:t>核心文件（</a:t>
-            </a:r>
-            <a:r>
-              <a:rPr lang="en-CA" sz="1800" dirty="0"/>
-              <a:t>Project Object Model）；</a:t>
-            </a:r>
+              <a:rPr lang="zh-CN" altLang="en-US" sz="1800" dirty="0"/>
+              <a:t>：源代码目录。所有的源代码都被放在了这个目录下。在这个目录下又包括了：</a:t>
+            </a:r>
+          </a:p>
+          <a:p>
+            <a:pPr algn="l"/>
+            <a:r>
+              <a:rPr lang="zh-CN" altLang="en-US" sz="1800" dirty="0"/>
+              <a:t>          </a:t>
+            </a:r>
+            <a:r>
+              <a:rPr lang="en-US" altLang="zh-CN" sz="1800" dirty="0"/>
+              <a:t>1) main</a:t>
+            </a:r>
+            <a:r>
+              <a:rPr lang="zh-CN" altLang="en-US" sz="1800" dirty="0"/>
+              <a:t>：所有的源代码放在这里。对于</a:t>
+            </a:r>
+            <a:r>
+              <a:rPr lang="en-US" altLang="zh-CN" sz="1800" dirty="0"/>
+              <a:t>Java</a:t>
+            </a:r>
+            <a:r>
+              <a:rPr lang="zh-CN" altLang="en-US" sz="1800" dirty="0"/>
+              <a:t>项目，还有一个下级子目录：</a:t>
+            </a:r>
+            <a:r>
+              <a:rPr lang="en-US" altLang="zh-CN" sz="1800" dirty="0"/>
+              <a:t>java. </a:t>
+            </a:r>
+            <a:r>
+              <a:rPr lang="zh-CN" altLang="en-US" sz="1800" dirty="0"/>
+              <a:t>对于</a:t>
+            </a:r>
+            <a:r>
+              <a:rPr lang="en-US" altLang="zh-CN" sz="1800" dirty="0"/>
+              <a:t>Flex</a:t>
+            </a:r>
+            <a:r>
+              <a:rPr lang="zh-CN" altLang="en-US" sz="1800" dirty="0"/>
+              <a:t>项目则是</a:t>
+            </a:r>
+            <a:r>
+              <a:rPr lang="en-US" altLang="zh-CN" sz="1800" dirty="0"/>
+              <a:t>flex</a:t>
+            </a:r>
+            <a:r>
+              <a:rPr lang="zh-CN" altLang="en-US" sz="1800" dirty="0"/>
+              <a:t>，。。。</a:t>
+            </a:r>
+          </a:p>
+          <a:p>
+            <a:pPr algn="l"/>
+            <a:endParaRPr lang="zh-CN" altLang="en-US" sz="1800" dirty="0"/>
+          </a:p>
+          <a:p>
+            <a:pPr algn="l"/>
+            <a:r>
+              <a:rPr lang="zh-CN" altLang="en-US" sz="1800" dirty="0"/>
+              <a:t>          </a:t>
+            </a:r>
+            <a:r>
+              <a:rPr lang="en-US" altLang="zh-CN" sz="1800" dirty="0"/>
+              <a:t>2) test</a:t>
+            </a:r>
+            <a:r>
+              <a:rPr lang="zh-CN" altLang="en-US" sz="1800" dirty="0"/>
+              <a:t>：所有的单元测试类放在这里。</a:t>
+            </a:r>
+          </a:p>
+          <a:p>
+            <a:pPr algn="l"/>
+            <a:endParaRPr lang="zh-CN" altLang="en-US" sz="1800" dirty="0"/>
+          </a:p>
+          <a:p>
+            <a:pPr algn="l"/>
+            <a:r>
+              <a:rPr lang="en-US" altLang="zh-CN" sz="1800" dirty="0"/>
+              <a:t>target</a:t>
+            </a:r>
+            <a:r>
+              <a:rPr lang="zh-CN" altLang="en-US" sz="1800" dirty="0"/>
+              <a:t>：所有编译过的类文件以及生成的打包文件</a:t>
+            </a:r>
+            <a:r>
+              <a:rPr lang="en-US" altLang="zh-CN" sz="1800" dirty="0"/>
+              <a:t>(.jar, .war, ...)</a:t>
+            </a:r>
+            <a:r>
+              <a:rPr lang="zh-CN" altLang="en-US" sz="1800" dirty="0"/>
+              <a:t>放在这里。</a:t>
+            </a:r>
+          </a:p>
+          <a:p>
+            <a:pPr algn="l"/>
+            <a:r>
+              <a:rPr lang="en-US" altLang="zh-CN" sz="1800" dirty="0"/>
+              <a:t>2</a:t>
+            </a:r>
+            <a:r>
+              <a:rPr lang="zh-CN" altLang="en-US" sz="1800" dirty="0"/>
+              <a:t>）</a:t>
+            </a:r>
+            <a:r>
+              <a:rPr lang="en-US" altLang="zh-CN" sz="1800" dirty="0"/>
+              <a:t>Reuse Build Logic (</a:t>
+            </a:r>
+            <a:r>
+              <a:rPr lang="zh-CN" altLang="en-US" sz="1800" dirty="0"/>
+              <a:t>重用构建逻辑</a:t>
+            </a:r>
+            <a:r>
+              <a:rPr lang="en-US" altLang="zh-CN" sz="1800" dirty="0"/>
+              <a:t>)</a:t>
+            </a:r>
+            <a:r>
+              <a:rPr lang="zh-CN" altLang="en-US" sz="1800" dirty="0"/>
+              <a:t>：</a:t>
+            </a:r>
+            <a:r>
+              <a:rPr lang="en-US" altLang="zh-CN" sz="1800" dirty="0"/>
+              <a:t>Maven</a:t>
+            </a:r>
+            <a:r>
+              <a:rPr lang="zh-CN" altLang="en-US" sz="1800" dirty="0"/>
+              <a:t>把构建逻辑封装到插件中来达到重用的目的。这样在</a:t>
+            </a:r>
+            <a:r>
+              <a:rPr lang="en-US" altLang="zh-CN" sz="1800" dirty="0"/>
+              <a:t>Maven</a:t>
+            </a:r>
+            <a:r>
+              <a:rPr lang="zh-CN" altLang="en-US" sz="1800" dirty="0"/>
+              <a:t>就有用于编译的插件，单元测试的插件，打包的插件，。。。</a:t>
+            </a:r>
+            <a:r>
+              <a:rPr lang="en-US" altLang="zh-CN" sz="1800" dirty="0"/>
+              <a:t>Maven</a:t>
+            </a:r>
+            <a:r>
+              <a:rPr lang="zh-CN" altLang="en-US" sz="1800" dirty="0"/>
+              <a:t>可以被理解成管理这些插件的框架。</a:t>
+            </a:r>
+          </a:p>
+          <a:p>
+            <a:pPr algn="l"/>
+            <a:r>
+              <a:rPr lang="en-US" altLang="zh-CN" sz="1800" dirty="0"/>
+              <a:t>3</a:t>
+            </a:r>
+            <a:r>
+              <a:rPr lang="zh-CN" altLang="en-US" sz="1800" dirty="0"/>
+              <a:t>）</a:t>
+            </a:r>
+            <a:r>
+              <a:rPr lang="en-US" altLang="zh-CN" sz="1800" dirty="0"/>
+              <a:t>Declarative Execution (</a:t>
+            </a:r>
+            <a:r>
+              <a:rPr lang="zh-CN" altLang="en-US" sz="1800" dirty="0"/>
+              <a:t>声明式执行</a:t>
+            </a:r>
+            <a:r>
+              <a:rPr lang="en-US" altLang="zh-CN" sz="1800" dirty="0"/>
+              <a:t>)</a:t>
+            </a:r>
+            <a:r>
+              <a:rPr lang="zh-CN" altLang="en-US" sz="1800" dirty="0"/>
+              <a:t>：</a:t>
+            </a:r>
+            <a:r>
+              <a:rPr lang="en-US" altLang="zh-CN" sz="1800" dirty="0"/>
+              <a:t>Maven</a:t>
+            </a:r>
+            <a:r>
+              <a:rPr lang="zh-CN" altLang="en-US" sz="1800" dirty="0"/>
+              <a:t>中所有的插件都是通过在</a:t>
+            </a:r>
+            <a:r>
+              <a:rPr lang="en-US" altLang="zh-CN" sz="1800" dirty="0"/>
+              <a:t>POM</a:t>
+            </a:r>
+            <a:r>
+              <a:rPr lang="zh-CN" altLang="en-US" sz="1800" dirty="0"/>
+              <a:t>中声明来定义的。</a:t>
+            </a:r>
+            <a:r>
+              <a:rPr lang="en-US" altLang="zh-CN" sz="1800" dirty="0"/>
+              <a:t>Maven</a:t>
+            </a:r>
+            <a:r>
+              <a:rPr lang="zh-CN" altLang="en-US" sz="1800" dirty="0"/>
+              <a:t>会理解所有在</a:t>
+            </a:r>
+            <a:r>
+              <a:rPr lang="en-US" altLang="zh-CN" sz="1800" dirty="0"/>
+              <a:t>POM</a:t>
+            </a:r>
+            <a:r>
+              <a:rPr lang="zh-CN" altLang="en-US" sz="1800" dirty="0"/>
+              <a:t>中的声明，并执行相应的插件。</a:t>
+            </a:r>
+            <a:endParaRPr lang="en-CA" sz="1800" dirty="0"/>
           </a:p>
         </p:txBody>
       </p:sp>
     </p:spTree>
     <p:extLst>
       <p:ext uri="{BB962C8B-B14F-4D97-AF65-F5344CB8AC3E}">
-        <p14:creationId xmlns:p14="http://schemas.microsoft.com/office/powerpoint/2010/main" val="3032368963"/>
+        <p14:creationId xmlns:p14="http://schemas.microsoft.com/office/powerpoint/2010/main" val="4198749013"/>
       </p:ext>
     </p:extLst>
   </p:cSld>
@@ -14299,255 +14569,111 @@
           <a:p>
             <a:pPr algn="l"/>
             <a:r>
-              <a:rPr lang="zh-CN" altLang="en-US" sz="1800" dirty="0"/>
-              <a:t>下载</a:t>
-            </a:r>
-            <a:r>
               <a:rPr lang="en-CA" sz="1800" dirty="0" err="1"/>
-              <a:t>Maven：http</a:t>
-            </a:r>
-            <a:r>
-              <a:rPr lang="en-CA" sz="1800" dirty="0"/>
-              <a:t>://maven.apache.org/</a:t>
-            </a:r>
-          </a:p>
-          <a:p>
-            <a:pPr algn="l"/>
-            <a:r>
-              <a:rPr lang="en-CA" sz="1800" dirty="0" smtClean="0"/>
-              <a:t>2</a:t>
-            </a:r>
-            <a:r>
-              <a:rPr lang="en-CA" sz="1800" dirty="0"/>
-              <a:t>) </a:t>
-            </a:r>
-            <a:r>
-              <a:rPr lang="zh-CN" altLang="en-US" sz="1800" dirty="0"/>
-              <a:t>解压缩下载的</a:t>
-            </a:r>
-            <a:r>
-              <a:rPr lang="en-CA" sz="1800" dirty="0"/>
-              <a:t>zip</a:t>
-            </a:r>
-            <a:r>
-              <a:rPr lang="zh-CN" altLang="en-US" sz="1800" dirty="0"/>
-              <a:t>文件到本地目录下，比如：</a:t>
-            </a:r>
-            <a:r>
-              <a:rPr lang="en-CA" sz="1800" dirty="0"/>
-              <a:t>D:\Maven</a:t>
-            </a:r>
-          </a:p>
-          <a:p>
-            <a:pPr algn="l"/>
-            <a:r>
-              <a:rPr lang="en-CA" sz="1800" dirty="0" smtClean="0"/>
-              <a:t>3</a:t>
-            </a:r>
-            <a:r>
-              <a:rPr lang="en-CA" sz="1800" dirty="0"/>
-              <a:t>) </a:t>
-            </a:r>
-            <a:r>
-              <a:rPr lang="zh-CN" altLang="en-US" sz="1800" dirty="0"/>
-              <a:t>添加</a:t>
-            </a:r>
-            <a:r>
-              <a:rPr lang="en-CA" sz="1800" dirty="0"/>
-              <a:t>D:\Maven\bin</a:t>
-            </a:r>
-            <a:r>
-              <a:rPr lang="zh-CN" altLang="en-US" sz="1800" dirty="0"/>
-              <a:t>到环境变量</a:t>
-            </a:r>
-            <a:r>
-              <a:rPr lang="en-CA" sz="1800" dirty="0"/>
-              <a:t>PATH</a:t>
-            </a:r>
-            <a:r>
-              <a:rPr lang="zh-CN" altLang="en-US" sz="1800" dirty="0"/>
-              <a:t>中</a:t>
-            </a:r>
-          </a:p>
-          <a:p>
-            <a:pPr algn="l"/>
-            <a:r>
-              <a:rPr lang="en-US" altLang="zh-CN" sz="1800" dirty="0" smtClean="0"/>
-              <a:t>4</a:t>
-            </a:r>
-            <a:r>
-              <a:rPr lang="en-US" altLang="zh-CN" sz="1800" dirty="0"/>
-              <a:t>) </a:t>
-            </a:r>
-            <a:r>
-              <a:rPr lang="zh-CN" altLang="en-US" sz="1800" dirty="0"/>
-              <a:t>在命令行下运行</a:t>
-            </a:r>
-            <a:r>
-              <a:rPr lang="en-US" altLang="zh-CN" sz="1800" dirty="0"/>
-              <a:t>: </a:t>
-            </a:r>
-          </a:p>
-          <a:p>
-            <a:pPr algn="l"/>
-            <a:r>
-              <a:rPr lang="en-CA" sz="1800" dirty="0" err="1" smtClean="0"/>
-              <a:t>mvn</a:t>
-            </a:r>
-            <a:r>
-              <a:rPr lang="en-CA" sz="1800" dirty="0" smtClean="0"/>
-              <a:t> </a:t>
-            </a:r>
-            <a:r>
-              <a:rPr lang="en-CA" sz="1800" dirty="0"/>
-              <a:t>-version  </a:t>
-            </a:r>
-            <a:r>
-              <a:rPr lang="zh-CN" altLang="en-US" sz="1800" dirty="0"/>
-              <a:t>或者 </a:t>
-            </a:r>
+              <a:t>src</a:t>
+            </a:r>
+            <a:r>
+              <a:rPr lang="en-CA" sz="1800" dirty="0"/>
+              <a:t>/main/java - </a:t>
+            </a:r>
+            <a:r>
+              <a:rPr lang="zh-CN" altLang="en-US" sz="1800" dirty="0"/>
+              <a:t>存放项目</a:t>
+            </a:r>
+            <a:r>
+              <a:rPr lang="en-US" altLang="zh-CN" sz="1800" dirty="0"/>
+              <a:t>.</a:t>
+            </a:r>
+            <a:r>
+              <a:rPr lang="en-CA" sz="1800" dirty="0"/>
+              <a:t>java</a:t>
+            </a:r>
+            <a:r>
+              <a:rPr lang="zh-CN" altLang="en-US" sz="1800" dirty="0"/>
+              <a:t>文件；</a:t>
+            </a:r>
+          </a:p>
+          <a:p>
+            <a:pPr algn="l"/>
             <a:r>
               <a:rPr lang="en-CA" sz="1800" dirty="0" err="1"/>
-              <a:t>mvn</a:t>
-            </a:r>
-            <a:r>
-              <a:rPr lang="en-CA" sz="1800" dirty="0"/>
-              <a:t> </a:t>
-            </a:r>
-            <a:r>
-              <a:rPr lang="en-CA" sz="1800" dirty="0" smtClean="0"/>
-              <a:t>–v</a:t>
-            </a:r>
-          </a:p>
-          <a:p>
-            <a:pPr algn="l"/>
-            <a:endParaRPr lang="en-US" altLang="zh-CN" sz="1800" dirty="0" smtClean="0"/>
-          </a:p>
-          <a:p>
-            <a:pPr algn="l"/>
-            <a:r>
-              <a:rPr lang="zh-CN" altLang="en-US" sz="1800" dirty="0" smtClean="0"/>
-              <a:t>一</a:t>
-            </a:r>
-            <a:r>
-              <a:rPr lang="zh-CN" altLang="en-US" sz="1800" dirty="0"/>
-              <a:t>些</a:t>
-            </a:r>
-            <a:r>
-              <a:rPr lang="en-CA" sz="1800" dirty="0"/>
-              <a:t>Maven</a:t>
-            </a:r>
-            <a:r>
-              <a:rPr lang="zh-CN" altLang="en-US" sz="1800" dirty="0"/>
-              <a:t>命</a:t>
-            </a:r>
-            <a:r>
-              <a:rPr lang="zh-CN" altLang="en-US" sz="1800" dirty="0" smtClean="0"/>
-              <a:t>令</a:t>
-            </a:r>
-            <a:endParaRPr lang="zh-CN" altLang="en-US" sz="1800" dirty="0"/>
-          </a:p>
-          <a:p>
-            <a:pPr algn="l"/>
-            <a:r>
-              <a:rPr lang="zh-CN" altLang="en-US" sz="1800" dirty="0" smtClean="0"/>
-              <a:t>编</a:t>
-            </a:r>
-            <a:r>
-              <a:rPr lang="zh-CN" altLang="en-US" sz="1800" dirty="0"/>
-              <a:t>译</a:t>
-            </a:r>
-            <a:r>
-              <a:rPr lang="en-US" altLang="zh-CN" sz="1800" dirty="0"/>
-              <a:t>: </a:t>
-            </a:r>
+              <a:t>src</a:t>
+            </a:r>
+            <a:r>
+              <a:rPr lang="en-CA" sz="1800" dirty="0"/>
+              <a:t>/main/resources - </a:t>
+            </a:r>
+            <a:r>
+              <a:rPr lang="zh-CN" altLang="en-US" sz="1800" dirty="0"/>
+              <a:t>存放项目资源文件；</a:t>
+            </a:r>
+          </a:p>
+          <a:p>
+            <a:pPr algn="l"/>
             <a:r>
               <a:rPr lang="en-CA" sz="1800" dirty="0" err="1"/>
-              <a:t>mvn</a:t>
-            </a:r>
-            <a:r>
-              <a:rPr lang="en-CA" sz="1800" dirty="0"/>
-              <a:t> compile</a:t>
-            </a:r>
-          </a:p>
-          <a:p>
-            <a:pPr algn="l"/>
-            <a:r>
-              <a:rPr lang="zh-CN" altLang="en-US" sz="1800" dirty="0" smtClean="0"/>
-              <a:t>单</a:t>
-            </a:r>
-            <a:r>
-              <a:rPr lang="zh-CN" altLang="en-US" sz="1800" dirty="0"/>
-              <a:t>元测试</a:t>
-            </a:r>
-            <a:r>
-              <a:rPr lang="en-US" altLang="zh-CN" sz="1800" dirty="0"/>
-              <a:t>: </a:t>
-            </a:r>
+              <a:t>src</a:t>
+            </a:r>
+            <a:r>
+              <a:rPr lang="en-CA" sz="1800" dirty="0"/>
+              <a:t>/test/java - </a:t>
+            </a:r>
+            <a:r>
+              <a:rPr lang="zh-CN" altLang="en-US" sz="1800" dirty="0"/>
+              <a:t>存放测试类</a:t>
+            </a:r>
+            <a:r>
+              <a:rPr lang="en-US" altLang="zh-CN" sz="1800" dirty="0"/>
+              <a:t>.</a:t>
+            </a:r>
+            <a:r>
+              <a:rPr lang="en-CA" sz="1800" dirty="0"/>
+              <a:t>java</a:t>
+            </a:r>
+            <a:r>
+              <a:rPr lang="zh-CN" altLang="en-US" sz="1800" dirty="0"/>
+              <a:t>文件；</a:t>
+            </a:r>
+          </a:p>
+          <a:p>
+            <a:pPr algn="l"/>
             <a:r>
               <a:rPr lang="en-CA" sz="1800" dirty="0" err="1"/>
-              <a:t>mvn</a:t>
-            </a:r>
-            <a:r>
-              <a:rPr lang="en-CA" sz="1800" dirty="0"/>
-              <a:t> test</a:t>
-            </a:r>
-          </a:p>
-          <a:p>
-            <a:pPr algn="l"/>
-            <a:r>
-              <a:rPr lang="zh-CN" altLang="en-US" sz="1800" dirty="0" smtClean="0"/>
-              <a:t>构</a:t>
-            </a:r>
-            <a:r>
-              <a:rPr lang="zh-CN" altLang="en-US" sz="1800" dirty="0"/>
-              <a:t>建并打包： </a:t>
-            </a:r>
-            <a:r>
-              <a:rPr lang="en-CA" sz="1800" dirty="0" err="1"/>
-              <a:t>mvn</a:t>
-            </a:r>
-            <a:r>
-              <a:rPr lang="en-CA" sz="1800" dirty="0"/>
-              <a:t> package</a:t>
-            </a:r>
-          </a:p>
-          <a:p>
-            <a:pPr algn="l"/>
-            <a:r>
-              <a:rPr lang="zh-CN" altLang="en-US" sz="1800" dirty="0" smtClean="0"/>
-              <a:t>清</a:t>
-            </a:r>
-            <a:r>
-              <a:rPr lang="zh-CN" altLang="en-US" sz="1800" dirty="0"/>
-              <a:t>理： </a:t>
-            </a:r>
-            <a:r>
-              <a:rPr lang="en-CA" sz="1800" dirty="0" err="1"/>
-              <a:t>mvn</a:t>
-            </a:r>
-            <a:r>
-              <a:rPr lang="en-CA" sz="1800" dirty="0"/>
-              <a:t> clean</a:t>
-            </a:r>
-          </a:p>
-          <a:p>
-            <a:pPr algn="l"/>
-            <a:r>
-              <a:rPr lang="zh-CN" altLang="en-US" sz="1800" dirty="0" smtClean="0"/>
-              <a:t>安</a:t>
-            </a:r>
-            <a:r>
-              <a:rPr lang="zh-CN" altLang="en-US" sz="1800" dirty="0"/>
-              <a:t>装 </a:t>
-            </a:r>
-            <a:r>
-              <a:rPr lang="en-CA" sz="1800" dirty="0" err="1"/>
-              <a:t>mvn</a:t>
-            </a:r>
-            <a:r>
-              <a:rPr lang="en-CA" sz="1800" dirty="0"/>
-              <a:t> clean install</a:t>
+              <a:t>src</a:t>
+            </a:r>
+            <a:r>
+              <a:rPr lang="en-CA" sz="1800" dirty="0"/>
+              <a:t>/test/resources - </a:t>
+            </a:r>
+            <a:r>
+              <a:rPr lang="zh-CN" altLang="en-US" sz="1800" dirty="0"/>
+              <a:t>存放测试资源文件；</a:t>
+            </a:r>
+          </a:p>
+          <a:p>
+            <a:pPr algn="l"/>
+            <a:r>
+              <a:rPr lang="en-CA" sz="1800" dirty="0"/>
+              <a:t>target - </a:t>
+            </a:r>
+            <a:r>
+              <a:rPr lang="zh-CN" altLang="en-US" sz="1800" dirty="0"/>
+              <a:t>项目输出目录；</a:t>
+            </a:r>
+          </a:p>
+          <a:p>
+            <a:pPr algn="l"/>
+            <a:r>
+              <a:rPr lang="en-CA" sz="1800" dirty="0"/>
+              <a:t>pom.xml - Maven</a:t>
+            </a:r>
+            <a:r>
+              <a:rPr lang="zh-CN" altLang="en-US" sz="1800" dirty="0"/>
+              <a:t>核心文件（</a:t>
+            </a:r>
+            <a:r>
+              <a:rPr lang="en-CA" sz="1800" dirty="0"/>
+              <a:t>Project Object Model）；</a:t>
             </a:r>
           </a:p>
         </p:txBody>
@@ -14555,7 +14681,7 @@
     </p:spTree>
     <p:extLst>
       <p:ext uri="{BB962C8B-B14F-4D97-AF65-F5344CB8AC3E}">
-        <p14:creationId xmlns:p14="http://schemas.microsoft.com/office/powerpoint/2010/main" val="2448942208"/>
+        <p14:creationId xmlns:p14="http://schemas.microsoft.com/office/powerpoint/2010/main" val="3032368963"/>
       </p:ext>
     </p:extLst>
   </p:cSld>
@@ -14613,222 +14739,263 @@
           <a:p>
             <a:pPr algn="l"/>
             <a:r>
-              <a:rPr lang="en-CA" sz="1800" dirty="0"/>
-              <a:t>maven </a:t>
-            </a:r>
-            <a:r>
-              <a:rPr lang="zh-CN" altLang="en-US" sz="1800" dirty="0"/>
-              <a:t>项目会有一个 </a:t>
-            </a:r>
-            <a:r>
-              <a:rPr lang="en-CA" sz="1800" dirty="0"/>
-              <a:t>pom.xml </a:t>
-            </a:r>
-            <a:r>
-              <a:rPr lang="zh-CN" altLang="en-US" sz="1800" dirty="0"/>
-              <a:t>文件， 在这个文件里面，只要你添加相应配置，他就会自动帮你下载相应 </a:t>
-            </a:r>
-            <a:r>
-              <a:rPr lang="en-CA" sz="1800" dirty="0"/>
-              <a:t>jar </a:t>
-            </a:r>
-            <a:r>
-              <a:rPr lang="zh-CN" altLang="en-US" sz="1800" dirty="0"/>
-              <a:t>包，不用你铺天盖地的到处搜索你需要的 </a:t>
-            </a:r>
-            <a:r>
-              <a:rPr lang="en-CA" sz="1800" dirty="0"/>
-              <a:t>jar </a:t>
-            </a:r>
-            <a:r>
-              <a:rPr lang="zh-CN" altLang="en-US" sz="1800" dirty="0"/>
-              <a:t>包了。</a:t>
-            </a:r>
-          </a:p>
-          <a:p>
-            <a:pPr algn="l"/>
+              <a:rPr lang="zh-CN" altLang="en-US" sz="1800" dirty="0"/>
+              <a:t>下载</a:t>
+            </a:r>
+            <a:r>
+              <a:rPr lang="en-CA" sz="1800" dirty="0" err="1"/>
+              <a:t>Maven：http</a:t>
+            </a:r>
+            <a:r>
+              <a:rPr lang="en-CA" sz="1800" dirty="0"/>
+              <a:t>://maven.apache.org/</a:t>
+            </a:r>
+          </a:p>
+          <a:p>
+            <a:pPr algn="l"/>
+            <a:r>
+              <a:rPr lang="en-CA" sz="1800" dirty="0" smtClean="0"/>
+              <a:t>2</a:t>
+            </a:r>
+            <a:r>
+              <a:rPr lang="en-CA" sz="1800" dirty="0"/>
+              <a:t>) </a:t>
+            </a:r>
+            <a:r>
+              <a:rPr lang="zh-CN" altLang="en-US" sz="1800" dirty="0"/>
+              <a:t>解压缩下载的</a:t>
+            </a:r>
+            <a:r>
+              <a:rPr lang="en-CA" sz="1800" dirty="0"/>
+              <a:t>zip</a:t>
+            </a:r>
+            <a:r>
+              <a:rPr lang="zh-CN" altLang="en-US" sz="1800" dirty="0"/>
+              <a:t>文件到本地目录下，比如：</a:t>
+            </a:r>
+            <a:r>
+              <a:rPr lang="en-CA" sz="1800" dirty="0"/>
+              <a:t>D:\Maven</a:t>
+            </a:r>
+          </a:p>
+          <a:p>
+            <a:pPr algn="l"/>
+            <a:r>
+              <a:rPr lang="en-CA" sz="1800" dirty="0" smtClean="0"/>
+              <a:t>3</a:t>
+            </a:r>
+            <a:r>
+              <a:rPr lang="en-CA" sz="1800" dirty="0"/>
+              <a:t>) </a:t>
+            </a:r>
+            <a:r>
+              <a:rPr lang="zh-CN" altLang="en-US" sz="1800" dirty="0"/>
+              <a:t>添加</a:t>
+            </a:r>
+            <a:r>
+              <a:rPr lang="en-CA" sz="1800" dirty="0"/>
+              <a:t>D:\Maven\bin</a:t>
+            </a:r>
+            <a:r>
+              <a:rPr lang="zh-CN" altLang="en-US" sz="1800" dirty="0"/>
+              <a:t>到环境变量</a:t>
+            </a:r>
+            <a:r>
+              <a:rPr lang="en-CA" sz="1800" dirty="0"/>
+              <a:t>PATH</a:t>
+            </a:r>
+            <a:r>
+              <a:rPr lang="zh-CN" altLang="en-US" sz="1800" dirty="0"/>
+              <a:t>中</a:t>
+            </a:r>
+          </a:p>
+          <a:p>
+            <a:pPr algn="l"/>
+            <a:r>
+              <a:rPr lang="en-US" altLang="zh-CN" sz="1800" dirty="0" smtClean="0"/>
+              <a:t>4</a:t>
+            </a:r>
+            <a:r>
+              <a:rPr lang="en-US" altLang="zh-CN" sz="1800" dirty="0"/>
+              <a:t>) </a:t>
+            </a:r>
+            <a:r>
+              <a:rPr lang="zh-CN" altLang="en-US" sz="1800" dirty="0"/>
+              <a:t>在命令行下运行</a:t>
+            </a:r>
+            <a:r>
+              <a:rPr lang="en-US" altLang="zh-CN" sz="1800" dirty="0"/>
+              <a:t>: </a:t>
+            </a:r>
+          </a:p>
+          <a:p>
+            <a:pPr algn="l"/>
+            <a:r>
+              <a:rPr lang="en-CA" sz="1800" dirty="0" err="1" smtClean="0"/>
+              <a:t>mvn</a:t>
+            </a:r>
+            <a:r>
+              <a:rPr lang="en-CA" sz="1800" dirty="0" smtClean="0"/>
+              <a:t> </a:t>
+            </a:r>
+            <a:r>
+              <a:rPr lang="en-CA" sz="1800" dirty="0"/>
+              <a:t>-version  </a:t>
+            </a:r>
+            <a:r>
+              <a:rPr lang="zh-CN" altLang="en-US" sz="1800" dirty="0"/>
+              <a:t>或者 </a:t>
+            </a:r>
+            <a:r>
+              <a:rPr lang="en-CA" sz="1800" dirty="0" err="1"/>
+              <a:t>mvn</a:t>
+            </a:r>
+            <a:r>
+              <a:rPr lang="en-CA" sz="1800" dirty="0"/>
+              <a:t> </a:t>
+            </a:r>
+            <a:r>
+              <a:rPr lang="en-CA" sz="1800" dirty="0" smtClean="0"/>
+              <a:t>–v</a:t>
+            </a:r>
+          </a:p>
+          <a:p>
+            <a:pPr algn="l"/>
+            <a:endParaRPr lang="en-US" altLang="zh-CN" sz="1800" dirty="0" smtClean="0"/>
+          </a:p>
+          <a:p>
+            <a:pPr algn="l"/>
+            <a:r>
+              <a:rPr lang="zh-CN" altLang="en-US" sz="1800" dirty="0" smtClean="0"/>
+              <a:t>一</a:t>
+            </a:r>
+            <a:r>
+              <a:rPr lang="zh-CN" altLang="en-US" sz="1800" dirty="0"/>
+              <a:t>些</a:t>
+            </a:r>
+            <a:r>
+              <a:rPr lang="en-CA" sz="1800" dirty="0"/>
+              <a:t>Maven</a:t>
+            </a:r>
+            <a:r>
+              <a:rPr lang="zh-CN" altLang="en-US" sz="1800" dirty="0"/>
+              <a:t>命</a:t>
+            </a:r>
+            <a:r>
+              <a:rPr lang="zh-CN" altLang="en-US" sz="1800" dirty="0" smtClean="0"/>
+              <a:t>令</a:t>
+            </a:r>
             <a:endParaRPr lang="zh-CN" altLang="en-US" sz="1800" dirty="0"/>
           </a:p>
           <a:p>
             <a:pPr algn="l"/>
             <a:r>
-              <a:rPr lang="zh-CN" altLang="en-US" sz="1800" dirty="0"/>
-              <a:t>    </a:t>
-            </a:r>
-            <a:r>
-              <a:rPr lang="en-US" altLang="zh-CN" sz="1800" dirty="0"/>
-              <a:t>&lt;</a:t>
-            </a:r>
-            <a:r>
-              <a:rPr lang="en-CA" sz="1800" dirty="0"/>
-              <a:t>dependency&gt; </a:t>
-            </a:r>
-          </a:p>
-          <a:p>
-            <a:pPr algn="l"/>
-            <a:r>
-              <a:rPr lang="en-CA" sz="1800" dirty="0"/>
-              <a:t>      &lt;</a:t>
+              <a:rPr lang="zh-CN" altLang="en-US" sz="1800" dirty="0" smtClean="0"/>
+              <a:t>编</a:t>
+            </a:r>
+            <a:r>
+              <a:rPr lang="zh-CN" altLang="en-US" sz="1800" dirty="0"/>
+              <a:t>译</a:t>
+            </a:r>
+            <a:r>
+              <a:rPr lang="en-US" altLang="zh-CN" sz="1800" dirty="0"/>
+              <a:t>: </a:t>
             </a:r>
             <a:r>
               <a:rPr lang="en-CA" sz="1800" dirty="0" err="1"/>
-              <a:t>groupId</a:t>
-            </a:r>
-            <a:r>
-              <a:rPr lang="en-CA" sz="1800" dirty="0"/>
-              <a:t>&gt;</a:t>
+              <a:t>mvn</a:t>
+            </a:r>
+            <a:r>
+              <a:rPr lang="en-CA" sz="1800" dirty="0"/>
+              <a:t> compile</a:t>
+            </a:r>
+          </a:p>
+          <a:p>
+            <a:pPr algn="l"/>
+            <a:r>
+              <a:rPr lang="zh-CN" altLang="en-US" sz="1800" dirty="0" smtClean="0"/>
+              <a:t>单</a:t>
+            </a:r>
+            <a:r>
+              <a:rPr lang="zh-CN" altLang="en-US" sz="1800" dirty="0"/>
+              <a:t>元测试</a:t>
+            </a:r>
+            <a:r>
+              <a:rPr lang="en-US" altLang="zh-CN" sz="1800" dirty="0"/>
+              <a:t>: </a:t>
             </a:r>
             <a:r>
               <a:rPr lang="en-CA" sz="1800" dirty="0" err="1"/>
-              <a:t>junit</a:t>
-            </a:r>
-            <a:r>
-              <a:rPr lang="en-CA" sz="1800" dirty="0"/>
-              <a:t>&lt;/</a:t>
+              <a:t>mvn</a:t>
+            </a:r>
+            <a:r>
+              <a:rPr lang="en-CA" sz="1800" dirty="0"/>
+              <a:t> test</a:t>
+            </a:r>
+          </a:p>
+          <a:p>
+            <a:pPr algn="l"/>
+            <a:r>
+              <a:rPr lang="zh-CN" altLang="en-US" sz="1800" dirty="0" smtClean="0"/>
+              <a:t>构</a:t>
+            </a:r>
+            <a:r>
+              <a:rPr lang="zh-CN" altLang="en-US" sz="1800" dirty="0"/>
+              <a:t>建并打包： </a:t>
             </a:r>
             <a:r>
               <a:rPr lang="en-CA" sz="1800" dirty="0" err="1"/>
-              <a:t>groupId</a:t>
-            </a:r>
-            <a:r>
-              <a:rPr lang="en-CA" sz="1800" dirty="0"/>
-              <a:t>&gt;  </a:t>
-            </a:r>
-            <a:r>
-              <a:rPr lang="zh-CN" altLang="en-US" sz="1800" dirty="0"/>
-              <a:t>项目名</a:t>
-            </a:r>
-          </a:p>
-          <a:p>
-            <a:pPr algn="l"/>
-            <a:r>
-              <a:rPr lang="zh-CN" altLang="en-US" sz="1800" dirty="0"/>
-              <a:t>      </a:t>
-            </a:r>
-            <a:r>
-              <a:rPr lang="en-US" altLang="zh-CN" sz="1800" dirty="0"/>
-              <a:t>&lt;</a:t>
+              <a:t>mvn</a:t>
+            </a:r>
+            <a:r>
+              <a:rPr lang="en-CA" sz="1800" dirty="0"/>
+              <a:t> package</a:t>
+            </a:r>
+          </a:p>
+          <a:p>
+            <a:pPr algn="l"/>
+            <a:r>
+              <a:rPr lang="zh-CN" altLang="en-US" sz="1800" dirty="0" smtClean="0"/>
+              <a:t>清</a:t>
+            </a:r>
+            <a:r>
+              <a:rPr lang="zh-CN" altLang="en-US" sz="1800" dirty="0"/>
+              <a:t>理： </a:t>
             </a:r>
             <a:r>
               <a:rPr lang="en-CA" sz="1800" dirty="0" err="1"/>
-              <a:t>artifactId</a:t>
-            </a:r>
-            <a:r>
-              <a:rPr lang="en-CA" sz="1800" dirty="0"/>
-              <a:t>&gt;</a:t>
+              <a:t>mvn</a:t>
+            </a:r>
+            <a:r>
+              <a:rPr lang="en-CA" sz="1800" dirty="0"/>
+              <a:t> clean</a:t>
+            </a:r>
+          </a:p>
+          <a:p>
+            <a:pPr algn="l"/>
+            <a:r>
+              <a:rPr lang="zh-CN" altLang="en-US" sz="1800" dirty="0" smtClean="0"/>
+              <a:t>安</a:t>
+            </a:r>
+            <a:r>
+              <a:rPr lang="zh-CN" altLang="en-US" sz="1800" dirty="0"/>
+              <a:t>装 </a:t>
             </a:r>
             <a:r>
               <a:rPr lang="en-CA" sz="1800" dirty="0" err="1"/>
-              <a:t>junit</a:t>
-            </a:r>
-            <a:r>
-              <a:rPr lang="en-CA" sz="1800" dirty="0"/>
-              <a:t>&lt;/</a:t>
-            </a:r>
-            <a:r>
-              <a:rPr lang="en-CA" sz="1800" dirty="0" err="1"/>
-              <a:t>artifactId</a:t>
-            </a:r>
-            <a:r>
-              <a:rPr lang="en-CA" sz="1800" dirty="0"/>
-              <a:t>&gt;  </a:t>
-            </a:r>
-            <a:r>
-              <a:rPr lang="zh-CN" altLang="en-US" sz="1800" dirty="0"/>
-              <a:t>项目模块  </a:t>
-            </a:r>
-          </a:p>
-          <a:p>
-            <a:pPr algn="l"/>
-            <a:r>
-              <a:rPr lang="zh-CN" altLang="en-US" sz="1800" dirty="0"/>
-              <a:t>      </a:t>
-            </a:r>
-            <a:r>
-              <a:rPr lang="en-US" altLang="zh-CN" sz="1800" dirty="0"/>
-              <a:t>&lt;</a:t>
-            </a:r>
-            <a:r>
-              <a:rPr lang="en-CA" sz="1800" dirty="0"/>
-              <a:t>version&gt;3.8.1&lt;/version&gt;  </a:t>
-            </a:r>
-            <a:r>
-              <a:rPr lang="zh-CN" altLang="en-US" sz="1800" dirty="0"/>
-              <a:t>项目版本</a:t>
-            </a:r>
-          </a:p>
-          <a:p>
-            <a:pPr algn="l"/>
-            <a:r>
-              <a:rPr lang="zh-CN" altLang="en-US" sz="1800" dirty="0"/>
-              <a:t>      </a:t>
-            </a:r>
-            <a:r>
-              <a:rPr lang="en-US" altLang="zh-CN" sz="1800" dirty="0"/>
-              <a:t>&lt;</a:t>
-            </a:r>
-            <a:r>
-              <a:rPr lang="en-CA" sz="1800" dirty="0"/>
-              <a:t>scope&gt;test&lt;/scope&gt; </a:t>
-            </a:r>
-          </a:p>
-          <a:p>
-            <a:pPr algn="l"/>
-            <a:r>
-              <a:rPr lang="en-CA" sz="1800" dirty="0"/>
-              <a:t>    &lt;/dependency&gt;</a:t>
-            </a:r>
-          </a:p>
-          <a:p>
-            <a:pPr algn="l"/>
-            <a:r>
-              <a:rPr lang="en-CA" sz="1800" dirty="0"/>
-              <a:t>maven</a:t>
-            </a:r>
-            <a:r>
-              <a:rPr lang="zh-CN" altLang="en-US" sz="1800" dirty="0"/>
-              <a:t>都会通过，项目名</a:t>
-            </a:r>
-            <a:r>
-              <a:rPr lang="en-US" altLang="zh-CN" sz="1800" dirty="0"/>
-              <a:t>-</a:t>
-            </a:r>
-            <a:r>
-              <a:rPr lang="zh-CN" altLang="en-US" sz="1800" dirty="0"/>
-              <a:t>项目模块</a:t>
-            </a:r>
-            <a:r>
-              <a:rPr lang="en-US" altLang="zh-CN" sz="1800" dirty="0"/>
-              <a:t>-</a:t>
-            </a:r>
-            <a:r>
-              <a:rPr lang="zh-CN" altLang="en-US" sz="1800" dirty="0"/>
-              <a:t>项目版本来</a:t>
-            </a:r>
-            <a:r>
-              <a:rPr lang="en-CA" sz="1800" dirty="0"/>
-              <a:t>maven</a:t>
-            </a:r>
-            <a:r>
-              <a:rPr lang="zh-CN" altLang="en-US" sz="1800" dirty="0"/>
-              <a:t>在互联网上的代码库中下载相应</a:t>
-            </a:r>
-            <a:r>
-              <a:rPr lang="en-CA" sz="1800" dirty="0"/>
-              <a:t>jar</a:t>
-            </a:r>
-            <a:r>
-              <a:rPr lang="zh-CN" altLang="en-US" sz="1800" dirty="0"/>
-              <a:t>包。</a:t>
-            </a:r>
-            <a:endParaRPr lang="en-CA" sz="1800" dirty="0"/>
+              <a:t>mvn</a:t>
+            </a:r>
+            <a:r>
+              <a:rPr lang="en-CA" sz="1800" dirty="0"/>
+              <a:t> clean install</a:t>
+            </a:r>
           </a:p>
         </p:txBody>
       </p:sp>
     </p:spTree>
     <p:extLst>
       <p:ext uri="{BB962C8B-B14F-4D97-AF65-F5344CB8AC3E}">
-        <p14:creationId xmlns:p14="http://schemas.microsoft.com/office/powerpoint/2010/main" val="1253239944"/>
+        <p14:creationId xmlns:p14="http://schemas.microsoft.com/office/powerpoint/2010/main" val="2448942208"/>
       </p:ext>
     </p:extLst>
   </p:cSld>
@@ -14886,24 +15053,62 @@
           <a:p>
             <a:pPr algn="l"/>
             <a:r>
-              <a:rPr lang="zh-CN" altLang="en-US" sz="1800" dirty="0"/>
-              <a:t>所有的</a:t>
-            </a:r>
-            <a:r>
-              <a:rPr lang="en-CA" sz="1800" dirty="0"/>
-              <a:t>POM</a:t>
-            </a:r>
-            <a:r>
-              <a:rPr lang="zh-CN" altLang="en-US" sz="1800" dirty="0"/>
-              <a:t>文件要求有</a:t>
-            </a:r>
-            <a:r>
-              <a:rPr lang="en-CA" sz="1800" dirty="0" err="1"/>
-              <a:t>projec</a:t>
-            </a:r>
-            <a:r>
-              <a:rPr lang="zh-CN" altLang="en-US" sz="1800" dirty="0"/>
-              <a:t>节点和三个必须字段：</a:t>
+              <a:rPr lang="en-CA" sz="1800" dirty="0"/>
+              <a:t>maven </a:t>
+            </a:r>
+            <a:r>
+              <a:rPr lang="zh-CN" altLang="en-US" sz="1800" dirty="0"/>
+              <a:t>项目会有一个 </a:t>
+            </a:r>
+            <a:r>
+              <a:rPr lang="en-CA" sz="1800" dirty="0"/>
+              <a:t>pom.xml </a:t>
+            </a:r>
+            <a:r>
+              <a:rPr lang="zh-CN" altLang="en-US" sz="1800" dirty="0"/>
+              <a:t>文件， 在这个文件里面，只要你添加相应配置，他就会自动帮你下载相应 </a:t>
+            </a:r>
+            <a:r>
+              <a:rPr lang="en-CA" sz="1800" dirty="0"/>
+              <a:t>jar </a:t>
+            </a:r>
+            <a:r>
+              <a:rPr lang="zh-CN" altLang="en-US" sz="1800" dirty="0"/>
+              <a:t>包，不用你铺天盖地的到处搜索你需要的 </a:t>
+            </a:r>
+            <a:r>
+              <a:rPr lang="en-CA" sz="1800" dirty="0"/>
+              <a:t>jar </a:t>
+            </a:r>
+            <a:r>
+              <a:rPr lang="zh-CN" altLang="en-US" sz="1800" dirty="0"/>
+              <a:t>包了。</a:t>
+            </a:r>
+          </a:p>
+          <a:p>
+            <a:pPr algn="l"/>
+            <a:endParaRPr lang="zh-CN" altLang="en-US" sz="1800" dirty="0"/>
+          </a:p>
+          <a:p>
+            <a:pPr algn="l"/>
+            <a:r>
+              <a:rPr lang="zh-CN" altLang="en-US" sz="1800" dirty="0"/>
+              <a:t>    </a:t>
+            </a:r>
+            <a:r>
+              <a:rPr lang="en-US" altLang="zh-CN" sz="1800" dirty="0"/>
+              <a:t>&lt;</a:t>
+            </a:r>
+            <a:r>
+              <a:rPr lang="en-CA" sz="1800" dirty="0"/>
+              <a:t>dependency&gt; </a:t>
+            </a:r>
+          </a:p>
+          <a:p>
+            <a:pPr algn="l"/>
+            <a:r>
+              <a:rPr lang="en-CA" sz="1800" dirty="0"/>
+              <a:t>      &lt;</a:t>
             </a:r>
             <a:r>
               <a:rPr lang="en-CA" sz="1800" dirty="0" err="1"/>
@@ -14911,187 +15116,159 @@
             </a:r>
             <a:r>
               <a:rPr lang="en-CA" sz="1800" dirty="0"/>
-              <a:t>, </a:t>
+              <a:t>&gt;</a:t>
             </a:r>
             <a:r>
               <a:rPr lang="en-CA" sz="1800" dirty="0" err="1"/>
-              <a:t>artifactId,version</a:t>
-            </a:r>
-            <a:r>
-              <a:rPr lang="en-CA" sz="1800" dirty="0"/>
-              <a:t>。</a:t>
-            </a:r>
-          </a:p>
-          <a:p>
-            <a:pPr algn="l"/>
-            <a:r>
-              <a:rPr lang="zh-CN" altLang="en-US" sz="1800" dirty="0"/>
-              <a:t>在仓库中项目的标识为</a:t>
-            </a:r>
-            <a:r>
-              <a:rPr lang="en-CA" sz="1800" dirty="0" err="1"/>
-              <a:t>groupId:artifactId:version</a:t>
-            </a:r>
-            <a:r>
-              <a:rPr lang="en-CA" sz="1800" dirty="0"/>
-              <a:t>。</a:t>
-            </a:r>
-          </a:p>
-          <a:p>
-            <a:pPr algn="l"/>
-            <a:r>
-              <a:rPr lang="en-CA" sz="1800" dirty="0"/>
-              <a:t>POM.xml</a:t>
-            </a:r>
-            <a:r>
-              <a:rPr lang="zh-CN" altLang="en-US" sz="1800" dirty="0"/>
-              <a:t>的根节点是</a:t>
-            </a:r>
-            <a:r>
-              <a:rPr lang="en-CA" sz="1800" dirty="0"/>
-              <a:t>project</a:t>
-            </a:r>
-            <a:r>
-              <a:rPr lang="zh-CN" altLang="en-US" sz="1800" dirty="0"/>
-              <a:t>并且其下有三个主要的子节点：</a:t>
-            </a:r>
-          </a:p>
-          <a:p>
-            <a:pPr algn="l"/>
-            <a:r>
-              <a:rPr lang="zh-CN" altLang="en-US" sz="1800" dirty="0"/>
-              <a:t>节点	描述</a:t>
-            </a:r>
-          </a:p>
-          <a:p>
-            <a:pPr algn="l"/>
+              <a:t>junit</a:t>
+            </a:r>
+            <a:r>
+              <a:rPr lang="en-CA" sz="1800" dirty="0"/>
+              <a:t>&lt;/</a:t>
+            </a:r>
             <a:r>
               <a:rPr lang="en-CA" sz="1800" dirty="0" err="1"/>
               <a:t>groupId</a:t>
             </a:r>
             <a:r>
               <a:rPr lang="en-CA" sz="1800" dirty="0"/>
-              <a:t>	</a:t>
-            </a:r>
-            <a:r>
-              <a:rPr lang="zh-CN" altLang="en-US" sz="1800" dirty="0"/>
-              <a:t>项目组织的</a:t>
-            </a:r>
-            <a:r>
-              <a:rPr lang="en-CA" sz="1800" dirty="0"/>
-              <a:t>Id。</a:t>
-            </a:r>
-            <a:r>
-              <a:rPr lang="zh-CN" altLang="en-US" sz="1800" dirty="0"/>
-              <a:t>通常在一个项目或者一个组织之中，这个</a:t>
-            </a:r>
-            <a:r>
-              <a:rPr lang="en-CA" sz="1800" dirty="0"/>
-              <a:t>Id</a:t>
-            </a:r>
-            <a:r>
-              <a:rPr lang="zh-CN" altLang="en-US" sz="1800" dirty="0"/>
-              <a:t>是唯一的。例如，某个</a:t>
-            </a:r>
-            <a:r>
-              <a:rPr lang="en-CA" sz="1800" dirty="0"/>
-              <a:t>Id</a:t>
-            </a:r>
-            <a:r>
-              <a:rPr lang="zh-CN" altLang="en-US" sz="1800" dirty="0"/>
-              <a:t>为</a:t>
-            </a:r>
-            <a:r>
-              <a:rPr lang="en-CA" sz="1800" dirty="0" err="1"/>
-              <a:t>com.company.bank</a:t>
-            </a:r>
-            <a:r>
-              <a:rPr lang="zh-CN" altLang="en-US" sz="1800" dirty="0"/>
-              <a:t>的银行组织包含所有银行相关的项目。</a:t>
-            </a:r>
-          </a:p>
-          <a:p>
-            <a:pPr algn="l"/>
+              <a:t>&gt;  </a:t>
+            </a:r>
+            <a:r>
+              <a:rPr lang="zh-CN" altLang="en-US" sz="1800" dirty="0"/>
+              <a:t>项目名</a:t>
+            </a:r>
+          </a:p>
+          <a:p>
+            <a:pPr algn="l"/>
+            <a:r>
+              <a:rPr lang="zh-CN" altLang="en-US" sz="1800" dirty="0"/>
+              <a:t>      </a:t>
+            </a:r>
+            <a:r>
+              <a:rPr lang="en-US" altLang="zh-CN" sz="1800" dirty="0"/>
+              <a:t>&lt;</a:t>
+            </a:r>
             <a:r>
               <a:rPr lang="en-CA" sz="1800" dirty="0" err="1"/>
               <a:t>artifactId</a:t>
             </a:r>
             <a:r>
               <a:rPr lang="en-CA" sz="1800" dirty="0"/>
-              <a:t>	</a:t>
-            </a:r>
-            <a:r>
-              <a:rPr lang="zh-CN" altLang="en-US" sz="1800" dirty="0"/>
-              <a:t>项目的</a:t>
-            </a:r>
-            <a:r>
-              <a:rPr lang="en-CA" sz="1800" dirty="0"/>
-              <a:t>Id，</a:t>
-            </a:r>
-            <a:r>
-              <a:rPr lang="zh-CN" altLang="en-US" sz="1800" dirty="0"/>
-              <a:t>通常是项目的名字。例如，</a:t>
+              <a:t>&gt;</a:t>
             </a:r>
             <a:r>
               <a:rPr lang="en-CA" sz="1800" dirty="0" err="1"/>
-              <a:t>consumer-banking。artifactId</a:t>
-            </a:r>
-            <a:r>
-              <a:rPr lang="zh-CN" altLang="en-US" sz="1800" dirty="0"/>
-              <a:t>与</a:t>
+              <a:t>junit</a:t>
+            </a:r>
+            <a:r>
+              <a:rPr lang="en-CA" sz="1800" dirty="0"/>
+              <a:t>&lt;/</a:t>
             </a:r>
             <a:r>
               <a:rPr lang="en-CA" sz="1800" dirty="0" err="1"/>
-              <a:t>groupId</a:t>
-            </a:r>
-            <a:r>
-              <a:rPr lang="zh-CN" altLang="en-US" sz="1800" dirty="0"/>
-              <a:t>一起定义了仓库中项目构件的路径。</a:t>
-            </a:r>
-          </a:p>
-          <a:p>
-            <a:pPr algn="l"/>
-            <a:r>
-              <a:rPr lang="en-CA" sz="1800" dirty="0"/>
-              <a:t>version	</a:t>
-            </a:r>
-            <a:r>
-              <a:rPr lang="zh-CN" altLang="en-US" sz="1800" dirty="0"/>
-              <a:t>项目的版本。它与</a:t>
-            </a:r>
-            <a:r>
-              <a:rPr lang="en-CA" sz="1800" dirty="0" err="1"/>
-              <a:t>groupId</a:t>
-            </a:r>
-            <a:r>
-              <a:rPr lang="zh-CN" altLang="en-US" sz="1800" dirty="0"/>
-              <a:t>一起，在项目构件仓库中用作区分不同的版本，例如：</a:t>
-            </a:r>
-          </a:p>
-          <a:p>
-            <a:pPr algn="l"/>
-            <a:endParaRPr lang="zh-CN" altLang="en-US" sz="1800" dirty="0"/>
-          </a:p>
-          <a:p>
-            <a:pPr algn="l"/>
-            <a:r>
-              <a:rPr lang="en-CA" sz="1800" dirty="0"/>
-              <a:t>com.company.bank:consumer-banking:1.0</a:t>
-            </a:r>
-          </a:p>
-          <a:p>
-            <a:pPr algn="l"/>
-            <a:r>
-              <a:rPr lang="en-CA" sz="1800" dirty="0"/>
-              <a:t>com.company.bank:consumer-banking:1.1.</a:t>
-            </a:r>
+              <a:t>artifactId</a:t>
+            </a:r>
+            <a:r>
+              <a:rPr lang="en-CA" sz="1800" dirty="0"/>
+              <a:t>&gt;  </a:t>
+            </a:r>
+            <a:r>
+              <a:rPr lang="zh-CN" altLang="en-US" sz="1800" dirty="0"/>
+              <a:t>项目模块  </a:t>
+            </a:r>
+          </a:p>
+          <a:p>
+            <a:pPr algn="l"/>
+            <a:r>
+              <a:rPr lang="zh-CN" altLang="en-US" sz="1800" dirty="0"/>
+              <a:t>      </a:t>
+            </a:r>
+            <a:r>
+              <a:rPr lang="en-US" altLang="zh-CN" sz="1800" dirty="0"/>
+              <a:t>&lt;</a:t>
+            </a:r>
+            <a:r>
+              <a:rPr lang="en-CA" sz="1800" dirty="0"/>
+              <a:t>version&gt;3.8.1&lt;/version&gt;  </a:t>
+            </a:r>
+            <a:r>
+              <a:rPr lang="zh-CN" altLang="en-US" sz="1800" dirty="0"/>
+              <a:t>项目版本</a:t>
+            </a:r>
+          </a:p>
+          <a:p>
+            <a:pPr algn="l"/>
+            <a:r>
+              <a:rPr lang="zh-CN" altLang="en-US" sz="1800" dirty="0"/>
+              <a:t>      </a:t>
+            </a:r>
+            <a:r>
+              <a:rPr lang="en-US" altLang="zh-CN" sz="1800" dirty="0"/>
+              <a:t>&lt;</a:t>
+            </a:r>
+            <a:r>
+              <a:rPr lang="en-CA" sz="1800" dirty="0"/>
+              <a:t>scope&gt;test&lt;/scope&gt; </a:t>
+            </a:r>
+          </a:p>
+          <a:p>
+            <a:pPr algn="l"/>
+            <a:r>
+              <a:rPr lang="en-CA" sz="1800" dirty="0"/>
+              <a:t>    &lt;/dependency&gt;</a:t>
+            </a:r>
+          </a:p>
+          <a:p>
+            <a:pPr algn="l"/>
+            <a:r>
+              <a:rPr lang="en-CA" sz="1800" dirty="0"/>
+              <a:t>maven</a:t>
+            </a:r>
+            <a:r>
+              <a:rPr lang="zh-CN" altLang="en-US" sz="1800" dirty="0"/>
+              <a:t>都会通过，项目名</a:t>
+            </a:r>
+            <a:r>
+              <a:rPr lang="en-US" altLang="zh-CN" sz="1800" dirty="0"/>
+              <a:t>-</a:t>
+            </a:r>
+            <a:r>
+              <a:rPr lang="zh-CN" altLang="en-US" sz="1800" dirty="0"/>
+              <a:t>项目模块</a:t>
+            </a:r>
+            <a:r>
+              <a:rPr lang="en-US" altLang="zh-CN" sz="1800" dirty="0"/>
+              <a:t>-</a:t>
+            </a:r>
+            <a:r>
+              <a:rPr lang="zh-CN" altLang="en-US" sz="1800" dirty="0"/>
+              <a:t>项目版本来</a:t>
+            </a:r>
+            <a:r>
+              <a:rPr lang="en-CA" sz="1800" dirty="0"/>
+              <a:t>maven</a:t>
+            </a:r>
+            <a:r>
+              <a:rPr lang="zh-CN" altLang="en-US" sz="1800" dirty="0"/>
+              <a:t>在互联网上的代码库中下载相应</a:t>
+            </a:r>
+            <a:r>
+              <a:rPr lang="en-CA" sz="1800" dirty="0"/>
+              <a:t>jar</a:t>
+            </a:r>
+            <a:r>
+              <a:rPr lang="zh-CN" altLang="en-US" sz="1800" dirty="0"/>
+              <a:t>包。</a:t>
+            </a:r>
+            <a:endParaRPr lang="en-CA" sz="1800" dirty="0"/>
           </a:p>
         </p:txBody>
       </p:sp>
     </p:spTree>
     <p:extLst>
       <p:ext uri="{BB962C8B-B14F-4D97-AF65-F5344CB8AC3E}">
-        <p14:creationId xmlns:p14="http://schemas.microsoft.com/office/powerpoint/2010/main" val="258402518"/>
+        <p14:creationId xmlns:p14="http://schemas.microsoft.com/office/powerpoint/2010/main" val="1253239944"/>
       </p:ext>
     </p:extLst>
   </p:cSld>
@@ -15149,263 +15326,212 @@
           <a:p>
             <a:pPr algn="l"/>
             <a:r>
-              <a:rPr lang="en-US" altLang="zh-CN" sz="1800" dirty="0"/>
-              <a:t>Eclipse </a:t>
-            </a:r>
-            <a:r>
-              <a:rPr lang="zh-CN" altLang="en-US" sz="1800" dirty="0"/>
-              <a:t>提供了一个极佳的插件 </a:t>
-            </a:r>
-            <a:r>
-              <a:rPr lang="en-US" altLang="zh-CN" sz="1800" dirty="0"/>
-              <a:t>m2eclipse </a:t>
-            </a:r>
-            <a:r>
-              <a:rPr lang="zh-CN" altLang="en-US" sz="1800" dirty="0"/>
-              <a:t>，可以无缝地把 </a:t>
-            </a:r>
-            <a:r>
-              <a:rPr lang="en-US" altLang="zh-CN" sz="1800" dirty="0"/>
-              <a:t>Maven </a:t>
-            </a:r>
-            <a:r>
-              <a:rPr lang="zh-CN" altLang="en-US" sz="1800" dirty="0"/>
-              <a:t>和 </a:t>
-            </a:r>
-            <a:r>
-              <a:rPr lang="en-US" altLang="zh-CN" sz="1800" dirty="0"/>
-              <a:t>Eclipse </a:t>
-            </a:r>
-            <a:r>
-              <a:rPr lang="zh-CN" altLang="en-US" sz="1800" dirty="0"/>
-              <a:t>集成在一起。</a:t>
-            </a:r>
-          </a:p>
-          <a:p>
-            <a:pPr algn="l"/>
-            <a:r>
-              <a:rPr lang="en-US" altLang="zh-CN" sz="1800" dirty="0"/>
-              <a:t>m2eclipse </a:t>
-            </a:r>
-            <a:r>
-              <a:rPr lang="zh-CN" altLang="en-US" sz="1800" dirty="0"/>
-              <a:t>的一些特性列出如下：</a:t>
-            </a:r>
-          </a:p>
-          <a:p>
-            <a:pPr algn="l"/>
-            <a:r>
-              <a:rPr lang="zh-CN" altLang="en-US" sz="1800" dirty="0"/>
-              <a:t>你可以从 </a:t>
-            </a:r>
-            <a:r>
-              <a:rPr lang="en-US" altLang="zh-CN" sz="1800" dirty="0"/>
-              <a:t>Eclipse </a:t>
-            </a:r>
-            <a:r>
-              <a:rPr lang="zh-CN" altLang="en-US" sz="1800" dirty="0"/>
-              <a:t>中运行 </a:t>
-            </a:r>
-            <a:r>
-              <a:rPr lang="en-US" altLang="zh-CN" sz="1800" dirty="0"/>
-              <a:t>Maven </a:t>
-            </a:r>
-            <a:r>
-              <a:rPr lang="zh-CN" altLang="en-US" sz="1800" dirty="0"/>
-              <a:t>目标操作。</a:t>
-            </a:r>
-          </a:p>
-          <a:p>
-            <a:pPr algn="l"/>
-            <a:r>
-              <a:rPr lang="zh-CN" altLang="en-US" sz="1800" dirty="0"/>
-              <a:t>你可以使用 </a:t>
-            </a:r>
-            <a:r>
-              <a:rPr lang="en-US" altLang="zh-CN" sz="1800" dirty="0"/>
-              <a:t>Eclipse </a:t>
-            </a:r>
-            <a:r>
-              <a:rPr lang="zh-CN" altLang="en-US" sz="1800" dirty="0"/>
-              <a:t>自身的控制台查看 </a:t>
-            </a:r>
-            <a:r>
-              <a:rPr lang="en-US" altLang="zh-CN" sz="1800" dirty="0"/>
-              <a:t>Maven </a:t>
-            </a:r>
-            <a:r>
-              <a:rPr lang="zh-CN" altLang="en-US" sz="1800" dirty="0"/>
-              <a:t>命令的输出。</a:t>
-            </a:r>
-          </a:p>
-          <a:p>
-            <a:pPr algn="l"/>
-            <a:r>
-              <a:rPr lang="zh-CN" altLang="en-US" sz="1800" dirty="0"/>
-              <a:t>你可以使用 </a:t>
-            </a:r>
-            <a:r>
-              <a:rPr lang="en-US" altLang="zh-CN" sz="1800" dirty="0"/>
-              <a:t>IDE </a:t>
-            </a:r>
-            <a:r>
-              <a:rPr lang="zh-CN" altLang="en-US" sz="1800" dirty="0"/>
-              <a:t>更新 </a:t>
-            </a:r>
-            <a:r>
-              <a:rPr lang="en-US" altLang="zh-CN" sz="1800" dirty="0"/>
-              <a:t>Maven </a:t>
-            </a:r>
-            <a:r>
-              <a:rPr lang="zh-CN" altLang="en-US" sz="1800" dirty="0"/>
-              <a:t>依赖。</a:t>
-            </a:r>
-          </a:p>
-          <a:p>
-            <a:pPr algn="l"/>
-            <a:r>
-              <a:rPr lang="zh-CN" altLang="en-US" sz="1800" dirty="0"/>
-              <a:t>你可以从 </a:t>
-            </a:r>
-            <a:r>
-              <a:rPr lang="en-US" altLang="zh-CN" sz="1800" dirty="0"/>
-              <a:t>Eclipse </a:t>
-            </a:r>
-            <a:r>
-              <a:rPr lang="zh-CN" altLang="en-US" sz="1800" dirty="0"/>
-              <a:t>中启动 </a:t>
-            </a:r>
-            <a:r>
-              <a:rPr lang="en-US" altLang="zh-CN" sz="1800" dirty="0"/>
-              <a:t>Maven </a:t>
-            </a:r>
-            <a:r>
-              <a:rPr lang="zh-CN" altLang="en-US" sz="1800" dirty="0"/>
-              <a:t>构建。</a:t>
-            </a:r>
-          </a:p>
-          <a:p>
-            <a:pPr algn="l"/>
-            <a:r>
-              <a:rPr lang="zh-CN" altLang="en-US" sz="1800" dirty="0"/>
-              <a:t>为基于 </a:t>
-            </a:r>
-            <a:r>
-              <a:rPr lang="en-US" altLang="zh-CN" sz="1800" dirty="0"/>
-              <a:t>Maven pom.xml </a:t>
-            </a:r>
-            <a:r>
-              <a:rPr lang="zh-CN" altLang="en-US" sz="1800" dirty="0"/>
-              <a:t>文件的 </a:t>
-            </a:r>
-            <a:r>
-              <a:rPr lang="en-US" altLang="zh-CN" sz="1800" dirty="0"/>
-              <a:t>Eclipse </a:t>
-            </a:r>
-            <a:r>
-              <a:rPr lang="zh-CN" altLang="en-US" sz="1800" dirty="0"/>
-              <a:t>构建路径做依赖管理。</a:t>
-            </a:r>
-          </a:p>
-          <a:p>
-            <a:pPr algn="l"/>
-            <a:r>
-              <a:rPr lang="zh-CN" altLang="en-US" sz="1800" dirty="0"/>
-              <a:t>解决来自 </a:t>
-            </a:r>
-            <a:r>
-              <a:rPr lang="en-US" altLang="zh-CN" sz="1800" dirty="0"/>
-              <a:t>Eclipse </a:t>
-            </a:r>
-            <a:r>
-              <a:rPr lang="zh-CN" altLang="en-US" sz="1800" dirty="0"/>
-              <a:t>工作空间的 </a:t>
-            </a:r>
-            <a:r>
-              <a:rPr lang="en-US" altLang="zh-CN" sz="1800" dirty="0"/>
-              <a:t>Maven </a:t>
-            </a:r>
-            <a:r>
-              <a:rPr lang="zh-CN" altLang="en-US" sz="1800" dirty="0"/>
-              <a:t>依赖，而无需安装依赖到本地 </a:t>
-            </a:r>
-            <a:r>
-              <a:rPr lang="en-US" altLang="zh-CN" sz="1800" dirty="0"/>
-              <a:t>Maven </a:t>
-            </a:r>
-            <a:r>
-              <a:rPr lang="zh-CN" altLang="en-US" sz="1800" dirty="0"/>
-              <a:t>仓库中（需要依赖的项目在同一个工作空间中）。</a:t>
-            </a:r>
-          </a:p>
-          <a:p>
-            <a:pPr algn="l"/>
-            <a:r>
-              <a:rPr lang="zh-CN" altLang="en-US" sz="1800" dirty="0"/>
-              <a:t>自动从 </a:t>
-            </a:r>
-            <a:r>
-              <a:rPr lang="en-US" altLang="zh-CN" sz="1800" dirty="0"/>
-              <a:t>Maven </a:t>
-            </a:r>
-            <a:r>
-              <a:rPr lang="zh-CN" altLang="en-US" sz="1800" dirty="0"/>
-              <a:t>远程仓库中下载所需依赖及源码。</a:t>
-            </a:r>
-          </a:p>
-          <a:p>
-            <a:pPr algn="l"/>
-            <a:r>
-              <a:rPr lang="zh-CN" altLang="en-US" sz="1800" dirty="0"/>
-              <a:t>提供了向导，可供创建 </a:t>
-            </a:r>
-            <a:r>
-              <a:rPr lang="en-US" altLang="zh-CN" sz="1800" dirty="0"/>
-              <a:t>Maven </a:t>
-            </a:r>
-            <a:r>
-              <a:rPr lang="zh-CN" altLang="en-US" sz="1800" dirty="0"/>
-              <a:t>新项目和 </a:t>
-            </a:r>
-            <a:r>
-              <a:rPr lang="en-US" altLang="zh-CN" sz="1800" dirty="0"/>
-              <a:t>pom.xml </a:t>
-            </a:r>
-            <a:r>
-              <a:rPr lang="zh-CN" altLang="en-US" sz="1800" dirty="0"/>
-              <a:t>文件以及为已存在的项目开启 </a:t>
-            </a:r>
-            <a:r>
-              <a:rPr lang="en-US" altLang="zh-CN" sz="1800" dirty="0"/>
-              <a:t>Maven </a:t>
-            </a:r>
-            <a:r>
-              <a:rPr lang="zh-CN" altLang="en-US" sz="1800" dirty="0"/>
-              <a:t>支持。</a:t>
-            </a:r>
-          </a:p>
-          <a:p>
-            <a:pPr algn="l"/>
-            <a:r>
-              <a:rPr lang="zh-CN" altLang="en-US" sz="1800" dirty="0"/>
-              <a:t>提供了对 </a:t>
-            </a:r>
-            <a:r>
-              <a:rPr lang="en-US" altLang="zh-CN" sz="1800" dirty="0"/>
-              <a:t>Maven </a:t>
-            </a:r>
-            <a:r>
-              <a:rPr lang="zh-CN" altLang="en-US" sz="1800" dirty="0"/>
-              <a:t>远程仓库中依赖的快速搜索。</a:t>
-            </a:r>
-            <a:endParaRPr lang="en-CA" sz="1800" dirty="0"/>
+              <a:rPr lang="zh-CN" altLang="en-US" sz="1800" dirty="0"/>
+              <a:t>所有的</a:t>
+            </a:r>
+            <a:r>
+              <a:rPr lang="en-CA" sz="1800" dirty="0"/>
+              <a:t>POM</a:t>
+            </a:r>
+            <a:r>
+              <a:rPr lang="zh-CN" altLang="en-US" sz="1800" dirty="0"/>
+              <a:t>文件要求有</a:t>
+            </a:r>
+            <a:r>
+              <a:rPr lang="en-CA" sz="1800" dirty="0" err="1"/>
+              <a:t>projec</a:t>
+            </a:r>
+            <a:r>
+              <a:rPr lang="zh-CN" altLang="en-US" sz="1800" dirty="0"/>
+              <a:t>节点和三个必须字段：</a:t>
+            </a:r>
+            <a:r>
+              <a:rPr lang="en-CA" sz="1800" dirty="0" err="1"/>
+              <a:t>groupId</a:t>
+            </a:r>
+            <a:r>
+              <a:rPr lang="en-CA" sz="1800" dirty="0"/>
+              <a:t>, </a:t>
+            </a:r>
+            <a:r>
+              <a:rPr lang="en-CA" sz="1800" dirty="0" err="1"/>
+              <a:t>artifactId,version</a:t>
+            </a:r>
+            <a:r>
+              <a:rPr lang="en-CA" sz="1800" dirty="0"/>
+              <a:t>。</a:t>
+            </a:r>
+          </a:p>
+          <a:p>
+            <a:pPr algn="l"/>
+            <a:r>
+              <a:rPr lang="zh-CN" altLang="en-US" sz="1800" dirty="0"/>
+              <a:t>在仓库中项目的标识为</a:t>
+            </a:r>
+            <a:r>
+              <a:rPr lang="en-CA" sz="1800" dirty="0" err="1"/>
+              <a:t>groupId:artifactId:version</a:t>
+            </a:r>
+            <a:r>
+              <a:rPr lang="en-CA" sz="1800" dirty="0"/>
+              <a:t>。</a:t>
+            </a:r>
+          </a:p>
+          <a:p>
+            <a:pPr algn="l"/>
+            <a:r>
+              <a:rPr lang="en-CA" sz="1800" dirty="0"/>
+              <a:t>POM.xml</a:t>
+            </a:r>
+            <a:r>
+              <a:rPr lang="zh-CN" altLang="en-US" sz="1800" dirty="0"/>
+              <a:t>的根节点是</a:t>
+            </a:r>
+            <a:r>
+              <a:rPr lang="en-CA" sz="1800" dirty="0"/>
+              <a:t>project</a:t>
+            </a:r>
+            <a:r>
+              <a:rPr lang="zh-CN" altLang="en-US" sz="1800" dirty="0"/>
+              <a:t>并且其下有三个主要的子节点：</a:t>
+            </a:r>
+          </a:p>
+          <a:p>
+            <a:pPr algn="l"/>
+            <a:r>
+              <a:rPr lang="zh-CN" altLang="en-US" sz="1800" dirty="0"/>
+              <a:t>节点	描述</a:t>
+            </a:r>
+          </a:p>
+          <a:p>
+            <a:pPr algn="l"/>
+            <a:r>
+              <a:rPr lang="en-CA" sz="1800" dirty="0" err="1"/>
+              <a:t>groupId</a:t>
+            </a:r>
+            <a:r>
+              <a:rPr lang="en-CA" sz="1800" dirty="0"/>
+              <a:t>	</a:t>
+            </a:r>
+            <a:r>
+              <a:rPr lang="zh-CN" altLang="en-US" sz="1800" dirty="0"/>
+              <a:t>项目组织的</a:t>
+            </a:r>
+            <a:r>
+              <a:rPr lang="en-CA" sz="1800" dirty="0"/>
+              <a:t>Id。</a:t>
+            </a:r>
+            <a:r>
+              <a:rPr lang="zh-CN" altLang="en-US" sz="1800" dirty="0"/>
+              <a:t>通常在一个项目或者一个组织之中，这个</a:t>
+            </a:r>
+            <a:r>
+              <a:rPr lang="en-CA" sz="1800" dirty="0"/>
+              <a:t>Id</a:t>
+            </a:r>
+            <a:r>
+              <a:rPr lang="zh-CN" altLang="en-US" sz="1800" dirty="0"/>
+              <a:t>是唯一的。例如，某个</a:t>
+            </a:r>
+            <a:r>
+              <a:rPr lang="en-CA" sz="1800" dirty="0"/>
+              <a:t>Id</a:t>
+            </a:r>
+            <a:r>
+              <a:rPr lang="zh-CN" altLang="en-US" sz="1800" dirty="0"/>
+              <a:t>为</a:t>
+            </a:r>
+            <a:r>
+              <a:rPr lang="en-CA" sz="1800" dirty="0" err="1"/>
+              <a:t>com.company.bank</a:t>
+            </a:r>
+            <a:r>
+              <a:rPr lang="zh-CN" altLang="en-US" sz="1800" dirty="0"/>
+              <a:t>的银行组织包含所有银行相关的项目。</a:t>
+            </a:r>
+          </a:p>
+          <a:p>
+            <a:pPr algn="l"/>
+            <a:r>
+              <a:rPr lang="en-CA" sz="1800" dirty="0" err="1"/>
+              <a:t>artifactId</a:t>
+            </a:r>
+            <a:r>
+              <a:rPr lang="en-CA" sz="1800" dirty="0"/>
+              <a:t>	</a:t>
+            </a:r>
+            <a:r>
+              <a:rPr lang="zh-CN" altLang="en-US" sz="1800" dirty="0"/>
+              <a:t>项目的</a:t>
+            </a:r>
+            <a:r>
+              <a:rPr lang="en-CA" sz="1800" dirty="0"/>
+              <a:t>Id，</a:t>
+            </a:r>
+            <a:r>
+              <a:rPr lang="zh-CN" altLang="en-US" sz="1800" dirty="0"/>
+              <a:t>通常是项目的名字。例如，</a:t>
+            </a:r>
+            <a:r>
+              <a:rPr lang="en-CA" sz="1800" dirty="0" err="1"/>
+              <a:t>consumer-banking。artifactId</a:t>
+            </a:r>
+            <a:r>
+              <a:rPr lang="zh-CN" altLang="en-US" sz="1800" dirty="0"/>
+              <a:t>与</a:t>
+            </a:r>
+            <a:r>
+              <a:rPr lang="en-CA" sz="1800" dirty="0" err="1"/>
+              <a:t>groupId</a:t>
+            </a:r>
+            <a:r>
+              <a:rPr lang="zh-CN" altLang="en-US" sz="1800" dirty="0"/>
+              <a:t>一起定义了仓库中项目构件的路径。</a:t>
+            </a:r>
+          </a:p>
+          <a:p>
+            <a:pPr algn="l"/>
+            <a:r>
+              <a:rPr lang="en-CA" sz="1800" dirty="0"/>
+              <a:t>version	</a:t>
+            </a:r>
+            <a:r>
+              <a:rPr lang="zh-CN" altLang="en-US" sz="1800" dirty="0"/>
+              <a:t>项目的版本。它与</a:t>
+            </a:r>
+            <a:r>
+              <a:rPr lang="en-CA" sz="1800" dirty="0" err="1"/>
+              <a:t>groupId</a:t>
+            </a:r>
+            <a:r>
+              <a:rPr lang="zh-CN" altLang="en-US" sz="1800" dirty="0"/>
+              <a:t>一起，在项目构件仓库中用作区分不同的版本，例如：</a:t>
+            </a:r>
+          </a:p>
+          <a:p>
+            <a:pPr algn="l"/>
+            <a:endParaRPr lang="zh-CN" altLang="en-US" sz="1800" dirty="0"/>
+          </a:p>
+          <a:p>
+            <a:pPr algn="l"/>
+            <a:r>
+              <a:rPr lang="en-CA" sz="1800" dirty="0"/>
+              <a:t>com.company.bank:consumer-banking:1.0</a:t>
+            </a:r>
+          </a:p>
+          <a:p>
+            <a:pPr algn="l"/>
+            <a:r>
+              <a:rPr lang="en-CA" sz="1800" dirty="0"/>
+              <a:t>com.company.bank:consumer-banking:1.1.</a:t>
+            </a:r>
           </a:p>
         </p:txBody>
       </p:sp>
     </p:spTree>
     <p:extLst>
       <p:ext uri="{BB962C8B-B14F-4D97-AF65-F5344CB8AC3E}">
-        <p14:creationId xmlns:p14="http://schemas.microsoft.com/office/powerpoint/2010/main" val="130099697"/>
+        <p14:creationId xmlns:p14="http://schemas.microsoft.com/office/powerpoint/2010/main" val="258402518"/>
       </p:ext>
     </p:extLst>
   </p:cSld>
@@ -15670,6 +15796,320 @@
 </file>
 
 <file path=ppt/slides/slide70.xml><?xml version="1.0" encoding="utf-8"?>
+<p:sld xmlns:a="http://schemas.openxmlformats.org/drawingml/2006/main" xmlns:r="http://schemas.openxmlformats.org/officeDocument/2006/relationships" xmlns:p="http://schemas.openxmlformats.org/presentationml/2006/main">
+  <p:cSld>
+    <p:spTree>
+      <p:nvGrpSpPr>
+        <p:cNvPr id="1" name=""/>
+        <p:cNvGrpSpPr/>
+        <p:nvPr/>
+      </p:nvGrpSpPr>
+      <p:grpSpPr>
+        <a:xfrm>
+          <a:off x="0" y="0"/>
+          <a:ext cx="0" cy="0"/>
+          <a:chOff x="0" y="0"/>
+          <a:chExt cx="0" cy="0"/>
+        </a:xfrm>
+      </p:grpSpPr>
+      <p:sp>
+        <p:nvSpPr>
+          <p:cNvPr id="3" name="Subtitle 2"/>
+          <p:cNvSpPr>
+            <a:spLocks noGrp="1"/>
+          </p:cNvSpPr>
+          <p:nvPr>
+            <p:ph type="subTitle" idx="1"/>
+          </p:nvPr>
+        </p:nvSpPr>
+        <p:spPr>
+          <a:xfrm>
+            <a:off x="1524000" y="430305"/>
+            <a:ext cx="9144000" cy="6131859"/>
+          </a:xfrm>
+        </p:spPr>
+        <p:txBody>
+          <a:bodyPr>
+            <a:normAutofit/>
+          </a:bodyPr>
+          <a:lstStyle/>
+          <a:p>
+            <a:pPr algn="l"/>
+            <a:r>
+              <a:rPr lang="en-US" altLang="zh-CN" sz="1800" dirty="0"/>
+              <a:t>Eclipse </a:t>
+            </a:r>
+            <a:r>
+              <a:rPr lang="zh-CN" altLang="en-US" sz="1800" dirty="0"/>
+              <a:t>提供了一个极佳的插件 </a:t>
+            </a:r>
+            <a:r>
+              <a:rPr lang="en-US" altLang="zh-CN" sz="1800" dirty="0"/>
+              <a:t>m2eclipse </a:t>
+            </a:r>
+            <a:r>
+              <a:rPr lang="zh-CN" altLang="en-US" sz="1800" dirty="0"/>
+              <a:t>，可以无缝地把 </a:t>
+            </a:r>
+            <a:r>
+              <a:rPr lang="en-US" altLang="zh-CN" sz="1800" dirty="0"/>
+              <a:t>Maven </a:t>
+            </a:r>
+            <a:r>
+              <a:rPr lang="zh-CN" altLang="en-US" sz="1800" dirty="0"/>
+              <a:t>和 </a:t>
+            </a:r>
+            <a:r>
+              <a:rPr lang="en-US" altLang="zh-CN" sz="1800" dirty="0"/>
+              <a:t>Eclipse </a:t>
+            </a:r>
+            <a:r>
+              <a:rPr lang="zh-CN" altLang="en-US" sz="1800" dirty="0"/>
+              <a:t>集成在一起。</a:t>
+            </a:r>
+          </a:p>
+          <a:p>
+            <a:pPr algn="l"/>
+            <a:r>
+              <a:rPr lang="en-US" altLang="zh-CN" sz="1800" dirty="0"/>
+              <a:t>m2eclipse </a:t>
+            </a:r>
+            <a:r>
+              <a:rPr lang="zh-CN" altLang="en-US" sz="1800" dirty="0"/>
+              <a:t>的一些特性列出如下：</a:t>
+            </a:r>
+          </a:p>
+          <a:p>
+            <a:pPr algn="l"/>
+            <a:r>
+              <a:rPr lang="zh-CN" altLang="en-US" sz="1800" dirty="0"/>
+              <a:t>你可以从 </a:t>
+            </a:r>
+            <a:r>
+              <a:rPr lang="en-US" altLang="zh-CN" sz="1800" dirty="0"/>
+              <a:t>Eclipse </a:t>
+            </a:r>
+            <a:r>
+              <a:rPr lang="zh-CN" altLang="en-US" sz="1800" dirty="0"/>
+              <a:t>中运行 </a:t>
+            </a:r>
+            <a:r>
+              <a:rPr lang="en-US" altLang="zh-CN" sz="1800" dirty="0"/>
+              <a:t>Maven </a:t>
+            </a:r>
+            <a:r>
+              <a:rPr lang="zh-CN" altLang="en-US" sz="1800" dirty="0"/>
+              <a:t>目标操作。</a:t>
+            </a:r>
+          </a:p>
+          <a:p>
+            <a:pPr algn="l"/>
+            <a:r>
+              <a:rPr lang="zh-CN" altLang="en-US" sz="1800" dirty="0"/>
+              <a:t>你可以使用 </a:t>
+            </a:r>
+            <a:r>
+              <a:rPr lang="en-US" altLang="zh-CN" sz="1800" dirty="0"/>
+              <a:t>Eclipse </a:t>
+            </a:r>
+            <a:r>
+              <a:rPr lang="zh-CN" altLang="en-US" sz="1800" dirty="0"/>
+              <a:t>自身的控制台查看 </a:t>
+            </a:r>
+            <a:r>
+              <a:rPr lang="en-US" altLang="zh-CN" sz="1800" dirty="0"/>
+              <a:t>Maven </a:t>
+            </a:r>
+            <a:r>
+              <a:rPr lang="zh-CN" altLang="en-US" sz="1800" dirty="0"/>
+              <a:t>命令的输出。</a:t>
+            </a:r>
+          </a:p>
+          <a:p>
+            <a:pPr algn="l"/>
+            <a:r>
+              <a:rPr lang="zh-CN" altLang="en-US" sz="1800" dirty="0"/>
+              <a:t>你可以使用 </a:t>
+            </a:r>
+            <a:r>
+              <a:rPr lang="en-US" altLang="zh-CN" sz="1800" dirty="0"/>
+              <a:t>IDE </a:t>
+            </a:r>
+            <a:r>
+              <a:rPr lang="zh-CN" altLang="en-US" sz="1800" dirty="0"/>
+              <a:t>更新 </a:t>
+            </a:r>
+            <a:r>
+              <a:rPr lang="en-US" altLang="zh-CN" sz="1800" dirty="0"/>
+              <a:t>Maven </a:t>
+            </a:r>
+            <a:r>
+              <a:rPr lang="zh-CN" altLang="en-US" sz="1800" dirty="0"/>
+              <a:t>依赖。</a:t>
+            </a:r>
+          </a:p>
+          <a:p>
+            <a:pPr algn="l"/>
+            <a:r>
+              <a:rPr lang="zh-CN" altLang="en-US" sz="1800" dirty="0"/>
+              <a:t>你可以从 </a:t>
+            </a:r>
+            <a:r>
+              <a:rPr lang="en-US" altLang="zh-CN" sz="1800" dirty="0"/>
+              <a:t>Eclipse </a:t>
+            </a:r>
+            <a:r>
+              <a:rPr lang="zh-CN" altLang="en-US" sz="1800" dirty="0"/>
+              <a:t>中启动 </a:t>
+            </a:r>
+            <a:r>
+              <a:rPr lang="en-US" altLang="zh-CN" sz="1800" dirty="0"/>
+              <a:t>Maven </a:t>
+            </a:r>
+            <a:r>
+              <a:rPr lang="zh-CN" altLang="en-US" sz="1800" dirty="0"/>
+              <a:t>构建。</a:t>
+            </a:r>
+          </a:p>
+          <a:p>
+            <a:pPr algn="l"/>
+            <a:r>
+              <a:rPr lang="zh-CN" altLang="en-US" sz="1800" dirty="0"/>
+              <a:t>为基于 </a:t>
+            </a:r>
+            <a:r>
+              <a:rPr lang="en-US" altLang="zh-CN" sz="1800" dirty="0"/>
+              <a:t>Maven pom.xml </a:t>
+            </a:r>
+            <a:r>
+              <a:rPr lang="zh-CN" altLang="en-US" sz="1800" dirty="0"/>
+              <a:t>文件的 </a:t>
+            </a:r>
+            <a:r>
+              <a:rPr lang="en-US" altLang="zh-CN" sz="1800" dirty="0"/>
+              <a:t>Eclipse </a:t>
+            </a:r>
+            <a:r>
+              <a:rPr lang="zh-CN" altLang="en-US" sz="1800" dirty="0"/>
+              <a:t>构建路径做依赖管理。</a:t>
+            </a:r>
+          </a:p>
+          <a:p>
+            <a:pPr algn="l"/>
+            <a:r>
+              <a:rPr lang="zh-CN" altLang="en-US" sz="1800" dirty="0"/>
+              <a:t>解决来自 </a:t>
+            </a:r>
+            <a:r>
+              <a:rPr lang="en-US" altLang="zh-CN" sz="1800" dirty="0"/>
+              <a:t>Eclipse </a:t>
+            </a:r>
+            <a:r>
+              <a:rPr lang="zh-CN" altLang="en-US" sz="1800" dirty="0"/>
+              <a:t>工作空间的 </a:t>
+            </a:r>
+            <a:r>
+              <a:rPr lang="en-US" altLang="zh-CN" sz="1800" dirty="0"/>
+              <a:t>Maven </a:t>
+            </a:r>
+            <a:r>
+              <a:rPr lang="zh-CN" altLang="en-US" sz="1800" dirty="0"/>
+              <a:t>依赖，而无需安装依赖到本地 </a:t>
+            </a:r>
+            <a:r>
+              <a:rPr lang="en-US" altLang="zh-CN" sz="1800" dirty="0"/>
+              <a:t>Maven </a:t>
+            </a:r>
+            <a:r>
+              <a:rPr lang="zh-CN" altLang="en-US" sz="1800" dirty="0"/>
+              <a:t>仓库中（需要依赖的项目在同一个工作空间中）。</a:t>
+            </a:r>
+          </a:p>
+          <a:p>
+            <a:pPr algn="l"/>
+            <a:r>
+              <a:rPr lang="zh-CN" altLang="en-US" sz="1800" dirty="0"/>
+              <a:t>自动从 </a:t>
+            </a:r>
+            <a:r>
+              <a:rPr lang="en-US" altLang="zh-CN" sz="1800" dirty="0"/>
+              <a:t>Maven </a:t>
+            </a:r>
+            <a:r>
+              <a:rPr lang="zh-CN" altLang="en-US" sz="1800" dirty="0"/>
+              <a:t>远程仓库中下载所需依赖及源码。</a:t>
+            </a:r>
+          </a:p>
+          <a:p>
+            <a:pPr algn="l"/>
+            <a:r>
+              <a:rPr lang="zh-CN" altLang="en-US" sz="1800" dirty="0"/>
+              <a:t>提供了向导，可供创建 </a:t>
+            </a:r>
+            <a:r>
+              <a:rPr lang="en-US" altLang="zh-CN" sz="1800" dirty="0"/>
+              <a:t>Maven </a:t>
+            </a:r>
+            <a:r>
+              <a:rPr lang="zh-CN" altLang="en-US" sz="1800" dirty="0"/>
+              <a:t>新项目和 </a:t>
+            </a:r>
+            <a:r>
+              <a:rPr lang="en-US" altLang="zh-CN" sz="1800" dirty="0"/>
+              <a:t>pom.xml </a:t>
+            </a:r>
+            <a:r>
+              <a:rPr lang="zh-CN" altLang="en-US" sz="1800" dirty="0"/>
+              <a:t>文件以及为已存在的项目开启 </a:t>
+            </a:r>
+            <a:r>
+              <a:rPr lang="en-US" altLang="zh-CN" sz="1800" dirty="0"/>
+              <a:t>Maven </a:t>
+            </a:r>
+            <a:r>
+              <a:rPr lang="zh-CN" altLang="en-US" sz="1800" dirty="0"/>
+              <a:t>支持。</a:t>
+            </a:r>
+          </a:p>
+          <a:p>
+            <a:pPr algn="l"/>
+            <a:r>
+              <a:rPr lang="zh-CN" altLang="en-US" sz="1800" dirty="0"/>
+              <a:t>提供了对 </a:t>
+            </a:r>
+            <a:r>
+              <a:rPr lang="en-US" altLang="zh-CN" sz="1800" dirty="0"/>
+              <a:t>Maven </a:t>
+            </a:r>
+            <a:r>
+              <a:rPr lang="zh-CN" altLang="en-US" sz="1800" dirty="0"/>
+              <a:t>远程仓库中依赖的快速搜索。</a:t>
+            </a:r>
+            <a:endParaRPr lang="en-CA" sz="1800" dirty="0"/>
+          </a:p>
+        </p:txBody>
+      </p:sp>
+    </p:spTree>
+    <p:extLst>
+      <p:ext uri="{BB962C8B-B14F-4D97-AF65-F5344CB8AC3E}">
+        <p14:creationId xmlns:p14="http://schemas.microsoft.com/office/powerpoint/2010/main" val="130099697"/>
+      </p:ext>
+    </p:extLst>
+  </p:cSld>
+  <p:clrMapOvr>
+    <a:masterClrMapping/>
+  </p:clrMapOvr>
+  <p:timing>
+    <p:tnLst>
+      <p:par>
+        <p:cTn id="1" dur="indefinite" restart="never" nodeType="tmRoot"/>
+      </p:par>
+    </p:tnLst>
+  </p:timing>
+</p:sld>
+</file>
+
+<file path=ppt/slides/slide71.xml><?xml version="1.0" encoding="utf-8"?>
 <p:sld xmlns:a="http://schemas.openxmlformats.org/drawingml/2006/main" xmlns:r="http://schemas.openxmlformats.org/officeDocument/2006/relationships" xmlns:p="http://schemas.openxmlformats.org/presentationml/2006/main">
   <p:cSld>
     <p:spTree>
